--- a/04_22_Checkpoint_1st_DomainModel추가본.pptx
+++ b/04_22_Checkpoint_1st_DomainModel추가본.pptx
@@ -34,8 +34,11 @@
   <p:notesSz cx="6858000" cy="9144000"/>
   <p:embeddedFontLst>
     <p:embeddedFont>
-      <p:font typeface="맑은 고딕" panose="020B0503020000020004" pitchFamily="50" charset="-127"/>
-      <p:regular r:id="rId24"/>
+      <p:font typeface="나눔스퀘어 Bold" panose="020B0600000101010101" pitchFamily="50" charset="-127"/>
+      <p:bold r:id="rId24"/>
+    </p:embeddedFont>
+    <p:embeddedFont>
+      <p:font typeface="나눔스퀘어 ExtraBold" panose="020B0600000101010101" pitchFamily="50" charset="-127"/>
       <p:bold r:id="rId25"/>
     </p:embeddedFont>
     <p:embeddedFont>
@@ -43,11 +46,8 @@
       <p:bold r:id="rId26"/>
     </p:embeddedFont>
     <p:embeddedFont>
-      <p:font typeface="나눔스퀘어 ExtraBold" panose="020B0600000101010101" pitchFamily="50" charset="-127"/>
-      <p:bold r:id="rId27"/>
-    </p:embeddedFont>
-    <p:embeddedFont>
-      <p:font typeface="나눔스퀘어 Bold" panose="020B0600000101010101" pitchFamily="50" charset="-127"/>
+      <p:font typeface="맑은 고딕" panose="020B0503020000020004" pitchFamily="50" charset="-127"/>
+      <p:regular r:id="rId27"/>
       <p:bold r:id="rId28"/>
     </p:embeddedFont>
   </p:embeddedFontLst>
@@ -171,7 +171,7 @@
   <p:cm authorId="1" dt="2021-04-14T14:19:29.622" idx="1">
     <p:pos x="1982" y="1505"/>
     <p:text>키보드 숫자 입력? 마우스 입력?</p:text>
-    <p:extLst mod="1">
+    <p:extLst>
       <p:ext uri="{C676402C-5697-4E1C-873F-D02D1690AC5C}">
         <p15:threadingInfo xmlns:p15="http://schemas.microsoft.com/office/powerpoint/2012/main" timeZoneBias="-540"/>
       </p:ext>
@@ -186,7 +186,7 @@
     <p:pos x="6412" y="3226"/>
     <p:text>REQ-6 (FR / 3) : 시스템은 리뷰글의 별점에 담긴 정보를 로컬에 넘겨줍니다
 REQ-7 (FR / 3) : 시스템은 리뷰글의 포함된 태그의 textnode를 로컬에 넘겨줍니다.</p:text>
-    <p:extLst mod="1">
+    <p:extLst>
       <p:ext uri="{C676402C-5697-4E1C-873F-D02D1690AC5C}">
         <p15:threadingInfo xmlns:p15="http://schemas.microsoft.com/office/powerpoint/2012/main" timeZoneBias="-540"/>
       </p:ext>
@@ -195,7 +195,7 @@
   <p:cm authorId="1" dt="2021-04-14T15:11:56.297" idx="4">
     <p:pos x="6412" y="3362"/>
     <p:text>이와 같은 부분은 교수님이 올려주신 자료의 예시처럼 유저의 관점에서 제공받을 수 있는 형태여야할 것 같아 임시로 제외했습니다</p:text>
-    <p:extLst mod="1">
+    <p:extLst>
       <p:ext uri="{C676402C-5697-4E1C-873F-D02D1690AC5C}">
         <p15:threadingInfo xmlns:p15="http://schemas.microsoft.com/office/powerpoint/2012/main" timeZoneBias="-540">
           <p15:parentCm authorId="1" idx="3"/>
@@ -297,7 +297,7 @@
           <a:p>
             <a:fld id="{17FB36FB-C10C-479A-9DFD-15DEB134881C}" type="datetimeFigureOut">
               <a:rPr lang="ko-KR" altLang="en-US" smtClean="0"/>
-              <a:t>2021-04-22</a:t>
+              <a:t>2021-04-23</a:t>
             </a:fld>
             <a:endParaRPr lang="ko-KR" altLang="en-US"/>
           </a:p>
@@ -361,38 +361,37 @@
           <a:p>
             <a:pPr lvl="0"/>
             <a:r>
-              <a:rPr lang="ko-KR" altLang="en-US" smtClean="0"/>
+              <a:rPr lang="ko-KR" altLang="en-US"/>
               <a:t>마스터 텍스트 스타일 편집</a:t>
             </a:r>
           </a:p>
           <a:p>
             <a:pPr lvl="1"/>
             <a:r>
-              <a:rPr lang="ko-KR" altLang="en-US" smtClean="0"/>
+              <a:rPr lang="ko-KR" altLang="en-US"/>
               <a:t>둘째 수준</a:t>
             </a:r>
           </a:p>
           <a:p>
             <a:pPr lvl="2"/>
             <a:r>
-              <a:rPr lang="ko-KR" altLang="en-US" smtClean="0"/>
+              <a:rPr lang="ko-KR" altLang="en-US"/>
               <a:t>셋째 수준</a:t>
             </a:r>
           </a:p>
           <a:p>
             <a:pPr lvl="3"/>
             <a:r>
-              <a:rPr lang="ko-KR" altLang="en-US" smtClean="0"/>
+              <a:rPr lang="ko-KR" altLang="en-US"/>
               <a:t>넷째 수준</a:t>
             </a:r>
           </a:p>
           <a:p>
             <a:pPr lvl="4"/>
             <a:r>
-              <a:rPr lang="ko-KR" altLang="en-US" smtClean="0"/>
+              <a:rPr lang="ko-KR" altLang="en-US"/>
               <a:t>다섯째 수준</a:t>
             </a:r>
-            <a:endParaRPr lang="ko-KR" altLang="en-US"/>
           </a:p>
         </p:txBody>
       </p:sp>
@@ -1114,7 +1113,7 @@
           <a:p>
             <a:pPr algn="ctr"/>
             <a:r>
-              <a:rPr lang="en-US" altLang="ko-KR" sz="7200" spc="-300" dirty="0" smtClean="0">
+              <a:rPr lang="en-US" altLang="ko-KR" sz="7200" spc="-300" dirty="0">
                 <a:solidFill>
                   <a:srgbClr val="00002F"/>
                 </a:solidFill>
@@ -1178,7 +1177,7 @@
           <a:p>
             <a:pPr algn="ctr"/>
             <a:r>
-              <a:rPr lang="en-US" altLang="ko-KR" dirty="0" smtClean="0">
+              <a:rPr lang="en-US" altLang="ko-KR" dirty="0">
                 <a:latin typeface="나눔스퀘어 Bold" panose="020B0600000101010101" pitchFamily="50" charset="-127"/>
                 <a:ea typeface="나눔스퀘어 Bold" panose="020B0600000101010101" pitchFamily="50" charset="-127"/>
               </a:rPr>
@@ -1234,7 +1233,7 @@
           <a:p>
             <a:pPr algn="ctr"/>
             <a:r>
-              <a:rPr lang="ko-KR" altLang="en-US" dirty="0" smtClean="0">
+              <a:rPr lang="ko-KR" altLang="en-US" dirty="0">
                 <a:solidFill>
                   <a:srgbClr val="00002F"/>
                 </a:solidFill>
@@ -1251,40 +1250,30 @@
                 <a:latin typeface="나눔스퀘어 Bold" panose="020B0600000101010101" pitchFamily="50" charset="-127"/>
                 <a:ea typeface="나눔스퀘어 Bold" panose="020B0600000101010101" pitchFamily="50" charset="-127"/>
               </a:rPr>
-              <a:t> </a:t>
-            </a:r>
-            <a:r>
-              <a:rPr lang="en-US" altLang="ko-KR" dirty="0" smtClean="0">
+              <a:t>  </a:t>
+            </a:r>
+            <a:r>
+              <a:rPr lang="ko-KR" altLang="en-US" dirty="0" err="1">
                 <a:solidFill>
                   <a:srgbClr val="00002F"/>
                 </a:solidFill>
                 <a:latin typeface="나눔스퀘어 Bold" panose="020B0600000101010101" pitchFamily="50" charset="-127"/>
                 <a:ea typeface="나눔스퀘어 Bold" panose="020B0600000101010101" pitchFamily="50" charset="-127"/>
               </a:rPr>
-              <a:t> </a:t>
-            </a:r>
-            <a:r>
-              <a:rPr lang="ko-KR" altLang="en-US" dirty="0" err="1" smtClean="0">
+              <a:t>석제노</a:t>
+            </a:r>
+            <a:r>
+              <a:rPr lang="ko-KR" altLang="en-US" dirty="0">
                 <a:solidFill>
                   <a:srgbClr val="00002F"/>
                 </a:solidFill>
                 <a:latin typeface="나눔스퀘어 Bold" panose="020B0600000101010101" pitchFamily="50" charset="-127"/>
                 <a:ea typeface="나눔스퀘어 Bold" panose="020B0600000101010101" pitchFamily="50" charset="-127"/>
               </a:rPr>
-              <a:t>석제노</a:t>
-            </a:r>
-            <a:r>
-              <a:rPr lang="ko-KR" altLang="en-US" dirty="0" smtClean="0">
-                <a:solidFill>
-                  <a:srgbClr val="00002F"/>
-                </a:solidFill>
-                <a:latin typeface="나눔스퀘어 Bold" panose="020B0600000101010101" pitchFamily="50" charset="-127"/>
-                <a:ea typeface="나눔스퀘어 Bold" panose="020B0600000101010101" pitchFamily="50" charset="-127"/>
-              </a:rPr>
               <a:t>  </a:t>
             </a:r>
             <a:r>
-              <a:rPr lang="ko-KR" altLang="en-US" dirty="0" err="1" smtClean="0">
+              <a:rPr lang="ko-KR" altLang="en-US" dirty="0" err="1">
                 <a:solidFill>
                   <a:srgbClr val="00002F"/>
                 </a:solidFill>
@@ -1313,13 +1302,6 @@
   <p:clrMapOvr>
     <a:masterClrMapping/>
   </p:clrMapOvr>
-  <p:timing>
-    <p:tnLst>
-      <p:par>
-        <p:cTn id="1" dur="indefinite" restart="never" nodeType="tmRoot"/>
-      </p:par>
-    </p:tnLst>
-  </p:timing>
 </p:sld>
 </file>
 
@@ -1401,7 +1383,7 @@
           <a:p>
             <a:pPr algn="ctr"/>
             <a:r>
-              <a:rPr lang="en-US" altLang="ko-KR" sz="2400" spc="-150" dirty="0" smtClean="0">
+              <a:rPr lang="en-US" altLang="ko-KR" sz="2400" spc="-150" dirty="0">
                 <a:solidFill>
                   <a:srgbClr val="00002F"/>
                 </a:solidFill>
@@ -1487,7 +1469,7 @@
           <a:p>
             <a:pPr algn="ctr"/>
             <a:r>
-              <a:rPr lang="en-US" altLang="ko-KR" spc="-150" dirty="0" smtClean="0">
+              <a:rPr lang="en-US" altLang="ko-KR" spc="-150" dirty="0">
                 <a:solidFill>
                   <a:srgbClr val="00002F"/>
                 </a:solidFill>
@@ -1534,7 +1516,7 @@
               </a:lnSpc>
             </a:pPr>
             <a:r>
-              <a:rPr lang="en-US" altLang="ko-KR" spc="-150" dirty="0" smtClean="0">
+              <a:rPr lang="en-US" altLang="ko-KR" spc="-150" dirty="0">
                 <a:solidFill>
                   <a:srgbClr val="00002F"/>
                 </a:solidFill>
@@ -1618,7 +1600,7 @@
               </a:lnSpc>
             </a:pPr>
             <a:r>
-              <a:rPr lang="en-US" altLang="ko-KR" spc="-150" dirty="0" smtClean="0">
+              <a:rPr lang="en-US" altLang="ko-KR" spc="-150" dirty="0">
                 <a:solidFill>
                   <a:srgbClr val="00002F"/>
                 </a:solidFill>
@@ -1695,17 +1677,7 @@
                 <a:latin typeface="나눔스퀘어 ExtraBold" panose="020B0600000101010101" pitchFamily="50" charset="-127"/>
                 <a:ea typeface="나눔스퀘어 ExtraBold" panose="020B0600000101010101" pitchFamily="50" charset="-127"/>
               </a:rPr>
-              <a:t>매크로 리뷰 차단 </a:t>
-            </a:r>
-            <a:r>
-              <a:rPr lang="ko-KR" altLang="ko-KR" spc="-150" dirty="0" smtClean="0">
-                <a:solidFill>
-                  <a:srgbClr val="00002F"/>
-                </a:solidFill>
-                <a:latin typeface="나눔스퀘어 ExtraBold" panose="020B0600000101010101" pitchFamily="50" charset="-127"/>
-                <a:ea typeface="나눔스퀘어 ExtraBold" panose="020B0600000101010101" pitchFamily="50" charset="-127"/>
-              </a:rPr>
-              <a:t>여부 버튼</a:t>
+              <a:t>매크로 리뷰 차단 여부 버튼</a:t>
             </a:r>
             <a:r>
               <a:rPr lang="en-US" altLang="ko-KR" spc="-150" dirty="0">
@@ -1758,7 +1730,7 @@
               <a:t>, </a:t>
             </a:r>
             <a:r>
-              <a:rPr lang="ko-KR" altLang="en-US" spc="-150" dirty="0" smtClean="0">
+              <a:rPr lang="ko-KR" altLang="en-US" spc="-150" dirty="0">
                 <a:solidFill>
                   <a:srgbClr val="00002F"/>
                 </a:solidFill>
@@ -1767,16 +1739,20 @@
               </a:rPr>
               <a:t>프로그램 활성화 여부 </a:t>
             </a:r>
-            <a:r>
-              <a:rPr lang="ko-KR" altLang="ko-KR" spc="-150" dirty="0" smtClean="0">
-                <a:solidFill>
-                  <a:srgbClr val="00002F"/>
-                </a:solidFill>
-                <a:latin typeface="나눔스퀘어 ExtraBold" panose="020B0600000101010101" pitchFamily="50" charset="-127"/>
-                <a:ea typeface="나눔스퀘어 ExtraBold" panose="020B0600000101010101" pitchFamily="50" charset="-127"/>
-              </a:rPr>
-              <a:t>버튼을 </a:t>
-            </a:r>
+            <a:endParaRPr lang="en-US" altLang="ko-KR" spc="-150" dirty="0">
+              <a:solidFill>
+                <a:srgbClr val="00002F"/>
+              </a:solidFill>
+              <a:latin typeface="나눔스퀘어 ExtraBold" panose="020B0600000101010101" pitchFamily="50" charset="-127"/>
+              <a:ea typeface="나눔스퀘어 ExtraBold" panose="020B0600000101010101" pitchFamily="50" charset="-127"/>
+            </a:endParaRPr>
+          </a:p>
+          <a:p>
+            <a:pPr lvl="1">
+              <a:lnSpc>
+                <a:spcPct val="150000"/>
+              </a:lnSpc>
+            </a:pPr>
             <a:r>
               <a:rPr lang="ko-KR" altLang="ko-KR" spc="-150" dirty="0">
                 <a:solidFill>
@@ -1785,7 +1761,7 @@
                 <a:latin typeface="나눔스퀘어 ExtraBold" panose="020B0600000101010101" pitchFamily="50" charset="-127"/>
                 <a:ea typeface="나눔스퀘어 ExtraBold" panose="020B0600000101010101" pitchFamily="50" charset="-127"/>
               </a:rPr>
-              <a:t>이용해 </a:t>
+              <a:t>버튼을 이용해 </a:t>
             </a:r>
             <a:r>
               <a:rPr lang="en-US" altLang="ko-KR" spc="-150" dirty="0">
@@ -1798,16 +1774,6 @@
               <a:t> </a:t>
             </a:r>
             <a:r>
-              <a:rPr lang="ko-KR" altLang="ko-KR" spc="-150" dirty="0" smtClean="0">
-                <a:solidFill>
-                  <a:srgbClr val="00002F"/>
-                </a:solidFill>
-                <a:latin typeface="나눔스퀘어 ExtraBold" panose="020B0600000101010101" pitchFamily="50" charset="-127"/>
-                <a:ea typeface="나눔스퀘어 ExtraBold" panose="020B0600000101010101" pitchFamily="50" charset="-127"/>
-              </a:rPr>
-              <a:t>프로그램을 </a:t>
-            </a:r>
-            <a:r>
               <a:rPr lang="ko-KR" altLang="ko-KR" spc="-150" dirty="0">
                 <a:solidFill>
                   <a:srgbClr val="00002F"/>
@@ -1815,7 +1781,7 @@
                 <a:latin typeface="나눔스퀘어 ExtraBold" panose="020B0600000101010101" pitchFamily="50" charset="-127"/>
                 <a:ea typeface="나눔스퀘어 ExtraBold" panose="020B0600000101010101" pitchFamily="50" charset="-127"/>
               </a:rPr>
-              <a:t>조작할 수 있습니다</a:t>
+              <a:t>프로그램을 조작할 수 있습니다</a:t>
             </a:r>
             <a:r>
               <a:rPr lang="en-US" altLang="ko-KR" spc="-150" dirty="0">
@@ -1842,7 +1808,7 @@
               </a:lnSpc>
             </a:pPr>
             <a:r>
-              <a:rPr lang="en-US" altLang="ko-KR" spc="-150" dirty="0" smtClean="0">
+              <a:rPr lang="en-US" altLang="ko-KR" spc="-150" dirty="0">
                 <a:solidFill>
                   <a:srgbClr val="00002F"/>
                 </a:solidFill>
@@ -1852,7 +1818,7 @@
               <a:t>FR_03: </a:t>
             </a:r>
             <a:r>
-              <a:rPr lang="ko-KR" altLang="ko-KR" spc="-150" dirty="0" smtClean="0">
+              <a:rPr lang="ko-KR" altLang="ko-KR" spc="-150" dirty="0">
                 <a:solidFill>
                   <a:srgbClr val="00002F"/>
                 </a:solidFill>
@@ -2006,7 +1972,7 @@
               </a:lnSpc>
             </a:pPr>
             <a:r>
-              <a:rPr lang="en-US" altLang="ko-KR" spc="-150" dirty="0" smtClean="0">
+              <a:rPr lang="en-US" altLang="ko-KR" spc="-150" dirty="0">
                 <a:solidFill>
                   <a:srgbClr val="00002F"/>
                 </a:solidFill>
@@ -2077,27 +2043,7 @@
                 <a:latin typeface="나눔스퀘어 ExtraBold" panose="020B0600000101010101" pitchFamily="50" charset="-127"/>
                 <a:ea typeface="나눔스퀘어 ExtraBold" panose="020B0600000101010101" pitchFamily="50" charset="-127"/>
               </a:rPr>
-              <a:t>FR_05</a:t>
-            </a:r>
-            <a:r>
-              <a:rPr lang="en-US" altLang="ko-KR" spc="-150" dirty="0" smtClean="0">
-                <a:solidFill>
-                  <a:srgbClr val="00002F"/>
-                </a:solidFill>
-                <a:latin typeface="나눔스퀘어 ExtraBold" panose="020B0600000101010101" pitchFamily="50" charset="-127"/>
-                <a:ea typeface="나눔스퀘어 ExtraBold" panose="020B0600000101010101" pitchFamily="50" charset="-127"/>
-              </a:rPr>
-              <a:t>.:</a:t>
-            </a:r>
-            <a:r>
-              <a:rPr lang="ko-KR" altLang="ko-KR" spc="-150" dirty="0" smtClean="0">
-                <a:solidFill>
-                  <a:srgbClr val="00002F"/>
-                </a:solidFill>
-                <a:latin typeface="나눔스퀘어 ExtraBold" panose="020B0600000101010101" pitchFamily="50" charset="-127"/>
-                <a:ea typeface="나눔스퀘어 ExtraBold" panose="020B0600000101010101" pitchFamily="50" charset="-127"/>
-              </a:rPr>
-              <a:t>유저는 </a:t>
+              <a:t>FR_05.:</a:t>
             </a:r>
             <a:r>
               <a:rPr lang="ko-KR" altLang="ko-KR" spc="-150" dirty="0">
@@ -2107,7 +2053,7 @@
                 <a:latin typeface="나눔스퀘어 ExtraBold" panose="020B0600000101010101" pitchFamily="50" charset="-127"/>
                 <a:ea typeface="나눔스퀘어 ExtraBold" panose="020B0600000101010101" pitchFamily="50" charset="-127"/>
               </a:rPr>
-              <a:t>판단에 도움되는 </a:t>
+              <a:t>유저는 판단에 도움되는 </a:t>
             </a:r>
             <a:r>
               <a:rPr lang="ko-KR" altLang="ko-KR" spc="-150" dirty="0" err="1">
@@ -2150,7 +2096,7 @@
               <a:t> 강조해 눈에 띄게 할 수 있습니다</a:t>
             </a:r>
             <a:r>
-              <a:rPr lang="en-US" altLang="ko-KR" spc="-150" dirty="0" smtClean="0">
+              <a:rPr lang="en-US" altLang="ko-KR" spc="-150" dirty="0">
                 <a:solidFill>
                   <a:srgbClr val="00002F"/>
                 </a:solidFill>
@@ -2187,7 +2133,7 @@
               <a:t>유저는 </a:t>
             </a:r>
             <a:r>
-              <a:rPr lang="ko-KR" altLang="en-US" spc="-150" dirty="0" smtClean="0">
+              <a:rPr lang="ko-KR" altLang="en-US" spc="-150" dirty="0">
                 <a:solidFill>
                   <a:srgbClr val="00002F"/>
                 </a:solidFill>
@@ -2197,7 +2143,7 @@
               <a:t>로컬에 저장된 </a:t>
             </a:r>
             <a:r>
-              <a:rPr lang="ko-KR" altLang="en-US" spc="-150" dirty="0" err="1" smtClean="0">
+              <a:rPr lang="ko-KR" altLang="en-US" spc="-150" dirty="0" err="1">
                 <a:solidFill>
                   <a:srgbClr val="00002F"/>
                 </a:solidFill>
@@ -2207,7 +2153,7 @@
               <a:t>설정값에</a:t>
             </a:r>
             <a:r>
-              <a:rPr lang="ko-KR" altLang="en-US" spc="-150" dirty="0" smtClean="0">
+              <a:rPr lang="ko-KR" altLang="en-US" spc="-150" dirty="0">
                 <a:solidFill>
                   <a:srgbClr val="00002F"/>
                 </a:solidFill>
@@ -2217,7 +2163,7 @@
               <a:t> 따라 </a:t>
             </a:r>
             <a:r>
-              <a:rPr lang="ko-KR" altLang="ko-KR" spc="-150" dirty="0" smtClean="0">
+              <a:rPr lang="ko-KR" altLang="ko-KR" spc="-150" dirty="0">
                 <a:solidFill>
                   <a:srgbClr val="00002F"/>
                 </a:solidFill>
@@ -2227,7 +2173,7 @@
               <a:t>프로그램을 </a:t>
             </a:r>
             <a:r>
-              <a:rPr lang="ko-KR" altLang="en-US" spc="-150" dirty="0" smtClean="0">
+              <a:rPr lang="ko-KR" altLang="en-US" spc="-150" dirty="0">
                 <a:solidFill>
                   <a:srgbClr val="00002F"/>
                 </a:solidFill>
@@ -2237,7 +2183,7 @@
               <a:t>실행 할 때마다 설정 값이 적용된 상태로 크롬 브라우저를 사용할 수 있습니다</a:t>
             </a:r>
             <a:r>
-              <a:rPr lang="en-US" altLang="ko-KR" spc="-150" dirty="0" smtClean="0">
+              <a:rPr lang="en-US" altLang="ko-KR" spc="-150" dirty="0">
                 <a:solidFill>
                   <a:srgbClr val="00002F"/>
                 </a:solidFill>
@@ -2247,7 +2193,7 @@
               <a:t>.</a:t>
             </a:r>
             <a:r>
-              <a:rPr lang="ko-KR" altLang="en-US" spc="-150" dirty="0" smtClean="0">
+              <a:rPr lang="ko-KR" altLang="en-US" spc="-150" dirty="0">
                 <a:solidFill>
                   <a:srgbClr val="00002F"/>
                 </a:solidFill>
@@ -2257,7 +2203,7 @@
               <a:t> </a:t>
             </a:r>
             <a:r>
-              <a:rPr lang="en-US" altLang="ko-KR" spc="-150" dirty="0" smtClean="0">
+              <a:rPr lang="en-US" altLang="ko-KR" spc="-150" dirty="0">
                 <a:solidFill>
                   <a:srgbClr val="00002F"/>
                 </a:solidFill>
@@ -2281,7 +2227,7 @@
               </a:lnSpc>
             </a:pPr>
             <a:r>
-              <a:rPr lang="en-US" altLang="ko-KR" spc="-150" dirty="0" smtClean="0">
+              <a:rPr lang="en-US" altLang="ko-KR" spc="-150" dirty="0">
                 <a:solidFill>
                   <a:srgbClr val="00002F"/>
                 </a:solidFill>
@@ -2301,7 +2247,7 @@
               <a:t>유저는 </a:t>
             </a:r>
             <a:r>
-              <a:rPr lang="ko-KR" altLang="en-US" spc="-150" dirty="0" smtClean="0">
+              <a:rPr lang="ko-KR" altLang="en-US" spc="-150" dirty="0">
                 <a:solidFill>
                   <a:srgbClr val="00002F"/>
                 </a:solidFill>
@@ -2311,16 +2257,6 @@
               <a:t>프로그램 활성화</a:t>
             </a:r>
             <a:r>
-              <a:rPr lang="ko-KR" altLang="ko-KR" spc="-150" dirty="0" smtClean="0">
-                <a:solidFill>
-                  <a:srgbClr val="00002F"/>
-                </a:solidFill>
-                <a:latin typeface="나눔스퀘어 ExtraBold" panose="020B0600000101010101" pitchFamily="50" charset="-127"/>
-                <a:ea typeface="나눔스퀘어 ExtraBold" panose="020B0600000101010101" pitchFamily="50" charset="-127"/>
-              </a:rPr>
-              <a:t> </a:t>
-            </a:r>
-            <a:r>
               <a:rPr lang="ko-KR" altLang="ko-KR" spc="-150" dirty="0">
                 <a:solidFill>
                   <a:srgbClr val="00002F"/>
@@ -2328,17 +2264,7 @@
                 <a:latin typeface="나눔스퀘어 ExtraBold" panose="020B0600000101010101" pitchFamily="50" charset="-127"/>
                 <a:ea typeface="나눔스퀘어 ExtraBold" panose="020B0600000101010101" pitchFamily="50" charset="-127"/>
               </a:rPr>
-              <a:t>버튼을 통해 프로그램을 적용하거나 멈출 수 있습니다</a:t>
-            </a:r>
-            <a:r>
-              <a:rPr lang="en-US" altLang="ko-KR" spc="-150" dirty="0" smtClean="0">
-                <a:solidFill>
-                  <a:srgbClr val="00002F"/>
-                </a:solidFill>
-                <a:latin typeface="나눔스퀘어 ExtraBold" panose="020B0600000101010101" pitchFamily="50" charset="-127"/>
-                <a:ea typeface="나눔스퀘어 ExtraBold" panose="020B0600000101010101" pitchFamily="50" charset="-127"/>
-              </a:rPr>
-              <a:t>.</a:t>
+              <a:t> 버튼을 통해 프로그램을 적용하거나 멈출 수 있습니다</a:t>
             </a:r>
             <a:r>
               <a:rPr lang="en-US" altLang="ko-KR" spc="-150" dirty="0">
@@ -2348,15 +2274,8 @@
                 <a:latin typeface="나눔스퀘어 ExtraBold" panose="020B0600000101010101" pitchFamily="50" charset="-127"/>
                 <a:ea typeface="나눔스퀘어 ExtraBold" panose="020B0600000101010101" pitchFamily="50" charset="-127"/>
               </a:rPr>
-              <a:t> </a:t>
-            </a:r>
-            <a:endParaRPr lang="en-US" altLang="ko-KR" spc="-150" dirty="0" smtClean="0">
-              <a:solidFill>
-                <a:srgbClr val="00002F"/>
-              </a:solidFill>
-              <a:latin typeface="나눔스퀘어 ExtraBold" panose="020B0600000101010101" pitchFamily="50" charset="-127"/>
-              <a:ea typeface="나눔스퀘어 ExtraBold" panose="020B0600000101010101" pitchFamily="50" charset="-127"/>
-            </a:endParaRPr>
+              <a:t>. </a:t>
+            </a:r>
           </a:p>
           <a:p>
             <a:pPr lvl="1">
@@ -2365,7 +2284,7 @@
               </a:lnSpc>
             </a:pPr>
             <a:r>
-              <a:rPr lang="en-US" altLang="ko-KR" spc="-150" dirty="0" smtClean="0">
+              <a:rPr lang="en-US" altLang="ko-KR" spc="-150" dirty="0">
                 <a:solidFill>
                   <a:srgbClr val="00002F"/>
                 </a:solidFill>
@@ -2375,7 +2294,7 @@
               <a:t>NFR_01: </a:t>
             </a:r>
             <a:r>
-              <a:rPr lang="ko-KR" altLang="en-US" spc="-150" dirty="0" smtClean="0">
+              <a:rPr lang="ko-KR" altLang="en-US" spc="-150" dirty="0">
                 <a:solidFill>
                   <a:srgbClr val="00002F"/>
                 </a:solidFill>
@@ -2385,7 +2304,7 @@
               <a:t>이 프로그램은 사용자의  현명한 구매를 도울 수 있습니다</a:t>
             </a:r>
             <a:r>
-              <a:rPr lang="en-US" altLang="ko-KR" spc="-150" dirty="0" smtClean="0">
+              <a:rPr lang="en-US" altLang="ko-KR" spc="-150" dirty="0">
                 <a:solidFill>
                   <a:srgbClr val="00002F"/>
                 </a:solidFill>
@@ -2402,7 +2321,7 @@
               </a:lnSpc>
             </a:pPr>
             <a:r>
-              <a:rPr lang="en-US" altLang="ko-KR" spc="-150" dirty="0" smtClean="0">
+              <a:rPr lang="en-US" altLang="ko-KR" spc="-150" dirty="0">
                 <a:solidFill>
                   <a:srgbClr val="00002F"/>
                 </a:solidFill>
@@ -2412,7 +2331,7 @@
               <a:t>NFR_02: </a:t>
             </a:r>
             <a:r>
-              <a:rPr lang="ko-KR" altLang="en-US" spc="-150" dirty="0" smtClean="0">
+              <a:rPr lang="ko-KR" altLang="en-US" spc="-150" dirty="0">
                 <a:solidFill>
                   <a:srgbClr val="00002F"/>
                 </a:solidFill>
@@ -2422,7 +2341,7 @@
               <a:t>이 </a:t>
             </a:r>
             <a:r>
-              <a:rPr lang="ko-KR" altLang="ko-KR" spc="-150" dirty="0" smtClean="0">
+              <a:rPr lang="ko-KR" altLang="ko-KR" spc="-150" dirty="0">
                 <a:solidFill>
                   <a:srgbClr val="00002F"/>
                 </a:solidFill>
@@ -2432,7 +2351,7 @@
               <a:t>프로그램</a:t>
             </a:r>
             <a:r>
-              <a:rPr lang="ko-KR" altLang="en-US" spc="-150" dirty="0" smtClean="0">
+              <a:rPr lang="ko-KR" altLang="en-US" spc="-150" dirty="0">
                 <a:solidFill>
                   <a:srgbClr val="00002F"/>
                 </a:solidFill>
@@ -2442,7 +2361,7 @@
               <a:t>은 간단한 조건 수정이 가능하며  접근성이 뛰어나 빠르고 편하게  작동시킬 수 있습니다</a:t>
             </a:r>
             <a:r>
-              <a:rPr lang="en-US" altLang="ko-KR" spc="-150" dirty="0" smtClean="0">
+              <a:rPr lang="en-US" altLang="ko-KR" spc="-150" dirty="0">
                 <a:solidFill>
                   <a:srgbClr val="00002F"/>
                 </a:solidFill>
@@ -2451,7 +2370,7 @@
               </a:rPr>
               <a:t>.</a:t>
             </a:r>
-            <a:endParaRPr lang="ko-KR" altLang="ko-KR" spc="-150" dirty="0" smtClean="0">
+            <a:endParaRPr lang="ko-KR" altLang="ko-KR" spc="-150" dirty="0">
               <a:solidFill>
                 <a:srgbClr val="00002F"/>
               </a:solidFill>
@@ -2487,7 +2406,7 @@
               </a:tabLst>
             </a:pPr>
             <a:r>
-              <a:rPr lang="en-US" altLang="ko-KR" spc="-150" dirty="0" smtClean="0">
+              <a:rPr lang="en-US" altLang="ko-KR" spc="-150" dirty="0">
                 <a:solidFill>
                   <a:srgbClr val="00002F"/>
                 </a:solidFill>
@@ -2497,7 +2416,7 @@
               <a:t>NFR_03: </a:t>
             </a:r>
             <a:r>
-              <a:rPr lang="ko-KR" altLang="en-US" spc="-150" dirty="0" smtClean="0">
+              <a:rPr lang="ko-KR" altLang="en-US" spc="-150" dirty="0">
                 <a:solidFill>
                   <a:srgbClr val="00002F"/>
                 </a:solidFill>
@@ -2507,7 +2426,7 @@
               <a:t>이 프로그램은 </a:t>
             </a:r>
             <a:r>
-              <a:rPr lang="ko-KR" altLang="ko-KR" spc="-150" dirty="0" smtClean="0">
+              <a:rPr lang="ko-KR" altLang="ko-KR" spc="-150" dirty="0">
                 <a:solidFill>
                   <a:srgbClr val="00002F"/>
                 </a:solidFill>
@@ -2517,7 +2436,7 @@
               <a:t>크롬 확장프로그램</a:t>
             </a:r>
             <a:r>
-              <a:rPr lang="ko-KR" altLang="en-US" spc="-150" dirty="0" smtClean="0">
+              <a:rPr lang="ko-KR" altLang="en-US" spc="-150" dirty="0">
                 <a:solidFill>
                   <a:srgbClr val="00002F"/>
                 </a:solidFill>
@@ -2527,16 +2446,6 @@
               <a:t>으로서</a:t>
             </a:r>
             <a:r>
-              <a:rPr lang="ko-KR" altLang="ko-KR" spc="-150" dirty="0" smtClean="0">
-                <a:solidFill>
-                  <a:srgbClr val="00002F"/>
-                </a:solidFill>
-                <a:latin typeface="나눔스퀘어 ExtraBold" panose="020B0600000101010101" pitchFamily="50" charset="-127"/>
-                <a:ea typeface="나눔스퀘어 ExtraBold" panose="020B0600000101010101" pitchFamily="50" charset="-127"/>
-              </a:rPr>
-              <a:t> </a:t>
-            </a:r>
-            <a:r>
               <a:rPr lang="ko-KR" altLang="ko-KR" spc="-150" dirty="0">
                 <a:solidFill>
                   <a:srgbClr val="00002F"/>
@@ -2544,20 +2453,10 @@
                 <a:latin typeface="나눔스퀘어 ExtraBold" panose="020B0600000101010101" pitchFamily="50" charset="-127"/>
                 <a:ea typeface="나눔스퀘어 ExtraBold" panose="020B0600000101010101" pitchFamily="50" charset="-127"/>
               </a:rPr>
-              <a:t>쉽고 빠른 설치와 백그라운드 확장 지원이 </a:t>
-            </a:r>
-            <a:r>
-              <a:rPr lang="ko-KR" altLang="ko-KR" spc="-150" dirty="0" smtClean="0">
-                <a:solidFill>
-                  <a:srgbClr val="00002F"/>
-                </a:solidFill>
-                <a:latin typeface="나눔스퀘어 ExtraBold" panose="020B0600000101010101" pitchFamily="50" charset="-127"/>
-                <a:ea typeface="나눔스퀘어 ExtraBold" panose="020B0600000101010101" pitchFamily="50" charset="-127"/>
-              </a:rPr>
-              <a:t>가능</a:t>
-            </a:r>
-            <a:r>
-              <a:rPr lang="ko-KR" altLang="en-US" spc="-150" dirty="0" smtClean="0">
+              <a:t> 쉽고 빠른 설치와 백그라운드 확장 지원이 가능</a:t>
+            </a:r>
+            <a:r>
+              <a:rPr lang="ko-KR" altLang="en-US" spc="-150" dirty="0">
                 <a:solidFill>
                   <a:srgbClr val="00002F"/>
                 </a:solidFill>
@@ -2567,7 +2466,7 @@
               <a:t>합니다</a:t>
             </a:r>
             <a:r>
-              <a:rPr lang="en-US" altLang="ko-KR" spc="-150" dirty="0" smtClean="0">
+              <a:rPr lang="en-US" altLang="ko-KR" spc="-150" dirty="0">
                 <a:solidFill>
                   <a:srgbClr val="00002F"/>
                 </a:solidFill>
@@ -2761,13 +2660,6 @@
   <p:clrMapOvr>
     <a:masterClrMapping/>
   </p:clrMapOvr>
-  <p:timing>
-    <p:tnLst>
-      <p:par>
-        <p:cTn id="1" dur="indefinite" restart="never" nodeType="tmRoot"/>
-      </p:par>
-    </p:tnLst>
-  </p:timing>
 </p:sld>
 </file>
 
@@ -2849,7 +2741,7 @@
           <a:p>
             <a:pPr algn="ctr"/>
             <a:r>
-              <a:rPr lang="en-US" altLang="ko-KR" sz="2400" spc="-150" dirty="0" smtClean="0">
+              <a:rPr lang="en-US" altLang="ko-KR" sz="2400" spc="-150" dirty="0">
                 <a:solidFill>
                   <a:srgbClr val="00002F"/>
                 </a:solidFill>
@@ -2891,7 +2783,7 @@
           <a:lstStyle/>
           <a:p>
             <a:r>
-              <a:rPr lang="en-US" altLang="ko-KR" sz="3200" dirty="0" smtClean="0">
+              <a:rPr lang="en-US" altLang="ko-KR" sz="3200" dirty="0">
                 <a:solidFill>
                   <a:srgbClr val="00002F"/>
                 </a:solidFill>
@@ -2969,7 +2861,7 @@
           <a:lstStyle/>
           <a:p>
             <a:r>
-              <a:rPr lang="en-US" altLang="ko-KR" spc="-150" dirty="0" smtClean="0">
+              <a:rPr lang="en-US" altLang="ko-KR" spc="-150" dirty="0">
                 <a:solidFill>
                   <a:srgbClr val="00002F"/>
                 </a:solidFill>
@@ -3170,13 +3062,6 @@
   <p:clrMapOvr>
     <a:masterClrMapping/>
   </p:clrMapOvr>
-  <p:timing>
-    <p:tnLst>
-      <p:par>
-        <p:cTn id="1" dur="indefinite" restart="never" nodeType="tmRoot"/>
-      </p:par>
-    </p:tnLst>
-  </p:timing>
 </p:sld>
 </file>
 
@@ -3539,9 +3424,7 @@
           <p:cNvGraphicFramePr>
             <a:graphicFrameLocks noGrp="1"/>
           </p:cNvGraphicFramePr>
-          <p:nvPr>
-            <p:extLst/>
-          </p:nvPr>
+          <p:nvPr/>
         </p:nvGraphicFramePr>
         <p:xfrm>
           <a:off x="762667" y="1512364"/>
@@ -9353,9 +9236,7 @@
           <p:cNvGraphicFramePr>
             <a:graphicFrameLocks noGrp="1"/>
           </p:cNvGraphicFramePr>
-          <p:nvPr>
-            <p:extLst/>
-          </p:nvPr>
+          <p:nvPr/>
         </p:nvGraphicFramePr>
         <p:xfrm>
           <a:off x="695993" y="953272"/>
@@ -12715,9 +12596,7 @@
           <p:cNvGraphicFramePr>
             <a:graphicFrameLocks noGrp="1"/>
           </p:cNvGraphicFramePr>
-          <p:nvPr>
-            <p:extLst/>
-          </p:nvPr>
+          <p:nvPr/>
         </p:nvGraphicFramePr>
         <p:xfrm>
           <a:off x="695993" y="953272"/>
@@ -15975,9 +15854,7 @@
           <p:cNvGraphicFramePr>
             <a:graphicFrameLocks noGrp="1"/>
           </p:cNvGraphicFramePr>
-          <p:nvPr>
-            <p:extLst/>
-          </p:nvPr>
+          <p:nvPr/>
         </p:nvGraphicFramePr>
         <p:xfrm>
           <a:off x="695993" y="953272"/>
@@ -19039,7 +18916,7 @@
           <a:p>
             <a:pPr algn="ctr"/>
             <a:r>
-              <a:rPr lang="en-US" altLang="ko-KR" sz="2400" spc="-150" dirty="0" smtClean="0">
+              <a:rPr lang="en-US" altLang="ko-KR" sz="2400" spc="-150" dirty="0">
                 <a:solidFill>
                   <a:srgbClr val="00002F"/>
                 </a:solidFill>
@@ -19081,7 +18958,7 @@
           <a:lstStyle/>
           <a:p>
             <a:r>
-              <a:rPr lang="en-US" altLang="ko-KR" sz="3200" dirty="0" smtClean="0">
+              <a:rPr lang="en-US" altLang="ko-KR" sz="3200" dirty="0">
                 <a:solidFill>
                   <a:srgbClr val="00002F"/>
                 </a:solidFill>
@@ -19123,36 +19000,6 @@
           <a:lstStyle/>
           <a:p>
             <a:r>
-              <a:rPr lang="en-US" altLang="ko-KR" spc="-150" dirty="0" smtClean="0">
-                <a:solidFill>
-                  <a:srgbClr val="00002F"/>
-                </a:solidFill>
-                <a:latin typeface="나눔스퀘어 ExtraBold" panose="020B0600000101010101" pitchFamily="50" charset="-127"/>
-                <a:ea typeface="나눔스퀘어 ExtraBold" panose="020B0600000101010101" pitchFamily="50" charset="-127"/>
-              </a:rPr>
-              <a:t>Domain Model for UC </a:t>
-            </a:r>
-            <a:r>
-              <a:rPr lang="en-US" altLang="ko-KR" spc="-150" dirty="0" smtClean="0">
-                <a:solidFill>
-                  <a:srgbClr val="00002F"/>
-                </a:solidFill>
-                <a:latin typeface="나눔스퀘어 ExtraBold" panose="020B0600000101010101" pitchFamily="50" charset="-127"/>
-                <a:ea typeface="나눔스퀘어 ExtraBold" panose="020B0600000101010101" pitchFamily="50" charset="-127"/>
-              </a:rPr>
-              <a:t>3 </a:t>
-            </a:r>
-            <a:r>
-              <a:rPr lang="en-US" altLang="ko-KR" spc="-150" dirty="0" smtClean="0">
-                <a:solidFill>
-                  <a:srgbClr val="00002F"/>
-                </a:solidFill>
-                <a:latin typeface="나눔스퀘어 ExtraBold" panose="020B0600000101010101" pitchFamily="50" charset="-127"/>
-                <a:ea typeface="나눔스퀘어 ExtraBold" panose="020B0600000101010101" pitchFamily="50" charset="-127"/>
-              </a:rPr>
-              <a:t>: </a:t>
-            </a:r>
-            <a:r>
               <a:rPr lang="en-US" altLang="ko-KR" spc="-150" dirty="0">
                 <a:solidFill>
                   <a:srgbClr val="00002F"/>
@@ -19160,17 +19007,7 @@
                 <a:latin typeface="나눔스퀘어 ExtraBold" panose="020B0600000101010101" pitchFamily="50" charset="-127"/>
                 <a:ea typeface="나눔스퀘어 ExtraBold" panose="020B0600000101010101" pitchFamily="50" charset="-127"/>
               </a:rPr>
-              <a:t>Responsibility Description</a:t>
-            </a:r>
-            <a:r>
-              <a:rPr lang="en-US" altLang="ko-KR" spc="-150" dirty="0" smtClean="0">
-                <a:solidFill>
-                  <a:srgbClr val="00002F"/>
-                </a:solidFill>
-                <a:latin typeface="나눔스퀘어 ExtraBold" panose="020B0600000101010101" pitchFamily="50" charset="-127"/>
-                <a:ea typeface="나눔스퀘어 ExtraBold" panose="020B0600000101010101" pitchFamily="50" charset="-127"/>
-              </a:rPr>
-              <a:t> </a:t>
+              <a:t>Domain Model for UC 3 : Responsibility Description </a:t>
             </a:r>
             <a:endParaRPr lang="ko-KR" altLang="en-US" spc="-150" dirty="0">
               <a:solidFill>
@@ -19409,7 +19246,7 @@
                     <a:p>
                       <a:pPr algn="l"/>
                       <a:r>
-                        <a:rPr lang="en-US" altLang="ko-KR" spc="-150" dirty="0" smtClean="0">
+                        <a:rPr lang="en-US" altLang="ko-KR" spc="-150" dirty="0">
                           <a:solidFill>
                             <a:srgbClr val="00002F"/>
                           </a:solidFill>
@@ -19492,7 +19329,7 @@
                         <a:defRPr/>
                       </a:pPr>
                       <a:r>
-                        <a:rPr lang="ko-KR" altLang="en-US" dirty="0" smtClean="0">
+                        <a:rPr lang="ko-KR" altLang="en-US" dirty="0">
                           <a:solidFill>
                             <a:srgbClr val="00002F"/>
                           </a:solidFill>
@@ -19502,7 +19339,7 @@
                         <a:t> </a:t>
                       </a:r>
                       <a:r>
-                        <a:rPr lang="en-US" altLang="ko-KR" dirty="0" smtClean="0">
+                        <a:rPr lang="en-US" altLang="ko-KR" dirty="0">
                           <a:solidFill>
                             <a:srgbClr val="00002F"/>
                           </a:solidFill>
@@ -19511,7 +19348,7 @@
                         </a:rPr>
                         <a:t>Type</a:t>
                       </a:r>
-                      <a:endParaRPr lang="ko-KR" altLang="en-US" dirty="0" smtClean="0">
+                      <a:endParaRPr lang="ko-KR" altLang="en-US" dirty="0">
                         <a:solidFill>
                           <a:srgbClr val="00002F"/>
                         </a:solidFill>
@@ -19585,7 +19422,7 @@
                         <a:defRPr/>
                       </a:pPr>
                       <a:r>
-                        <a:rPr lang="en-US" altLang="ko-KR" dirty="0" smtClean="0">
+                        <a:rPr lang="en-US" altLang="ko-KR" dirty="0">
                           <a:solidFill>
                             <a:srgbClr val="00002F"/>
                           </a:solidFill>
@@ -19594,7 +19431,7 @@
                         </a:rPr>
                         <a:t>Concept Name</a:t>
                       </a:r>
-                      <a:endParaRPr lang="ko-KR" altLang="en-US" dirty="0" smtClean="0">
+                      <a:endParaRPr lang="ko-KR" altLang="en-US" dirty="0">
                         <a:solidFill>
                           <a:srgbClr val="00002F"/>
                         </a:solidFill>
@@ -19659,7 +19496,7 @@
                     <a:p>
                       <a:pPr algn="l" latinLnBrk="1"/>
                       <a:r>
-                        <a:rPr lang="ko-KR" altLang="en-US" sz="1800" dirty="0" smtClean="0">
+                        <a:rPr lang="ko-KR" altLang="en-US" sz="1800" dirty="0">
                           <a:solidFill>
                             <a:srgbClr val="00002F"/>
                           </a:solidFill>
@@ -19669,7 +19506,7 @@
                         <a:t>내부</a:t>
                       </a:r>
                       <a:r>
-                        <a:rPr lang="en-US" altLang="ko-KR" sz="1800" dirty="0" smtClean="0">
+                        <a:rPr lang="en-US" altLang="ko-KR" sz="1800" dirty="0">
                           <a:solidFill>
                             <a:srgbClr val="00002F"/>
                           </a:solidFill>
@@ -19679,7 +19516,7 @@
                         <a:t>,</a:t>
                       </a:r>
                       <a:r>
-                        <a:rPr lang="en-US" altLang="ko-KR" sz="1800" baseline="0" dirty="0" smtClean="0">
+                        <a:rPr lang="en-US" altLang="ko-KR" sz="1800" baseline="0" dirty="0">
                           <a:solidFill>
                             <a:srgbClr val="00002F"/>
                           </a:solidFill>
@@ -19689,7 +19526,7 @@
                         <a:t> </a:t>
                       </a:r>
                       <a:r>
-                        <a:rPr lang="ko-KR" altLang="en-US" sz="1800" baseline="0" dirty="0" smtClean="0">
+                        <a:rPr lang="ko-KR" altLang="en-US" sz="1800" baseline="0" dirty="0">
                           <a:solidFill>
                             <a:srgbClr val="00002F"/>
                           </a:solidFill>
@@ -19699,7 +19536,7 @@
                         <a:t>외부에서 오가는 모든 요청을 수집하거나 전달하고</a:t>
                       </a:r>
                       <a:r>
-                        <a:rPr lang="en-US" altLang="ko-KR" sz="1800" baseline="0" dirty="0" smtClean="0">
+                        <a:rPr lang="en-US" altLang="ko-KR" sz="1800" baseline="0" dirty="0">
                           <a:solidFill>
                             <a:srgbClr val="00002F"/>
                           </a:solidFill>
@@ -19709,7 +19546,7 @@
                         <a:t>, </a:t>
                       </a:r>
                       <a:r>
-                        <a:rPr lang="en-US" altLang="ko-KR" sz="1800" dirty="0" smtClean="0">
+                        <a:rPr lang="en-US" altLang="ko-KR" sz="1800" dirty="0">
                           <a:solidFill>
                             <a:srgbClr val="00002F"/>
                           </a:solidFill>
@@ -19719,7 +19556,7 @@
                         <a:t>Use</a:t>
                       </a:r>
                       <a:r>
-                        <a:rPr lang="en-US" altLang="ko-KR" sz="1800" baseline="0" dirty="0" smtClean="0">
+                        <a:rPr lang="en-US" altLang="ko-KR" sz="1800" baseline="0" dirty="0">
                           <a:solidFill>
                             <a:srgbClr val="00002F"/>
                           </a:solidFill>
@@ -19729,7 +19566,7 @@
                         <a:t> case</a:t>
                       </a:r>
                       <a:r>
-                        <a:rPr lang="ko-KR" altLang="en-US" sz="1800" baseline="0" dirty="0" smtClean="0">
+                        <a:rPr lang="ko-KR" altLang="en-US" sz="1800" baseline="0" dirty="0">
                           <a:solidFill>
                             <a:srgbClr val="00002F"/>
                           </a:solidFill>
@@ -19802,7 +19639,7 @@
                     <a:p>
                       <a:pPr algn="ctr" latinLnBrk="1"/>
                       <a:r>
-                        <a:rPr lang="en-US" altLang="ko-KR" sz="1800" baseline="0" dirty="0" smtClean="0">
+                        <a:rPr lang="en-US" altLang="ko-KR" sz="1800" baseline="0" dirty="0">
                           <a:solidFill>
                             <a:srgbClr val="00002F"/>
                           </a:solidFill>
@@ -19875,7 +19712,7 @@
                     <a:p>
                       <a:pPr algn="l" latinLnBrk="1"/>
                       <a:r>
-                        <a:rPr lang="en-US" altLang="ko-KR" sz="1800" dirty="0" smtClean="0">
+                        <a:rPr lang="en-US" altLang="ko-KR" sz="1800" dirty="0">
                           <a:solidFill>
                             <a:srgbClr val="00002F"/>
                           </a:solidFill>
@@ -19971,7 +19808,7 @@
                         <a:defRPr/>
                       </a:pPr>
                       <a:r>
-                        <a:rPr lang="ko-KR" altLang="en-US" sz="1800" kern="1200" dirty="0" smtClean="0">
+                        <a:rPr lang="ko-KR" altLang="en-US" sz="1800" kern="1200" dirty="0">
                           <a:solidFill>
                             <a:srgbClr val="00002F"/>
                           </a:solidFill>
@@ -19982,7 +19819,7 @@
                         <a:t>유저가 설정한 값</a:t>
                       </a:r>
                       <a:r>
-                        <a:rPr lang="en-US" altLang="ko-KR" sz="1800" kern="1200" dirty="0" smtClean="0">
+                        <a:rPr lang="en-US" altLang="ko-KR" sz="1800" kern="1200" dirty="0">
                           <a:solidFill>
                             <a:srgbClr val="00002F"/>
                           </a:solidFill>
@@ -19993,7 +19830,7 @@
                         <a:t>(</a:t>
                       </a:r>
                       <a:r>
-                        <a:rPr lang="ko-KR" altLang="en-US" sz="1800" kern="1200" dirty="0" smtClean="0">
+                        <a:rPr lang="ko-KR" altLang="en-US" sz="1800" kern="1200" dirty="0">
                           <a:solidFill>
                             <a:srgbClr val="00002F"/>
                           </a:solidFill>
@@ -20004,7 +19841,7 @@
                         <a:t>예</a:t>
                       </a:r>
                       <a:r>
-                        <a:rPr lang="en-US" altLang="ko-KR" sz="1800" kern="1200" dirty="0" smtClean="0">
+                        <a:rPr lang="en-US" altLang="ko-KR" sz="1800" kern="1200" dirty="0">
                           <a:solidFill>
                             <a:srgbClr val="00002F"/>
                           </a:solidFill>
@@ -20015,7 +19852,7 @@
                         <a:t>:</a:t>
                       </a:r>
                       <a:r>
-                        <a:rPr lang="ko-KR" altLang="en-US" sz="1800" kern="1200" dirty="0" smtClean="0">
+                        <a:rPr lang="ko-KR" altLang="en-US" sz="1800" kern="1200" dirty="0">
                           <a:solidFill>
                             <a:srgbClr val="00002F"/>
                           </a:solidFill>
@@ -20026,7 +19863,7 @@
                         <a:t>프로그램 활성화 여부를 나타내는 값</a:t>
                       </a:r>
                       <a:r>
-                        <a:rPr lang="en-US" altLang="ko-KR" sz="1800" kern="1200" dirty="0" smtClean="0">
+                        <a:rPr lang="en-US" altLang="ko-KR" sz="1800" kern="1200" dirty="0">
                           <a:solidFill>
                             <a:srgbClr val="00002F"/>
                           </a:solidFill>
@@ -20037,7 +19874,7 @@
                         <a:t>)</a:t>
                       </a:r>
                       <a:r>
-                        <a:rPr lang="ko-KR" altLang="en-US" sz="1800" kern="1200" dirty="0" smtClean="0">
+                        <a:rPr lang="ko-KR" altLang="en-US" sz="1800" kern="1200" dirty="0">
                           <a:solidFill>
                             <a:srgbClr val="00002F"/>
                           </a:solidFill>
@@ -20104,7 +19941,7 @@
                     <a:p>
                       <a:pPr algn="ctr" latinLnBrk="1"/>
                       <a:r>
-                        <a:rPr lang="en-US" altLang="ko-KR" sz="1800" dirty="0" smtClean="0">
+                        <a:rPr lang="en-US" altLang="ko-KR" sz="1800" dirty="0">
                           <a:solidFill>
                             <a:srgbClr val="00002F"/>
                           </a:solidFill>
@@ -20177,7 +20014,7 @@
                     <a:p>
                       <a:pPr algn="l" latinLnBrk="1"/>
                       <a:r>
-                        <a:rPr lang="en-US" altLang="ko-KR" sz="1800" dirty="0" err="1" smtClean="0">
+                        <a:rPr lang="en-US" altLang="ko-KR" sz="1800" dirty="0" err="1">
                           <a:solidFill>
                             <a:srgbClr val="00002F"/>
                           </a:solidFill>
@@ -20273,7 +20110,7 @@
                         <a:defRPr/>
                       </a:pPr>
                       <a:r>
-                        <a:rPr lang="en-US" altLang="ko-KR" sz="1800" dirty="0" err="1" smtClean="0">
+                        <a:rPr lang="en-US" altLang="ko-KR" sz="1800" dirty="0" err="1">
                           <a:solidFill>
                             <a:srgbClr val="00002F"/>
                           </a:solidFill>
@@ -20283,7 +20120,7 @@
                         <a:t>SettingKey</a:t>
                       </a:r>
                       <a:r>
-                        <a:rPr lang="ko-KR" altLang="en-US" sz="1800" dirty="0" smtClean="0">
+                        <a:rPr lang="ko-KR" altLang="en-US" sz="1800" dirty="0">
                           <a:solidFill>
                             <a:srgbClr val="00002F"/>
                           </a:solidFill>
@@ -20349,7 +20186,7 @@
                     <a:p>
                       <a:pPr algn="ctr" latinLnBrk="1"/>
                       <a:r>
-                        <a:rPr lang="en-US" altLang="ko-KR" dirty="0" smtClean="0">
+                        <a:rPr lang="en-US" altLang="ko-KR" dirty="0">
                           <a:solidFill>
                             <a:srgbClr val="00002F"/>
                           </a:solidFill>
@@ -20422,7 +20259,7 @@
                     <a:p>
                       <a:pPr algn="l" latinLnBrk="1"/>
                       <a:r>
-                        <a:rPr lang="en-US" altLang="ko-KR" dirty="0" err="1" smtClean="0">
+                        <a:rPr lang="en-US" altLang="ko-KR" dirty="0" err="1">
                           <a:solidFill>
                             <a:srgbClr val="00002F"/>
                           </a:solidFill>
@@ -20518,7 +20355,7 @@
                         <a:defRPr/>
                       </a:pPr>
                       <a:r>
-                        <a:rPr lang="ko-KR" altLang="en-US" sz="1800" dirty="0" smtClean="0">
+                        <a:rPr lang="ko-KR" altLang="en-US" sz="1800" dirty="0">
                           <a:solidFill>
                             <a:srgbClr val="00002F"/>
                           </a:solidFill>
@@ -20528,7 +20365,7 @@
                         <a:t>유저 마우스 </a:t>
                       </a:r>
                       <a:r>
-                        <a:rPr lang="ko-KR" altLang="en-US" sz="1800" dirty="0" err="1" smtClean="0">
+                        <a:rPr lang="ko-KR" altLang="en-US" sz="1800" dirty="0" err="1">
                           <a:solidFill>
                             <a:srgbClr val="00002F"/>
                           </a:solidFill>
@@ -20537,7 +20374,7 @@
                         </a:rPr>
                         <a:t>입력값</a:t>
                       </a:r>
-                      <a:endParaRPr lang="ko-KR" altLang="en-US" sz="1800" dirty="0" smtClean="0">
+                      <a:endParaRPr lang="ko-KR" altLang="en-US" sz="1800" dirty="0">
                         <a:solidFill>
                           <a:srgbClr val="00002F"/>
                         </a:solidFill>
@@ -20601,7 +20438,7 @@
                     <a:p>
                       <a:pPr algn="ctr" latinLnBrk="1"/>
                       <a:r>
-                        <a:rPr lang="en-US" altLang="ko-KR" dirty="0" smtClean="0">
+                        <a:rPr lang="en-US" altLang="ko-KR" dirty="0">
                           <a:solidFill>
                             <a:srgbClr val="00002F"/>
                           </a:solidFill>
@@ -20674,7 +20511,7 @@
                     <a:p>
                       <a:pPr algn="l" latinLnBrk="1"/>
                       <a:r>
-                        <a:rPr lang="en-US" altLang="ko-KR" dirty="0" err="1" smtClean="0">
+                        <a:rPr lang="en-US" altLang="ko-KR" dirty="0" err="1">
                           <a:solidFill>
                             <a:srgbClr val="00002F"/>
                           </a:solidFill>
@@ -20754,7 +20591,7 @@
                     <a:p>
                       <a:pPr algn="l" latinLnBrk="1"/>
                       <a:r>
-                        <a:rPr lang="ko-KR" altLang="en-US" dirty="0" smtClean="0">
+                        <a:rPr lang="ko-KR" altLang="en-US" dirty="0">
                           <a:solidFill>
                             <a:srgbClr val="00002F"/>
                           </a:solidFill>
@@ -20764,7 +20601,7 @@
                         <a:t>받은 데이터로 </a:t>
                       </a:r>
                       <a:r>
-                        <a:rPr lang="en-US" altLang="ko-KR" dirty="0" smtClean="0">
+                        <a:rPr lang="en-US" altLang="ko-KR" dirty="0">
                           <a:solidFill>
                             <a:srgbClr val="00002F"/>
                           </a:solidFill>
@@ -20774,7 +20611,7 @@
                         <a:t>Sentimental</a:t>
                       </a:r>
                       <a:r>
-                        <a:rPr lang="en-US" altLang="ko-KR" baseline="0" dirty="0" smtClean="0">
+                        <a:rPr lang="en-US" altLang="ko-KR" baseline="0" dirty="0">
                           <a:solidFill>
                             <a:srgbClr val="00002F"/>
                           </a:solidFill>
@@ -20784,7 +20621,7 @@
                         <a:t> Analysis</a:t>
                       </a:r>
                       <a:r>
-                        <a:rPr lang="ko-KR" altLang="en-US" baseline="0" dirty="0" smtClean="0">
+                        <a:rPr lang="ko-KR" altLang="en-US" baseline="0" dirty="0">
                           <a:solidFill>
                             <a:srgbClr val="00002F"/>
                           </a:solidFill>
@@ -20794,7 +20631,7 @@
                         <a:t>를 실행하여 적절한 </a:t>
                       </a:r>
                       <a:r>
-                        <a:rPr lang="ko-KR" altLang="en-US" baseline="0" dirty="0" err="1" smtClean="0">
+                        <a:rPr lang="ko-KR" altLang="en-US" baseline="0" dirty="0" err="1">
                           <a:solidFill>
                             <a:srgbClr val="00002F"/>
                           </a:solidFill>
@@ -20867,7 +20704,7 @@
                     <a:p>
                       <a:pPr algn="ctr" latinLnBrk="1"/>
                       <a:r>
-                        <a:rPr lang="en-US" altLang="ko-KR" dirty="0" smtClean="0">
+                        <a:rPr lang="en-US" altLang="ko-KR" dirty="0">
                           <a:solidFill>
                             <a:srgbClr val="00002F"/>
                           </a:solidFill>
@@ -20940,7 +20777,7 @@
                     <a:p>
                       <a:pPr algn="l" latinLnBrk="1"/>
                       <a:r>
-                        <a:rPr lang="en-US" altLang="ko-KR" dirty="0" smtClean="0">
+                        <a:rPr lang="en-US" altLang="ko-KR" dirty="0">
                           <a:solidFill>
                             <a:srgbClr val="00002F"/>
                           </a:solidFill>
@@ -21020,7 +20857,7 @@
                     <a:p>
                       <a:pPr algn="l" latinLnBrk="1"/>
                       <a:r>
-                        <a:rPr lang="ko-KR" altLang="en-US" dirty="0" smtClean="0">
+                        <a:rPr lang="ko-KR" altLang="en-US" dirty="0">
                           <a:solidFill>
                             <a:srgbClr val="00002F"/>
                           </a:solidFill>
@@ -21030,7 +20867,7 @@
                         <a:t>분석 결과가 이치</a:t>
                       </a:r>
                       <a:r>
-                        <a:rPr lang="en-US" altLang="ko-KR" dirty="0" smtClean="0">
+                        <a:rPr lang="en-US" altLang="ko-KR" dirty="0">
                           <a:solidFill>
                             <a:srgbClr val="00002F"/>
                           </a:solidFill>
@@ -21040,7 +20877,7 @@
                         <a:t>, </a:t>
                       </a:r>
                       <a:r>
-                        <a:rPr lang="ko-KR" altLang="en-US" dirty="0" smtClean="0">
+                        <a:rPr lang="ko-KR" altLang="en-US" dirty="0">
                           <a:solidFill>
                             <a:srgbClr val="00002F"/>
                           </a:solidFill>
@@ -21048,6 +20885,72 @@
                           <a:ea typeface="나눔스퀘어 ExtraBold" panose="020B0600000101010101" pitchFamily="50" charset="-127"/>
                         </a:rPr>
                         <a:t>상식에 맞는지 정량적으로 표기한 값</a:t>
+                      </a:r>
+                    </a:p>
+                  </a:txBody>
+                  <a:tcPr anchor="ctr">
+                    <a:lnL w="12700" cap="flat" cmpd="sng" algn="ctr">
+                      <a:solidFill>
+                        <a:schemeClr val="tx1"/>
+                      </a:solidFill>
+                      <a:prstDash val="solid"/>
+                      <a:round/>
+                      <a:headEnd type="none" w="med" len="med"/>
+                      <a:tailEnd type="none" w="med" len="med"/>
+                    </a:lnL>
+                    <a:lnR w="12700" cap="flat" cmpd="sng" algn="ctr">
+                      <a:solidFill>
+                        <a:schemeClr val="tx1"/>
+                      </a:solidFill>
+                      <a:prstDash val="solid"/>
+                      <a:round/>
+                      <a:headEnd type="none" w="med" len="med"/>
+                      <a:tailEnd type="none" w="med" len="med"/>
+                    </a:lnR>
+                    <a:lnT w="12700" cap="flat" cmpd="sng" algn="ctr">
+                      <a:solidFill>
+                        <a:schemeClr val="tx1"/>
+                      </a:solidFill>
+                      <a:prstDash val="solid"/>
+                      <a:round/>
+                      <a:headEnd type="none" w="med" len="med"/>
+                      <a:tailEnd type="none" w="med" len="med"/>
+                    </a:lnT>
+                    <a:lnB w="12700" cap="flat" cmpd="sng" algn="ctr">
+                      <a:solidFill>
+                        <a:schemeClr val="tx1"/>
+                      </a:solidFill>
+                      <a:prstDash val="solid"/>
+                      <a:round/>
+                      <a:headEnd type="none" w="med" len="med"/>
+                      <a:tailEnd type="none" w="med" len="med"/>
+                    </a:lnB>
+                    <a:lnTlToBr w="12700" cmpd="sng">
+                      <a:noFill/>
+                      <a:prstDash val="solid"/>
+                    </a:lnTlToBr>
+                    <a:lnBlToTr w="12700" cmpd="sng">
+                      <a:noFill/>
+                      <a:prstDash val="solid"/>
+                    </a:lnBlToTr>
+                    <a:noFill/>
+                  </a:tcPr>
+                </a:tc>
+                <a:tc>
+                  <a:txBody>
+                    <a:bodyPr/>
+                    <a:lstStyle/>
+                    <a:p>
+                      <a:pPr algn="ctr" latinLnBrk="1"/>
+                      <a:r>
+                        <a:rPr lang="en-US" altLang="ko-KR" dirty="0">
+                          <a:solidFill>
+                            <a:srgbClr val="00002F"/>
+                          </a:solidFill>
+                          <a:latin typeface="나눔스퀘어 ExtraBold" panose="020B0600000101010101" pitchFamily="50" charset="-127"/>
+                          <a:ea typeface="나눔스퀘어 ExtraBold" panose="020B0600000101010101" pitchFamily="50" charset="-127"/>
+                        </a:rPr>
+                        <a:t>K</a:t>
                       </a:r>
                       <a:endParaRPr lang="ko-KR" altLang="en-US" dirty="0">
                         <a:solidFill>
@@ -21111,82 +21014,9 @@
                     <a:bodyPr/>
                     <a:lstStyle/>
                     <a:p>
-                      <a:pPr algn="ctr" latinLnBrk="1"/>
-                      <a:r>
-                        <a:rPr lang="en-US" altLang="ko-KR" dirty="0" smtClean="0">
-                          <a:solidFill>
-                            <a:srgbClr val="00002F"/>
-                          </a:solidFill>
-                          <a:latin typeface="나눔스퀘어 ExtraBold" panose="020B0600000101010101" pitchFamily="50" charset="-127"/>
-                          <a:ea typeface="나눔스퀘어 ExtraBold" panose="020B0600000101010101" pitchFamily="50" charset="-127"/>
-                        </a:rPr>
-                        <a:t>K</a:t>
-                      </a:r>
-                      <a:endParaRPr lang="ko-KR" altLang="en-US" dirty="0">
-                        <a:solidFill>
-                          <a:srgbClr val="00002F"/>
-                        </a:solidFill>
-                        <a:latin typeface="나눔스퀘어 ExtraBold" panose="020B0600000101010101" pitchFamily="50" charset="-127"/>
-                        <a:ea typeface="나눔스퀘어 ExtraBold" panose="020B0600000101010101" pitchFamily="50" charset="-127"/>
-                      </a:endParaRPr>
-                    </a:p>
-                  </a:txBody>
-                  <a:tcPr anchor="ctr">
-                    <a:lnL w="12700" cap="flat" cmpd="sng" algn="ctr">
-                      <a:solidFill>
-                        <a:schemeClr val="tx1"/>
-                      </a:solidFill>
-                      <a:prstDash val="solid"/>
-                      <a:round/>
-                      <a:headEnd type="none" w="med" len="med"/>
-                      <a:tailEnd type="none" w="med" len="med"/>
-                    </a:lnL>
-                    <a:lnR w="12700" cap="flat" cmpd="sng" algn="ctr">
-                      <a:solidFill>
-                        <a:schemeClr val="tx1"/>
-                      </a:solidFill>
-                      <a:prstDash val="solid"/>
-                      <a:round/>
-                      <a:headEnd type="none" w="med" len="med"/>
-                      <a:tailEnd type="none" w="med" len="med"/>
-                    </a:lnR>
-                    <a:lnT w="12700" cap="flat" cmpd="sng" algn="ctr">
-                      <a:solidFill>
-                        <a:schemeClr val="tx1"/>
-                      </a:solidFill>
-                      <a:prstDash val="solid"/>
-                      <a:round/>
-                      <a:headEnd type="none" w="med" len="med"/>
-                      <a:tailEnd type="none" w="med" len="med"/>
-                    </a:lnT>
-                    <a:lnB w="12700" cap="flat" cmpd="sng" algn="ctr">
-                      <a:solidFill>
-                        <a:schemeClr val="tx1"/>
-                      </a:solidFill>
-                      <a:prstDash val="solid"/>
-                      <a:round/>
-                      <a:headEnd type="none" w="med" len="med"/>
-                      <a:tailEnd type="none" w="med" len="med"/>
-                    </a:lnB>
-                    <a:lnTlToBr w="12700" cmpd="sng">
-                      <a:noFill/>
-                      <a:prstDash val="solid"/>
-                    </a:lnTlToBr>
-                    <a:lnBlToTr w="12700" cmpd="sng">
-                      <a:noFill/>
-                      <a:prstDash val="solid"/>
-                    </a:lnBlToTr>
-                    <a:noFill/>
-                  </a:tcPr>
-                </a:tc>
-                <a:tc>
-                  <a:txBody>
-                    <a:bodyPr/>
-                    <a:lstStyle/>
-                    <a:p>
                       <a:pPr algn="l" latinLnBrk="1"/>
                       <a:r>
-                        <a:rPr lang="en-US" altLang="ko-KR" dirty="0" smtClean="0">
+                        <a:rPr lang="en-US" altLang="ko-KR" dirty="0">
                           <a:solidFill>
                             <a:srgbClr val="00002F"/>
                           </a:solidFill>
@@ -21266,7 +21096,7 @@
                     <a:p>
                       <a:pPr algn="l" latinLnBrk="1"/>
                       <a:r>
-                        <a:rPr lang="ko-KR" altLang="en-US" dirty="0" smtClean="0">
+                        <a:rPr lang="ko-KR" altLang="en-US" dirty="0">
                           <a:solidFill>
                             <a:srgbClr val="00002F"/>
                           </a:solidFill>
@@ -21276,7 +21106,7 @@
                         <a:t>조건</a:t>
                       </a:r>
                       <a:r>
-                        <a:rPr lang="en-US" altLang="ko-KR" baseline="0" dirty="0" smtClean="0">
+                        <a:rPr lang="en-US" altLang="ko-KR" baseline="0" dirty="0">
                           <a:solidFill>
                             <a:srgbClr val="00002F"/>
                           </a:solidFill>
@@ -21286,7 +21116,7 @@
                         <a:t> </a:t>
                       </a:r>
                       <a:r>
-                        <a:rPr lang="ko-KR" altLang="en-US" baseline="0" dirty="0" smtClean="0">
+                        <a:rPr lang="ko-KR" altLang="en-US" baseline="0" dirty="0">
                           <a:solidFill>
                             <a:srgbClr val="00002F"/>
                           </a:solidFill>
@@ -21296,7 +21126,7 @@
                         <a:t>또는</a:t>
                       </a:r>
                       <a:r>
-                        <a:rPr lang="en-US" altLang="ko-KR" dirty="0" smtClean="0">
+                        <a:rPr lang="en-US" altLang="ko-KR" dirty="0">
                           <a:solidFill>
                             <a:srgbClr val="00002F"/>
                           </a:solidFill>
@@ -21306,7 +21136,7 @@
                         <a:t> </a:t>
                       </a:r>
                       <a:r>
-                        <a:rPr lang="ko-KR" altLang="en-US" dirty="0" smtClean="0">
+                        <a:rPr lang="ko-KR" altLang="en-US" dirty="0">
                           <a:solidFill>
                             <a:srgbClr val="00002F"/>
                           </a:solidFill>
@@ -21314,6 +21144,72 @@
                           <a:ea typeface="나눔스퀘어 ExtraBold" panose="020B0600000101010101" pitchFamily="50" charset="-127"/>
                         </a:rPr>
                         <a:t>분석결과에 따라 데이터를 거름</a:t>
+                      </a:r>
+                    </a:p>
+                  </a:txBody>
+                  <a:tcPr anchor="ctr">
+                    <a:lnL w="12700" cap="flat" cmpd="sng" algn="ctr">
+                      <a:solidFill>
+                        <a:schemeClr val="tx1"/>
+                      </a:solidFill>
+                      <a:prstDash val="solid"/>
+                      <a:round/>
+                      <a:headEnd type="none" w="med" len="med"/>
+                      <a:tailEnd type="none" w="med" len="med"/>
+                    </a:lnL>
+                    <a:lnR w="12700" cap="flat" cmpd="sng" algn="ctr">
+                      <a:solidFill>
+                        <a:schemeClr val="tx1"/>
+                      </a:solidFill>
+                      <a:prstDash val="solid"/>
+                      <a:round/>
+                      <a:headEnd type="none" w="med" len="med"/>
+                      <a:tailEnd type="none" w="med" len="med"/>
+                    </a:lnR>
+                    <a:lnT w="12700" cap="flat" cmpd="sng" algn="ctr">
+                      <a:solidFill>
+                        <a:schemeClr val="tx1"/>
+                      </a:solidFill>
+                      <a:prstDash val="solid"/>
+                      <a:round/>
+                      <a:headEnd type="none" w="med" len="med"/>
+                      <a:tailEnd type="none" w="med" len="med"/>
+                    </a:lnT>
+                    <a:lnB w="12700" cap="flat" cmpd="sng" algn="ctr">
+                      <a:solidFill>
+                        <a:schemeClr val="tx1"/>
+                      </a:solidFill>
+                      <a:prstDash val="solid"/>
+                      <a:round/>
+                      <a:headEnd type="none" w="med" len="med"/>
+                      <a:tailEnd type="none" w="med" len="med"/>
+                    </a:lnB>
+                    <a:lnTlToBr w="12700" cmpd="sng">
+                      <a:noFill/>
+                      <a:prstDash val="solid"/>
+                    </a:lnTlToBr>
+                    <a:lnBlToTr w="12700" cmpd="sng">
+                      <a:noFill/>
+                      <a:prstDash val="solid"/>
+                    </a:lnBlToTr>
+                    <a:noFill/>
+                  </a:tcPr>
+                </a:tc>
+                <a:tc>
+                  <a:txBody>
+                    <a:bodyPr/>
+                    <a:lstStyle/>
+                    <a:p>
+                      <a:pPr algn="ctr" latinLnBrk="1"/>
+                      <a:r>
+                        <a:rPr lang="en-US" altLang="ko-KR" dirty="0">
+                          <a:solidFill>
+                            <a:srgbClr val="00002F"/>
+                          </a:solidFill>
+                          <a:latin typeface="나눔스퀘어 ExtraBold" panose="020B0600000101010101" pitchFamily="50" charset="-127"/>
+                          <a:ea typeface="나눔스퀘어 ExtraBold" panose="020B0600000101010101" pitchFamily="50" charset="-127"/>
+                        </a:rPr>
+                        <a:t>D</a:t>
                       </a:r>
                       <a:endParaRPr lang="ko-KR" altLang="en-US" dirty="0">
                         <a:solidFill>
@@ -21377,82 +21273,9 @@
                     <a:bodyPr/>
                     <a:lstStyle/>
                     <a:p>
-                      <a:pPr algn="ctr" latinLnBrk="1"/>
-                      <a:r>
-                        <a:rPr lang="en-US" altLang="ko-KR" dirty="0" smtClean="0">
-                          <a:solidFill>
-                            <a:srgbClr val="00002F"/>
-                          </a:solidFill>
-                          <a:latin typeface="나눔스퀘어 ExtraBold" panose="020B0600000101010101" pitchFamily="50" charset="-127"/>
-                          <a:ea typeface="나눔스퀘어 ExtraBold" panose="020B0600000101010101" pitchFamily="50" charset="-127"/>
-                        </a:rPr>
-                        <a:t>D</a:t>
-                      </a:r>
-                      <a:endParaRPr lang="ko-KR" altLang="en-US" dirty="0">
-                        <a:solidFill>
-                          <a:srgbClr val="00002F"/>
-                        </a:solidFill>
-                        <a:latin typeface="나눔스퀘어 ExtraBold" panose="020B0600000101010101" pitchFamily="50" charset="-127"/>
-                        <a:ea typeface="나눔스퀘어 ExtraBold" panose="020B0600000101010101" pitchFamily="50" charset="-127"/>
-                      </a:endParaRPr>
-                    </a:p>
-                  </a:txBody>
-                  <a:tcPr anchor="ctr">
-                    <a:lnL w="12700" cap="flat" cmpd="sng" algn="ctr">
-                      <a:solidFill>
-                        <a:schemeClr val="tx1"/>
-                      </a:solidFill>
-                      <a:prstDash val="solid"/>
-                      <a:round/>
-                      <a:headEnd type="none" w="med" len="med"/>
-                      <a:tailEnd type="none" w="med" len="med"/>
-                    </a:lnL>
-                    <a:lnR w="12700" cap="flat" cmpd="sng" algn="ctr">
-                      <a:solidFill>
-                        <a:schemeClr val="tx1"/>
-                      </a:solidFill>
-                      <a:prstDash val="solid"/>
-                      <a:round/>
-                      <a:headEnd type="none" w="med" len="med"/>
-                      <a:tailEnd type="none" w="med" len="med"/>
-                    </a:lnR>
-                    <a:lnT w="12700" cap="flat" cmpd="sng" algn="ctr">
-                      <a:solidFill>
-                        <a:schemeClr val="tx1"/>
-                      </a:solidFill>
-                      <a:prstDash val="solid"/>
-                      <a:round/>
-                      <a:headEnd type="none" w="med" len="med"/>
-                      <a:tailEnd type="none" w="med" len="med"/>
-                    </a:lnT>
-                    <a:lnB w="12700" cap="flat" cmpd="sng" algn="ctr">
-                      <a:solidFill>
-                        <a:schemeClr val="tx1"/>
-                      </a:solidFill>
-                      <a:prstDash val="solid"/>
-                      <a:round/>
-                      <a:headEnd type="none" w="med" len="med"/>
-                      <a:tailEnd type="none" w="med" len="med"/>
-                    </a:lnB>
-                    <a:lnTlToBr w="12700" cmpd="sng">
-                      <a:noFill/>
-                      <a:prstDash val="solid"/>
-                    </a:lnTlToBr>
-                    <a:lnBlToTr w="12700" cmpd="sng">
-                      <a:noFill/>
-                      <a:prstDash val="solid"/>
-                    </a:lnBlToTr>
-                    <a:noFill/>
-                  </a:tcPr>
-                </a:tc>
-                <a:tc>
-                  <a:txBody>
-                    <a:bodyPr/>
-                    <a:lstStyle/>
-                    <a:p>
                       <a:pPr algn="l" latinLnBrk="1"/>
                       <a:r>
-                        <a:rPr lang="en-US" altLang="ko-KR" dirty="0" err="1" smtClean="0">
+                        <a:rPr lang="en-US" altLang="ko-KR" dirty="0" err="1">
                           <a:solidFill>
                             <a:srgbClr val="00002F"/>
                           </a:solidFill>
@@ -21532,7 +21355,7 @@
                     <a:p>
                       <a:pPr algn="l" latinLnBrk="1"/>
                       <a:r>
-                        <a:rPr lang="ko-KR" altLang="en-US" dirty="0" smtClean="0">
+                        <a:rPr lang="ko-KR" altLang="en-US" dirty="0">
                           <a:solidFill>
                             <a:srgbClr val="00002F"/>
                           </a:solidFill>
@@ -21540,6 +21363,72 @@
                           <a:ea typeface="나눔스퀘어 ExtraBold" panose="020B0600000101010101" pitchFamily="50" charset="-127"/>
                         </a:rPr>
                         <a:t>걸러진 데이터 기반 웹 페이지 갱신 실행</a:t>
+                      </a:r>
+                    </a:p>
+                  </a:txBody>
+                  <a:tcPr anchor="ctr">
+                    <a:lnL w="12700" cap="flat" cmpd="sng" algn="ctr">
+                      <a:solidFill>
+                        <a:schemeClr val="tx1"/>
+                      </a:solidFill>
+                      <a:prstDash val="solid"/>
+                      <a:round/>
+                      <a:headEnd type="none" w="med" len="med"/>
+                      <a:tailEnd type="none" w="med" len="med"/>
+                    </a:lnL>
+                    <a:lnR w="12700" cap="flat" cmpd="sng" algn="ctr">
+                      <a:solidFill>
+                        <a:schemeClr val="tx1"/>
+                      </a:solidFill>
+                      <a:prstDash val="solid"/>
+                      <a:round/>
+                      <a:headEnd type="none" w="med" len="med"/>
+                      <a:tailEnd type="none" w="med" len="med"/>
+                    </a:lnR>
+                    <a:lnT w="12700" cap="flat" cmpd="sng" algn="ctr">
+                      <a:solidFill>
+                        <a:schemeClr val="tx1"/>
+                      </a:solidFill>
+                      <a:prstDash val="solid"/>
+                      <a:round/>
+                      <a:headEnd type="none" w="med" len="med"/>
+                      <a:tailEnd type="none" w="med" len="med"/>
+                    </a:lnT>
+                    <a:lnB w="12700" cap="flat" cmpd="sng" algn="ctr">
+                      <a:solidFill>
+                        <a:schemeClr val="tx1"/>
+                      </a:solidFill>
+                      <a:prstDash val="solid"/>
+                      <a:round/>
+                      <a:headEnd type="none" w="med" len="med"/>
+                      <a:tailEnd type="none" w="med" len="med"/>
+                    </a:lnB>
+                    <a:lnTlToBr w="12700" cmpd="sng">
+                      <a:noFill/>
+                      <a:prstDash val="solid"/>
+                    </a:lnTlToBr>
+                    <a:lnBlToTr w="12700" cmpd="sng">
+                      <a:noFill/>
+                      <a:prstDash val="solid"/>
+                    </a:lnBlToTr>
+                    <a:noFill/>
+                  </a:tcPr>
+                </a:tc>
+                <a:tc>
+                  <a:txBody>
+                    <a:bodyPr/>
+                    <a:lstStyle/>
+                    <a:p>
+                      <a:pPr algn="ctr" latinLnBrk="1"/>
+                      <a:r>
+                        <a:rPr lang="en-US" altLang="ko-KR" dirty="0">
+                          <a:solidFill>
+                            <a:srgbClr val="00002F"/>
+                          </a:solidFill>
+                          <a:latin typeface="나눔스퀘어 ExtraBold" panose="020B0600000101010101" pitchFamily="50" charset="-127"/>
+                          <a:ea typeface="나눔스퀘어 ExtraBold" panose="020B0600000101010101" pitchFamily="50" charset="-127"/>
+                        </a:rPr>
+                        <a:t>D</a:t>
                       </a:r>
                       <a:endParaRPr lang="ko-KR" altLang="en-US" dirty="0">
                         <a:solidFill>
@@ -21603,82 +21492,9 @@
                     <a:bodyPr/>
                     <a:lstStyle/>
                     <a:p>
-                      <a:pPr algn="ctr" latinLnBrk="1"/>
-                      <a:r>
-                        <a:rPr lang="en-US" altLang="ko-KR" dirty="0" smtClean="0">
-                          <a:solidFill>
-                            <a:srgbClr val="00002F"/>
-                          </a:solidFill>
-                          <a:latin typeface="나눔스퀘어 ExtraBold" panose="020B0600000101010101" pitchFamily="50" charset="-127"/>
-                          <a:ea typeface="나눔스퀘어 ExtraBold" panose="020B0600000101010101" pitchFamily="50" charset="-127"/>
-                        </a:rPr>
-                        <a:t>D</a:t>
-                      </a:r>
-                      <a:endParaRPr lang="ko-KR" altLang="en-US" dirty="0">
-                        <a:solidFill>
-                          <a:srgbClr val="00002F"/>
-                        </a:solidFill>
-                        <a:latin typeface="나눔스퀘어 ExtraBold" panose="020B0600000101010101" pitchFamily="50" charset="-127"/>
-                        <a:ea typeface="나눔스퀘어 ExtraBold" panose="020B0600000101010101" pitchFamily="50" charset="-127"/>
-                      </a:endParaRPr>
-                    </a:p>
-                  </a:txBody>
-                  <a:tcPr anchor="ctr">
-                    <a:lnL w="12700" cap="flat" cmpd="sng" algn="ctr">
-                      <a:solidFill>
-                        <a:schemeClr val="tx1"/>
-                      </a:solidFill>
-                      <a:prstDash val="solid"/>
-                      <a:round/>
-                      <a:headEnd type="none" w="med" len="med"/>
-                      <a:tailEnd type="none" w="med" len="med"/>
-                    </a:lnL>
-                    <a:lnR w="12700" cap="flat" cmpd="sng" algn="ctr">
-                      <a:solidFill>
-                        <a:schemeClr val="tx1"/>
-                      </a:solidFill>
-                      <a:prstDash val="solid"/>
-                      <a:round/>
-                      <a:headEnd type="none" w="med" len="med"/>
-                      <a:tailEnd type="none" w="med" len="med"/>
-                    </a:lnR>
-                    <a:lnT w="12700" cap="flat" cmpd="sng" algn="ctr">
-                      <a:solidFill>
-                        <a:schemeClr val="tx1"/>
-                      </a:solidFill>
-                      <a:prstDash val="solid"/>
-                      <a:round/>
-                      <a:headEnd type="none" w="med" len="med"/>
-                      <a:tailEnd type="none" w="med" len="med"/>
-                    </a:lnT>
-                    <a:lnB w="12700" cap="flat" cmpd="sng" algn="ctr">
-                      <a:solidFill>
-                        <a:schemeClr val="tx1"/>
-                      </a:solidFill>
-                      <a:prstDash val="solid"/>
-                      <a:round/>
-                      <a:headEnd type="none" w="med" len="med"/>
-                      <a:tailEnd type="none" w="med" len="med"/>
-                    </a:lnB>
-                    <a:lnTlToBr w="12700" cmpd="sng">
-                      <a:noFill/>
-                      <a:prstDash val="solid"/>
-                    </a:lnTlToBr>
-                    <a:lnBlToTr w="12700" cmpd="sng">
-                      <a:noFill/>
-                      <a:prstDash val="solid"/>
-                    </a:lnBlToTr>
-                    <a:noFill/>
-                  </a:tcPr>
-                </a:tc>
-                <a:tc>
-                  <a:txBody>
-                    <a:bodyPr/>
-                    <a:lstStyle/>
-                    <a:p>
                       <a:pPr algn="l" latinLnBrk="1"/>
                       <a:r>
-                        <a:rPr lang="en-US" altLang="ko-KR" dirty="0" err="1" smtClean="0">
+                        <a:rPr lang="en-US" altLang="ko-KR" dirty="0" err="1">
                           <a:solidFill>
                             <a:srgbClr val="00002F"/>
                           </a:solidFill>
@@ -21758,7 +21574,7 @@
                     <a:p>
                       <a:pPr algn="l" latinLnBrk="1"/>
                       <a:r>
-                        <a:rPr lang="ko-KR" altLang="en-US" dirty="0" smtClean="0">
+                        <a:rPr lang="ko-KR" altLang="en-US" dirty="0">
                           <a:solidFill>
                             <a:srgbClr val="00002F"/>
                           </a:solidFill>
@@ -21766,6 +21582,72 @@
                           <a:ea typeface="나눔스퀘어 ExtraBold" panose="020B0600000101010101" pitchFamily="50" charset="-127"/>
                         </a:rPr>
                         <a:t>리뷰 데이터의 저장소</a:t>
+                      </a:r>
+                    </a:p>
+                  </a:txBody>
+                  <a:tcPr anchor="ctr">
+                    <a:lnL w="12700" cap="flat" cmpd="sng" algn="ctr">
+                      <a:solidFill>
+                        <a:schemeClr val="tx1"/>
+                      </a:solidFill>
+                      <a:prstDash val="solid"/>
+                      <a:round/>
+                      <a:headEnd type="none" w="med" len="med"/>
+                      <a:tailEnd type="none" w="med" len="med"/>
+                    </a:lnL>
+                    <a:lnR w="12700" cap="flat" cmpd="sng" algn="ctr">
+                      <a:solidFill>
+                        <a:schemeClr val="tx1"/>
+                      </a:solidFill>
+                      <a:prstDash val="solid"/>
+                      <a:round/>
+                      <a:headEnd type="none" w="med" len="med"/>
+                      <a:tailEnd type="none" w="med" len="med"/>
+                    </a:lnR>
+                    <a:lnT w="12700" cap="flat" cmpd="sng" algn="ctr">
+                      <a:solidFill>
+                        <a:schemeClr val="tx1"/>
+                      </a:solidFill>
+                      <a:prstDash val="solid"/>
+                      <a:round/>
+                      <a:headEnd type="none" w="med" len="med"/>
+                      <a:tailEnd type="none" w="med" len="med"/>
+                    </a:lnT>
+                    <a:lnB w="12700" cap="flat" cmpd="sng" algn="ctr">
+                      <a:solidFill>
+                        <a:schemeClr val="tx1"/>
+                      </a:solidFill>
+                      <a:prstDash val="solid"/>
+                      <a:round/>
+                      <a:headEnd type="none" w="med" len="med"/>
+                      <a:tailEnd type="none" w="med" len="med"/>
+                    </a:lnB>
+                    <a:lnTlToBr w="12700" cmpd="sng">
+                      <a:noFill/>
+                      <a:prstDash val="solid"/>
+                    </a:lnTlToBr>
+                    <a:lnBlToTr w="12700" cmpd="sng">
+                      <a:noFill/>
+                      <a:prstDash val="solid"/>
+                    </a:lnBlToTr>
+                    <a:noFill/>
+                  </a:tcPr>
+                </a:tc>
+                <a:tc>
+                  <a:txBody>
+                    <a:bodyPr/>
+                    <a:lstStyle/>
+                    <a:p>
+                      <a:pPr algn="ctr" latinLnBrk="1"/>
+                      <a:r>
+                        <a:rPr lang="en-US" altLang="ko-KR" dirty="0">
+                          <a:solidFill>
+                            <a:srgbClr val="00002F"/>
+                          </a:solidFill>
+                          <a:latin typeface="나눔스퀘어 ExtraBold" panose="020B0600000101010101" pitchFamily="50" charset="-127"/>
+                          <a:ea typeface="나눔스퀘어 ExtraBold" panose="020B0600000101010101" pitchFamily="50" charset="-127"/>
+                        </a:rPr>
+                        <a:t>D</a:t>
                       </a:r>
                       <a:endParaRPr lang="ko-KR" altLang="en-US" dirty="0">
                         <a:solidFill>
@@ -21829,82 +21711,9 @@
                     <a:bodyPr/>
                     <a:lstStyle/>
                     <a:p>
-                      <a:pPr algn="ctr" latinLnBrk="1"/>
-                      <a:r>
-                        <a:rPr lang="en-US" altLang="ko-KR" dirty="0" smtClean="0">
-                          <a:solidFill>
-                            <a:srgbClr val="00002F"/>
-                          </a:solidFill>
-                          <a:latin typeface="나눔스퀘어 ExtraBold" panose="020B0600000101010101" pitchFamily="50" charset="-127"/>
-                          <a:ea typeface="나눔스퀘어 ExtraBold" panose="020B0600000101010101" pitchFamily="50" charset="-127"/>
-                        </a:rPr>
-                        <a:t>D</a:t>
-                      </a:r>
-                      <a:endParaRPr lang="ko-KR" altLang="en-US" dirty="0">
-                        <a:solidFill>
-                          <a:srgbClr val="00002F"/>
-                        </a:solidFill>
-                        <a:latin typeface="나눔스퀘어 ExtraBold" panose="020B0600000101010101" pitchFamily="50" charset="-127"/>
-                        <a:ea typeface="나눔스퀘어 ExtraBold" panose="020B0600000101010101" pitchFamily="50" charset="-127"/>
-                      </a:endParaRPr>
-                    </a:p>
-                  </a:txBody>
-                  <a:tcPr anchor="ctr">
-                    <a:lnL w="12700" cap="flat" cmpd="sng" algn="ctr">
-                      <a:solidFill>
-                        <a:schemeClr val="tx1"/>
-                      </a:solidFill>
-                      <a:prstDash val="solid"/>
-                      <a:round/>
-                      <a:headEnd type="none" w="med" len="med"/>
-                      <a:tailEnd type="none" w="med" len="med"/>
-                    </a:lnL>
-                    <a:lnR w="12700" cap="flat" cmpd="sng" algn="ctr">
-                      <a:solidFill>
-                        <a:schemeClr val="tx1"/>
-                      </a:solidFill>
-                      <a:prstDash val="solid"/>
-                      <a:round/>
-                      <a:headEnd type="none" w="med" len="med"/>
-                      <a:tailEnd type="none" w="med" len="med"/>
-                    </a:lnR>
-                    <a:lnT w="12700" cap="flat" cmpd="sng" algn="ctr">
-                      <a:solidFill>
-                        <a:schemeClr val="tx1"/>
-                      </a:solidFill>
-                      <a:prstDash val="solid"/>
-                      <a:round/>
-                      <a:headEnd type="none" w="med" len="med"/>
-                      <a:tailEnd type="none" w="med" len="med"/>
-                    </a:lnT>
-                    <a:lnB w="12700" cap="flat" cmpd="sng" algn="ctr">
-                      <a:solidFill>
-                        <a:schemeClr val="tx1"/>
-                      </a:solidFill>
-                      <a:prstDash val="solid"/>
-                      <a:round/>
-                      <a:headEnd type="none" w="med" len="med"/>
-                      <a:tailEnd type="none" w="med" len="med"/>
-                    </a:lnB>
-                    <a:lnTlToBr w="12700" cmpd="sng">
-                      <a:noFill/>
-                      <a:prstDash val="solid"/>
-                    </a:lnTlToBr>
-                    <a:lnBlToTr w="12700" cmpd="sng">
-                      <a:noFill/>
-                      <a:prstDash val="solid"/>
-                    </a:lnBlToTr>
-                    <a:noFill/>
-                  </a:tcPr>
-                </a:tc>
-                <a:tc>
-                  <a:txBody>
-                    <a:bodyPr/>
-                    <a:lstStyle/>
-                    <a:p>
                       <a:pPr algn="l" latinLnBrk="1"/>
                       <a:r>
-                        <a:rPr lang="en-US" altLang="ko-KR" dirty="0" err="1" smtClean="0">
+                        <a:rPr lang="en-US" altLang="ko-KR" dirty="0" err="1">
                           <a:solidFill>
                             <a:srgbClr val="00002F"/>
                           </a:solidFill>
@@ -21984,7 +21793,7 @@
                     <a:p>
                       <a:pPr algn="l" latinLnBrk="1"/>
                       <a:r>
-                        <a:rPr lang="ko-KR" altLang="en-US" dirty="0" smtClean="0">
+                        <a:rPr lang="ko-KR" altLang="en-US" dirty="0">
                           <a:solidFill>
                             <a:srgbClr val="00002F"/>
                           </a:solidFill>
@@ -21992,6 +21801,72 @@
                           <a:ea typeface="나눔스퀘어 ExtraBold" panose="020B0600000101010101" pitchFamily="50" charset="-127"/>
                         </a:rPr>
                         <a:t>리뷰 데이터를 수집함</a:t>
+                      </a:r>
+                    </a:p>
+                  </a:txBody>
+                  <a:tcPr anchor="ctr">
+                    <a:lnL w="12700" cap="flat" cmpd="sng" algn="ctr">
+                      <a:solidFill>
+                        <a:schemeClr val="tx1"/>
+                      </a:solidFill>
+                      <a:prstDash val="solid"/>
+                      <a:round/>
+                      <a:headEnd type="none" w="med" len="med"/>
+                      <a:tailEnd type="none" w="med" len="med"/>
+                    </a:lnL>
+                    <a:lnR w="12700" cap="flat" cmpd="sng" algn="ctr">
+                      <a:solidFill>
+                        <a:schemeClr val="tx1"/>
+                      </a:solidFill>
+                      <a:prstDash val="solid"/>
+                      <a:round/>
+                      <a:headEnd type="none" w="med" len="med"/>
+                      <a:tailEnd type="none" w="med" len="med"/>
+                    </a:lnR>
+                    <a:lnT w="12700" cap="flat" cmpd="sng" algn="ctr">
+                      <a:solidFill>
+                        <a:schemeClr val="tx1"/>
+                      </a:solidFill>
+                      <a:prstDash val="solid"/>
+                      <a:round/>
+                      <a:headEnd type="none" w="med" len="med"/>
+                      <a:tailEnd type="none" w="med" len="med"/>
+                    </a:lnT>
+                    <a:lnB w="12700" cap="flat" cmpd="sng" algn="ctr">
+                      <a:solidFill>
+                        <a:schemeClr val="tx1"/>
+                      </a:solidFill>
+                      <a:prstDash val="solid"/>
+                      <a:round/>
+                      <a:headEnd type="none" w="med" len="med"/>
+                      <a:tailEnd type="none" w="med" len="med"/>
+                    </a:lnB>
+                    <a:lnTlToBr w="12700" cmpd="sng">
+                      <a:noFill/>
+                      <a:prstDash val="solid"/>
+                    </a:lnTlToBr>
+                    <a:lnBlToTr w="12700" cmpd="sng">
+                      <a:noFill/>
+                      <a:prstDash val="solid"/>
+                    </a:lnBlToTr>
+                    <a:noFill/>
+                  </a:tcPr>
+                </a:tc>
+                <a:tc>
+                  <a:txBody>
+                    <a:bodyPr/>
+                    <a:lstStyle/>
+                    <a:p>
+                      <a:pPr algn="ctr" latinLnBrk="1"/>
+                      <a:r>
+                        <a:rPr lang="en-US" altLang="ko-KR" dirty="0">
+                          <a:solidFill>
+                            <a:srgbClr val="00002F"/>
+                          </a:solidFill>
+                          <a:latin typeface="나눔스퀘어 ExtraBold" panose="020B0600000101010101" pitchFamily="50" charset="-127"/>
+                          <a:ea typeface="나눔스퀘어 ExtraBold" panose="020B0600000101010101" pitchFamily="50" charset="-127"/>
+                        </a:rPr>
+                        <a:t>D</a:t>
                       </a:r>
                       <a:endParaRPr lang="ko-KR" altLang="en-US" dirty="0">
                         <a:solidFill>
@@ -22055,82 +21930,9 @@
                     <a:bodyPr/>
                     <a:lstStyle/>
                     <a:p>
-                      <a:pPr algn="ctr" latinLnBrk="1"/>
-                      <a:r>
-                        <a:rPr lang="en-US" altLang="ko-KR" dirty="0" smtClean="0">
-                          <a:solidFill>
-                            <a:srgbClr val="00002F"/>
-                          </a:solidFill>
-                          <a:latin typeface="나눔스퀘어 ExtraBold" panose="020B0600000101010101" pitchFamily="50" charset="-127"/>
-                          <a:ea typeface="나눔스퀘어 ExtraBold" panose="020B0600000101010101" pitchFamily="50" charset="-127"/>
-                        </a:rPr>
-                        <a:t>D</a:t>
-                      </a:r>
-                      <a:endParaRPr lang="ko-KR" altLang="en-US" dirty="0">
-                        <a:solidFill>
-                          <a:srgbClr val="00002F"/>
-                        </a:solidFill>
-                        <a:latin typeface="나눔스퀘어 ExtraBold" panose="020B0600000101010101" pitchFamily="50" charset="-127"/>
-                        <a:ea typeface="나눔스퀘어 ExtraBold" panose="020B0600000101010101" pitchFamily="50" charset="-127"/>
-                      </a:endParaRPr>
-                    </a:p>
-                  </a:txBody>
-                  <a:tcPr anchor="ctr">
-                    <a:lnL w="12700" cap="flat" cmpd="sng" algn="ctr">
-                      <a:solidFill>
-                        <a:schemeClr val="tx1"/>
-                      </a:solidFill>
-                      <a:prstDash val="solid"/>
-                      <a:round/>
-                      <a:headEnd type="none" w="med" len="med"/>
-                      <a:tailEnd type="none" w="med" len="med"/>
-                    </a:lnL>
-                    <a:lnR w="12700" cap="flat" cmpd="sng" algn="ctr">
-                      <a:solidFill>
-                        <a:schemeClr val="tx1"/>
-                      </a:solidFill>
-                      <a:prstDash val="solid"/>
-                      <a:round/>
-                      <a:headEnd type="none" w="med" len="med"/>
-                      <a:tailEnd type="none" w="med" len="med"/>
-                    </a:lnR>
-                    <a:lnT w="12700" cap="flat" cmpd="sng" algn="ctr">
-                      <a:solidFill>
-                        <a:schemeClr val="tx1"/>
-                      </a:solidFill>
-                      <a:prstDash val="solid"/>
-                      <a:round/>
-                      <a:headEnd type="none" w="med" len="med"/>
-                      <a:tailEnd type="none" w="med" len="med"/>
-                    </a:lnT>
-                    <a:lnB w="12700" cap="flat" cmpd="sng" algn="ctr">
-                      <a:solidFill>
-                        <a:schemeClr val="tx1"/>
-                      </a:solidFill>
-                      <a:prstDash val="solid"/>
-                      <a:round/>
-                      <a:headEnd type="none" w="med" len="med"/>
-                      <a:tailEnd type="none" w="med" len="med"/>
-                    </a:lnB>
-                    <a:lnTlToBr w="12700" cmpd="sng">
-                      <a:noFill/>
-                      <a:prstDash val="solid"/>
-                    </a:lnTlToBr>
-                    <a:lnBlToTr w="12700" cmpd="sng">
-                      <a:noFill/>
-                      <a:prstDash val="solid"/>
-                    </a:lnBlToTr>
-                    <a:noFill/>
-                  </a:tcPr>
-                </a:tc>
-                <a:tc>
-                  <a:txBody>
-                    <a:bodyPr/>
-                    <a:lstStyle/>
-                    <a:p>
                       <a:pPr algn="l" latinLnBrk="1"/>
                       <a:r>
-                        <a:rPr lang="en-US" altLang="ko-KR" dirty="0" err="1" smtClean="0">
+                        <a:rPr lang="en-US" altLang="ko-KR" dirty="0" err="1">
                           <a:solidFill>
                             <a:srgbClr val="00002F"/>
                           </a:solidFill>
@@ -22216,13 +22018,6 @@
   <p:clrMapOvr>
     <a:masterClrMapping/>
   </p:clrMapOvr>
-  <p:timing>
-    <p:tnLst>
-      <p:par>
-        <p:cTn id="1" dur="indefinite" restart="never" nodeType="tmRoot"/>
-      </p:par>
-    </p:tnLst>
-  </p:timing>
 </p:sld>
 </file>
 
@@ -22304,7 +22099,7 @@
           <a:p>
             <a:pPr algn="ctr"/>
             <a:r>
-              <a:rPr lang="en-US" altLang="ko-KR" sz="2400" spc="-150" dirty="0" smtClean="0">
+              <a:rPr lang="en-US" altLang="ko-KR" sz="2400" spc="-150" dirty="0">
                 <a:solidFill>
                   <a:srgbClr val="00002F"/>
                 </a:solidFill>
@@ -22346,7 +22141,7 @@
           <a:lstStyle/>
           <a:p>
             <a:r>
-              <a:rPr lang="en-US" altLang="ko-KR" sz="3200" dirty="0" smtClean="0">
+              <a:rPr lang="en-US" altLang="ko-KR" sz="3200" dirty="0">
                 <a:solidFill>
                   <a:srgbClr val="00002F"/>
                 </a:solidFill>
@@ -22388,37 +22183,17 @@
           <a:lstStyle/>
           <a:p>
             <a:r>
-              <a:rPr lang="en-US" altLang="ko-KR" spc="-150" dirty="0" smtClean="0">
-                <a:solidFill>
-                  <a:srgbClr val="00002F"/>
-                </a:solidFill>
-                <a:latin typeface="나눔스퀘어 ExtraBold" panose="020B0600000101010101" pitchFamily="50" charset="-127"/>
-                <a:ea typeface="나눔스퀘어 ExtraBold" panose="020B0600000101010101" pitchFamily="50" charset="-127"/>
-              </a:rPr>
-              <a:t>Domain Model for UC </a:t>
-            </a:r>
-            <a:r>
-              <a:rPr lang="en-US" altLang="ko-KR" spc="-150" dirty="0" smtClean="0">
-                <a:solidFill>
-                  <a:srgbClr val="00002F"/>
-                </a:solidFill>
-                <a:latin typeface="나눔스퀘어 ExtraBold" panose="020B0600000101010101" pitchFamily="50" charset="-127"/>
-                <a:ea typeface="나눔스퀘어 ExtraBold" panose="020B0600000101010101" pitchFamily="50" charset="-127"/>
-              </a:rPr>
-              <a:t>3 </a:t>
-            </a:r>
-            <a:r>
-              <a:rPr lang="en-US" altLang="ko-KR" spc="-150" dirty="0" smtClean="0">
-                <a:solidFill>
-                  <a:srgbClr val="00002F"/>
-                </a:solidFill>
-                <a:latin typeface="나눔스퀘어 ExtraBold" panose="020B0600000101010101" pitchFamily="50" charset="-127"/>
-                <a:ea typeface="나눔스퀘어 ExtraBold" panose="020B0600000101010101" pitchFamily="50" charset="-127"/>
-              </a:rPr>
-              <a:t>: Extracting the </a:t>
-            </a:r>
-            <a:r>
-              <a:rPr lang="en-US" altLang="ko-KR" dirty="0" smtClean="0">
+              <a:rPr lang="en-US" altLang="ko-KR" spc="-150" dirty="0">
+                <a:solidFill>
+                  <a:srgbClr val="00002F"/>
+                </a:solidFill>
+                <a:latin typeface="나눔스퀘어 ExtraBold" panose="020B0600000101010101" pitchFamily="50" charset="-127"/>
+                <a:ea typeface="나눔스퀘어 ExtraBold" panose="020B0600000101010101" pitchFamily="50" charset="-127"/>
+              </a:rPr>
+              <a:t>Domain Model for UC 3 : Extracting the </a:t>
+            </a:r>
+            <a:r>
+              <a:rPr lang="en-US" altLang="ko-KR" dirty="0">
                 <a:solidFill>
                   <a:srgbClr val="00002F"/>
                 </a:solidFill>
@@ -22428,7 +22203,7 @@
               <a:t>Association</a:t>
             </a:r>
             <a:r>
-              <a:rPr lang="en-US" altLang="ko-KR" spc="-150" dirty="0" smtClean="0">
+              <a:rPr lang="en-US" altLang="ko-KR" spc="-150" dirty="0">
                 <a:solidFill>
                   <a:srgbClr val="00002F"/>
                 </a:solidFill>
@@ -22628,7 +22403,7 @@
           <p:nvPr>
             <p:extLst>
               <p:ext uri="{D42A27DB-BD31-4B8C-83A1-F6EECF244321}">
-                <p14:modId xmlns:p14="http://schemas.microsoft.com/office/powerpoint/2010/main" val="2971821965"/>
+                <p14:modId xmlns:p14="http://schemas.microsoft.com/office/powerpoint/2010/main" val="180214922"/>
               </p:ext>
             </p:extLst>
           </p:nvPr>
@@ -22674,7 +22449,7 @@
                     <a:p>
                       <a:pPr algn="l"/>
                       <a:r>
-                        <a:rPr lang="en-US" altLang="ko-KR" spc="-150" dirty="0" smtClean="0">
+                        <a:rPr lang="en-US" altLang="ko-KR" spc="-150" dirty="0">
                           <a:solidFill>
                             <a:srgbClr val="00002F"/>
                           </a:solidFill>
@@ -22684,7 +22459,7 @@
                         <a:t>Concept</a:t>
                       </a:r>
                       <a:r>
-                        <a:rPr lang="en-US" altLang="ko-KR" spc="-150" baseline="0" dirty="0" smtClean="0">
+                        <a:rPr lang="en-US" altLang="ko-KR" spc="-150" baseline="0" dirty="0">
                           <a:solidFill>
                             <a:srgbClr val="00002F"/>
                           </a:solidFill>
@@ -22767,7 +22542,7 @@
                         <a:defRPr/>
                       </a:pPr>
                       <a:r>
-                        <a:rPr lang="ko-KR" altLang="en-US" dirty="0" smtClean="0">
+                        <a:rPr lang="ko-KR" altLang="en-US" dirty="0">
                           <a:solidFill>
                             <a:srgbClr val="00002F"/>
                           </a:solidFill>
@@ -22777,7 +22552,7 @@
                         <a:t> </a:t>
                       </a:r>
                       <a:r>
-                        <a:rPr lang="en-US" altLang="ko-KR" dirty="0" smtClean="0">
+                        <a:rPr lang="en-US" altLang="ko-KR" dirty="0">
                           <a:solidFill>
                             <a:srgbClr val="00002F"/>
                           </a:solidFill>
@@ -22786,7 +22561,7 @@
                         </a:rPr>
                         <a:t>Association Description</a:t>
                       </a:r>
-                      <a:endParaRPr lang="ko-KR" altLang="en-US" dirty="0" smtClean="0">
+                      <a:endParaRPr lang="ko-KR" altLang="en-US" dirty="0">
                         <a:solidFill>
                           <a:srgbClr val="00002F"/>
                         </a:solidFill>
@@ -22860,7 +22635,7 @@
                         <a:defRPr/>
                       </a:pPr>
                       <a:r>
-                        <a:rPr lang="en-US" altLang="ko-KR" dirty="0" smtClean="0">
+                        <a:rPr lang="en-US" altLang="ko-KR" dirty="0">
                           <a:solidFill>
                             <a:srgbClr val="00002F"/>
                           </a:solidFill>
@@ -22870,7 +22645,7 @@
                         <a:t>Association</a:t>
                       </a:r>
                       <a:r>
-                        <a:rPr lang="en-US" altLang="ko-KR" baseline="0" dirty="0" smtClean="0">
+                        <a:rPr lang="en-US" altLang="ko-KR" baseline="0" dirty="0">
                           <a:solidFill>
                             <a:srgbClr val="00002F"/>
                           </a:solidFill>
@@ -22880,7 +22655,7 @@
                         <a:t> </a:t>
                       </a:r>
                       <a:r>
-                        <a:rPr lang="en-US" altLang="ko-KR" dirty="0" smtClean="0">
+                        <a:rPr lang="en-US" altLang="ko-KR" dirty="0">
                           <a:solidFill>
                             <a:srgbClr val="00002F"/>
                           </a:solidFill>
@@ -22889,7 +22664,7 @@
                         </a:rPr>
                         <a:t>Name</a:t>
                       </a:r>
-                      <a:endParaRPr lang="ko-KR" altLang="en-US" dirty="0" smtClean="0">
+                      <a:endParaRPr lang="ko-KR" altLang="en-US" dirty="0">
                         <a:solidFill>
                           <a:srgbClr val="00002F"/>
                         </a:solidFill>
@@ -22954,7 +22729,7 @@
                     <a:p>
                       <a:pPr algn="l" latinLnBrk="1"/>
                       <a:r>
-                        <a:rPr lang="en-US" altLang="ko-KR" sz="1300" dirty="0" smtClean="0">
+                        <a:rPr lang="en-US" altLang="ko-KR" sz="1300" dirty="0">
                           <a:solidFill>
                             <a:srgbClr val="00002F"/>
                           </a:solidFill>
@@ -22964,7 +22739,7 @@
                         <a:t>Controller</a:t>
                       </a:r>
                       <a:r>
-                        <a:rPr lang="en-US" altLang="ko-KR" sz="1300" baseline="0" dirty="0" smtClean="0">
+                        <a:rPr lang="en-US" altLang="ko-KR" sz="1300" baseline="0" dirty="0">
                           <a:solidFill>
                             <a:srgbClr val="00002F"/>
                           </a:solidFill>
@@ -22974,7 +22749,7 @@
                         <a:t> &lt;-&gt; </a:t>
                       </a:r>
                       <a:r>
-                        <a:rPr lang="en-US" altLang="ko-KR" sz="1300" baseline="0" dirty="0" err="1" smtClean="0">
+                        <a:rPr lang="en-US" altLang="ko-KR" sz="1300" baseline="0" dirty="0" err="1">
                           <a:solidFill>
                             <a:srgbClr val="00002F"/>
                           </a:solidFill>
@@ -23047,7 +22822,7 @@
                     <a:p>
                       <a:pPr algn="l" latinLnBrk="1"/>
                       <a:r>
-                        <a:rPr lang="en-US" altLang="ko-KR" sz="1300" dirty="0" smtClean="0">
+                        <a:rPr lang="en-US" altLang="ko-KR" sz="1300" dirty="0">
                           <a:solidFill>
                             <a:srgbClr val="00002F"/>
                           </a:solidFill>
@@ -23057,7 +22832,7 @@
                         <a:t>Controller</a:t>
                       </a:r>
                       <a:r>
-                        <a:rPr lang="ko-KR" altLang="en-US" sz="1300" dirty="0" smtClean="0">
+                        <a:rPr lang="ko-KR" altLang="en-US" sz="1300" dirty="0">
                           <a:solidFill>
                             <a:srgbClr val="00002F"/>
                           </a:solidFill>
@@ -23066,13 +22841,6 @@
                         </a:rPr>
                         <a:t>가 확장 프로그램에 유저가 설정했던 값을 요청</a:t>
                       </a:r>
-                      <a:endParaRPr lang="ko-KR" altLang="en-US" sz="1300" dirty="0">
-                        <a:solidFill>
-                          <a:srgbClr val="00002F"/>
-                        </a:solidFill>
-                        <a:latin typeface="나눔스퀘어 ExtraBold" panose="020B0600000101010101" pitchFamily="50" charset="-127"/>
-                        <a:ea typeface="나눔스퀘어 ExtraBold" panose="020B0600000101010101" pitchFamily="50" charset="-127"/>
-                      </a:endParaRPr>
                     </a:p>
                   </a:txBody>
                   <a:tcPr anchor="ctr">
@@ -23130,7 +22898,7 @@
                     <a:p>
                       <a:pPr algn="l" latinLnBrk="1"/>
                       <a:r>
-                        <a:rPr lang="en-US" altLang="ko-KR" sz="1400" dirty="0" smtClean="0">
+                        <a:rPr lang="en-US" altLang="ko-KR" sz="1400" dirty="0">
                           <a:solidFill>
                             <a:srgbClr val="00002F"/>
                           </a:solidFill>
@@ -23140,7 +22908,7 @@
                         <a:t>requests</a:t>
                       </a:r>
                       <a:r>
-                        <a:rPr lang="en-US" altLang="ko-KR" sz="1400" baseline="0" dirty="0" smtClean="0">
+                        <a:rPr lang="en-US" altLang="ko-KR" sz="1400" baseline="0" dirty="0">
                           <a:solidFill>
                             <a:srgbClr val="00002F"/>
                           </a:solidFill>
@@ -23236,7 +23004,7 @@
                         <a:defRPr/>
                       </a:pPr>
                       <a:r>
-                        <a:rPr lang="en-US" altLang="ko-KR" sz="1300" baseline="0" dirty="0" err="1" smtClean="0">
+                        <a:rPr lang="en-US" altLang="ko-KR" sz="1300" baseline="0" dirty="0" err="1">
                           <a:solidFill>
                             <a:srgbClr val="00002F"/>
                           </a:solidFill>
@@ -23246,7 +23014,7 @@
                         <a:t>MouseEntry</a:t>
                       </a:r>
                       <a:r>
-                        <a:rPr lang="en-US" altLang="ko-KR" sz="1300" baseline="0" dirty="0" smtClean="0">
+                        <a:rPr lang="en-US" altLang="ko-KR" sz="1300" baseline="0" dirty="0">
                           <a:solidFill>
                             <a:srgbClr val="00002F"/>
                           </a:solidFill>
@@ -23256,7 +23024,7 @@
                         <a:t> &lt;-&gt; </a:t>
                       </a:r>
                       <a:r>
-                        <a:rPr lang="en-US" altLang="ko-KR" sz="1300" dirty="0" smtClean="0">
+                        <a:rPr lang="en-US" altLang="ko-KR" sz="1300" dirty="0">
                           <a:solidFill>
                             <a:srgbClr val="00002F"/>
                           </a:solidFill>
@@ -23264,149 +23032,6 @@
                           <a:ea typeface="나눔스퀘어 ExtraBold" panose="020B0600000101010101" pitchFamily="50" charset="-127"/>
                         </a:rPr>
                         <a:t>Controller</a:t>
-                      </a:r>
-                      <a:endParaRPr lang="ko-KR" altLang="en-US" sz="1300" dirty="0" smtClean="0">
-                        <a:solidFill>
-                          <a:srgbClr val="00002F"/>
-                        </a:solidFill>
-                        <a:latin typeface="나눔스퀘어 ExtraBold" panose="020B0600000101010101" pitchFamily="50" charset="-127"/>
-                        <a:ea typeface="나눔스퀘어 ExtraBold" panose="020B0600000101010101" pitchFamily="50" charset="-127"/>
-                      </a:endParaRPr>
-                    </a:p>
-                  </a:txBody>
-                  <a:tcPr anchor="ctr">
-                    <a:lnL w="12700" cap="flat" cmpd="sng" algn="ctr">
-                      <a:solidFill>
-                        <a:schemeClr val="tx1"/>
-                      </a:solidFill>
-                      <a:prstDash val="solid"/>
-                      <a:round/>
-                      <a:headEnd type="none" w="med" len="med"/>
-                      <a:tailEnd type="none" w="med" len="med"/>
-                    </a:lnL>
-                    <a:lnR w="12700" cap="flat" cmpd="sng" algn="ctr">
-                      <a:solidFill>
-                        <a:schemeClr val="tx1"/>
-                      </a:solidFill>
-                      <a:prstDash val="solid"/>
-                      <a:round/>
-                      <a:headEnd type="none" w="med" len="med"/>
-                      <a:tailEnd type="none" w="med" len="med"/>
-                    </a:lnR>
-                    <a:lnT w="12700" cap="flat" cmpd="sng" algn="ctr">
-                      <a:solidFill>
-                        <a:schemeClr val="tx1"/>
-                      </a:solidFill>
-                      <a:prstDash val="solid"/>
-                      <a:round/>
-                      <a:headEnd type="none" w="med" len="med"/>
-                      <a:tailEnd type="none" w="med" len="med"/>
-                    </a:lnT>
-                    <a:lnB w="12700" cap="flat" cmpd="sng" algn="ctr">
-                      <a:solidFill>
-                        <a:schemeClr val="tx1"/>
-                      </a:solidFill>
-                      <a:prstDash val="solid"/>
-                      <a:round/>
-                      <a:headEnd type="none" w="med" len="med"/>
-                      <a:tailEnd type="none" w="med" len="med"/>
-                    </a:lnB>
-                    <a:lnTlToBr w="12700" cmpd="sng">
-                      <a:noFill/>
-                      <a:prstDash val="solid"/>
-                    </a:lnTlToBr>
-                    <a:lnBlToTr w="12700" cmpd="sng">
-                      <a:noFill/>
-                      <a:prstDash val="solid"/>
-                    </a:lnBlToTr>
-                    <a:noFill/>
-                  </a:tcPr>
-                </a:tc>
-                <a:tc>
-                  <a:txBody>
-                    <a:bodyPr/>
-                    <a:lstStyle/>
-                    <a:p>
-                      <a:pPr algn="l" latinLnBrk="1"/>
-                      <a:r>
-                        <a:rPr lang="en-US" altLang="ko-KR" sz="1300" baseline="0" dirty="0" err="1" smtClean="0">
-                          <a:solidFill>
-                            <a:srgbClr val="00002F"/>
-                          </a:solidFill>
-                          <a:latin typeface="나눔스퀘어 ExtraBold" panose="020B0600000101010101" pitchFamily="50" charset="-127"/>
-                          <a:ea typeface="나눔스퀘어 ExtraBold" panose="020B0600000101010101" pitchFamily="50" charset="-127"/>
-                        </a:rPr>
-                        <a:t>MouseEntry</a:t>
-                      </a:r>
-                      <a:r>
-                        <a:rPr lang="en-US" altLang="ko-KR" sz="1300" baseline="0" dirty="0" smtClean="0">
-                          <a:solidFill>
-                            <a:srgbClr val="00002F"/>
-                          </a:solidFill>
-                          <a:latin typeface="나눔스퀘어 ExtraBold" panose="020B0600000101010101" pitchFamily="50" charset="-127"/>
-                          <a:ea typeface="나눔스퀘어 ExtraBold" panose="020B0600000101010101" pitchFamily="50" charset="-127"/>
-                        </a:rPr>
-                        <a:t>, </a:t>
-                      </a:r>
-                      <a:r>
-                        <a:rPr lang="ko-KR" altLang="en-US" sz="1300" baseline="0" dirty="0" smtClean="0">
-                          <a:solidFill>
-                            <a:srgbClr val="00002F"/>
-                          </a:solidFill>
-                          <a:latin typeface="나눔스퀘어 ExtraBold" panose="020B0600000101010101" pitchFamily="50" charset="-127"/>
-                          <a:ea typeface="나눔스퀘어 ExtraBold" panose="020B0600000101010101" pitchFamily="50" charset="-127"/>
-                        </a:rPr>
-                        <a:t>즉 </a:t>
-                      </a:r>
-                      <a:r>
-                        <a:rPr lang="ko-KR" altLang="en-US" sz="1300" dirty="0" smtClean="0">
-                          <a:solidFill>
-                            <a:srgbClr val="00002F"/>
-                          </a:solidFill>
-                          <a:latin typeface="나눔스퀘어 ExtraBold" panose="020B0600000101010101" pitchFamily="50" charset="-127"/>
-                          <a:ea typeface="나눔스퀘어 ExtraBold" panose="020B0600000101010101" pitchFamily="50" charset="-127"/>
-                        </a:rPr>
-                        <a:t>마우스 </a:t>
-                      </a:r>
-                      <a:r>
-                        <a:rPr lang="ko-KR" altLang="en-US" sz="1300" dirty="0" smtClean="0">
-                          <a:solidFill>
-                            <a:srgbClr val="00002F"/>
-                          </a:solidFill>
-                          <a:latin typeface="나눔스퀘어 ExtraBold" panose="020B0600000101010101" pitchFamily="50" charset="-127"/>
-                          <a:ea typeface="나눔스퀘어 ExtraBold" panose="020B0600000101010101" pitchFamily="50" charset="-127"/>
-                        </a:rPr>
-                        <a:t>입력 값은 </a:t>
-                      </a:r>
-                      <a:r>
-                        <a:rPr lang="en-US" altLang="ko-KR" sz="1300" dirty="0" smtClean="0">
-                          <a:solidFill>
-                            <a:srgbClr val="00002F"/>
-                          </a:solidFill>
-                          <a:latin typeface="나눔스퀘어 ExtraBold" panose="020B0600000101010101" pitchFamily="50" charset="-127"/>
-                          <a:ea typeface="나눔스퀘어 ExtraBold" panose="020B0600000101010101" pitchFamily="50" charset="-127"/>
-                        </a:rPr>
-                        <a:t>Controller</a:t>
-                      </a:r>
-                      <a:r>
-                        <a:rPr lang="ko-KR" altLang="en-US" sz="1300" dirty="0" smtClean="0">
-                          <a:solidFill>
-                            <a:srgbClr val="00002F"/>
-                          </a:solidFill>
-                          <a:latin typeface="나눔스퀘어 ExtraBold" panose="020B0600000101010101" pitchFamily="50" charset="-127"/>
-                          <a:ea typeface="나눔스퀘어 ExtraBold" panose="020B0600000101010101" pitchFamily="50" charset="-127"/>
-                        </a:rPr>
-                        <a:t>를 </a:t>
-                      </a:r>
-                      <a:r>
-                        <a:rPr lang="ko-KR" altLang="en-US" sz="1300" dirty="0" smtClean="0">
-                          <a:solidFill>
-                            <a:srgbClr val="00002F"/>
-                          </a:solidFill>
-                          <a:latin typeface="나눔스퀘어 ExtraBold" panose="020B0600000101010101" pitchFamily="50" charset="-127"/>
-                          <a:ea typeface="나눔스퀘어 ExtraBold" panose="020B0600000101010101" pitchFamily="50" charset="-127"/>
-                        </a:rPr>
-                        <a:t>통함</a:t>
                       </a:r>
                       <a:endParaRPr lang="ko-KR" altLang="en-US" sz="1300" dirty="0">
                         <a:solidFill>
@@ -23472,17 +23097,133 @@
                     <a:p>
                       <a:pPr algn="l" latinLnBrk="1"/>
                       <a:r>
-                        <a:rPr lang="en-US" altLang="ko-KR" sz="1400" dirty="0" smtClean="0">
+                        <a:rPr lang="en-US" altLang="ko-KR" sz="1300" baseline="0" dirty="0" err="1">
                           <a:solidFill>
                             <a:srgbClr val="00002F"/>
                           </a:solidFill>
                           <a:latin typeface="나눔스퀘어 ExtraBold" panose="020B0600000101010101" pitchFamily="50" charset="-127"/>
                           <a:ea typeface="나눔스퀘어 ExtraBold" panose="020B0600000101010101" pitchFamily="50" charset="-127"/>
                         </a:rPr>
+                        <a:t>MouseEntry</a:t>
+                      </a:r>
+                      <a:r>
+                        <a:rPr lang="en-US" altLang="ko-KR" sz="1300" baseline="0" dirty="0">
+                          <a:solidFill>
+                            <a:srgbClr val="00002F"/>
+                          </a:solidFill>
+                          <a:latin typeface="나눔스퀘어 ExtraBold" panose="020B0600000101010101" pitchFamily="50" charset="-127"/>
+                          <a:ea typeface="나눔스퀘어 ExtraBold" panose="020B0600000101010101" pitchFamily="50" charset="-127"/>
+                        </a:rPr>
+                        <a:t>, </a:t>
+                      </a:r>
+                      <a:r>
+                        <a:rPr lang="ko-KR" altLang="en-US" sz="1300" baseline="0" dirty="0">
+                          <a:solidFill>
+                            <a:srgbClr val="00002F"/>
+                          </a:solidFill>
+                          <a:latin typeface="나눔스퀘어 ExtraBold" panose="020B0600000101010101" pitchFamily="50" charset="-127"/>
+                          <a:ea typeface="나눔스퀘어 ExtraBold" panose="020B0600000101010101" pitchFamily="50" charset="-127"/>
+                        </a:rPr>
+                        <a:t>즉 </a:t>
+                      </a:r>
+                      <a:r>
+                        <a:rPr lang="ko-KR" altLang="en-US" sz="1300" dirty="0">
+                          <a:solidFill>
+                            <a:srgbClr val="00002F"/>
+                          </a:solidFill>
+                          <a:latin typeface="나눔스퀘어 ExtraBold" panose="020B0600000101010101" pitchFamily="50" charset="-127"/>
+                          <a:ea typeface="나눔스퀘어 ExtraBold" panose="020B0600000101010101" pitchFamily="50" charset="-127"/>
+                        </a:rPr>
+                        <a:t>마우스 입력 값은 </a:t>
+                      </a:r>
+                      <a:r>
+                        <a:rPr lang="en-US" altLang="ko-KR" sz="1300" dirty="0">
+                          <a:solidFill>
+                            <a:srgbClr val="00002F"/>
+                          </a:solidFill>
+                          <a:latin typeface="나눔스퀘어 ExtraBold" panose="020B0600000101010101" pitchFamily="50" charset="-127"/>
+                          <a:ea typeface="나눔스퀘어 ExtraBold" panose="020B0600000101010101" pitchFamily="50" charset="-127"/>
+                        </a:rPr>
+                        <a:t>Controller</a:t>
+                      </a:r>
+                      <a:r>
+                        <a:rPr lang="ko-KR" altLang="en-US" sz="1300" dirty="0">
+                          <a:solidFill>
+                            <a:srgbClr val="00002F"/>
+                          </a:solidFill>
+                          <a:latin typeface="나눔스퀘어 ExtraBold" panose="020B0600000101010101" pitchFamily="50" charset="-127"/>
+                          <a:ea typeface="나눔스퀘어 ExtraBold" panose="020B0600000101010101" pitchFamily="50" charset="-127"/>
+                        </a:rPr>
+                        <a:t>를 통함</a:t>
+                      </a:r>
+                    </a:p>
+                  </a:txBody>
+                  <a:tcPr anchor="ctr">
+                    <a:lnL w="12700" cap="flat" cmpd="sng" algn="ctr">
+                      <a:solidFill>
+                        <a:schemeClr val="tx1"/>
+                      </a:solidFill>
+                      <a:prstDash val="solid"/>
+                      <a:round/>
+                      <a:headEnd type="none" w="med" len="med"/>
+                      <a:tailEnd type="none" w="med" len="med"/>
+                    </a:lnL>
+                    <a:lnR w="12700" cap="flat" cmpd="sng" algn="ctr">
+                      <a:solidFill>
+                        <a:schemeClr val="tx1"/>
+                      </a:solidFill>
+                      <a:prstDash val="solid"/>
+                      <a:round/>
+                      <a:headEnd type="none" w="med" len="med"/>
+                      <a:tailEnd type="none" w="med" len="med"/>
+                    </a:lnR>
+                    <a:lnT w="12700" cap="flat" cmpd="sng" algn="ctr">
+                      <a:solidFill>
+                        <a:schemeClr val="tx1"/>
+                      </a:solidFill>
+                      <a:prstDash val="solid"/>
+                      <a:round/>
+                      <a:headEnd type="none" w="med" len="med"/>
+                      <a:tailEnd type="none" w="med" len="med"/>
+                    </a:lnT>
+                    <a:lnB w="12700" cap="flat" cmpd="sng" algn="ctr">
+                      <a:solidFill>
+                        <a:schemeClr val="tx1"/>
+                      </a:solidFill>
+                      <a:prstDash val="solid"/>
+                      <a:round/>
+                      <a:headEnd type="none" w="med" len="med"/>
+                      <a:tailEnd type="none" w="med" len="med"/>
+                    </a:lnB>
+                    <a:lnTlToBr w="12700" cmpd="sng">
+                      <a:noFill/>
+                      <a:prstDash val="solid"/>
+                    </a:lnTlToBr>
+                    <a:lnBlToTr w="12700" cmpd="sng">
+                      <a:noFill/>
+                      <a:prstDash val="solid"/>
+                    </a:lnBlToTr>
+                    <a:noFill/>
+                  </a:tcPr>
+                </a:tc>
+                <a:tc>
+                  <a:txBody>
+                    <a:bodyPr/>
+                    <a:lstStyle/>
+                    <a:p>
+                      <a:pPr algn="l" latinLnBrk="1"/>
+                      <a:r>
+                        <a:rPr lang="en-US" altLang="ko-KR" sz="1400" dirty="0">
+                          <a:solidFill>
+                            <a:srgbClr val="00002F"/>
+                          </a:solidFill>
+                          <a:latin typeface="나눔스퀘어 ExtraBold" panose="020B0600000101010101" pitchFamily="50" charset="-127"/>
+                          <a:ea typeface="나눔스퀘어 ExtraBold" panose="020B0600000101010101" pitchFamily="50" charset="-127"/>
+                        </a:rPr>
                         <a:t>conveys</a:t>
                       </a:r>
                       <a:r>
-                        <a:rPr lang="en-US" altLang="ko-KR" sz="1400" baseline="0" dirty="0" smtClean="0">
+                        <a:rPr lang="en-US" altLang="ko-KR" sz="1400" baseline="0" dirty="0">
                           <a:solidFill>
                             <a:srgbClr val="00002F"/>
                           </a:solidFill>
@@ -23578,36 +23319,26 @@
                         <a:defRPr/>
                       </a:pPr>
                       <a:r>
-                        <a:rPr lang="en-US" altLang="ko-KR" sz="1300" baseline="0" dirty="0" smtClean="0">
+                        <a:rPr lang="en-US" altLang="ko-KR" sz="1300" baseline="0" dirty="0">
                           <a:solidFill>
                             <a:srgbClr val="00002F"/>
                           </a:solidFill>
                           <a:latin typeface="나눔스퀘어 ExtraBold" panose="020B0600000101010101" pitchFamily="50" charset="-127"/>
                           <a:ea typeface="나눔스퀘어 ExtraBold" panose="020B0600000101010101" pitchFamily="50" charset="-127"/>
                         </a:rPr>
-                        <a:t>Controller </a:t>
-                      </a:r>
-                      <a:r>
-                        <a:rPr lang="en-US" altLang="ko-KR" sz="1300" baseline="0" dirty="0" smtClean="0">
+                        <a:t>Controller &lt;-&gt; </a:t>
+                      </a:r>
+                      <a:r>
+                        <a:rPr lang="en-US" altLang="ko-KR" sz="1300" baseline="0" dirty="0" err="1">
                           <a:solidFill>
                             <a:srgbClr val="00002F"/>
                           </a:solidFill>
                           <a:latin typeface="나눔스퀘어 ExtraBold" panose="020B0600000101010101" pitchFamily="50" charset="-127"/>
                           <a:ea typeface="나눔스퀘어 ExtraBold" panose="020B0600000101010101" pitchFamily="50" charset="-127"/>
                         </a:rPr>
-                        <a:t>&lt;-&gt; </a:t>
-                      </a:r>
-                      <a:r>
-                        <a:rPr lang="en-US" altLang="ko-KR" sz="1300" baseline="0" dirty="0" err="1" smtClean="0">
-                          <a:solidFill>
-                            <a:srgbClr val="00002F"/>
-                          </a:solidFill>
-                          <a:latin typeface="나눔스퀘어 ExtraBold" panose="020B0600000101010101" pitchFamily="50" charset="-127"/>
-                          <a:ea typeface="나눔스퀘어 ExtraBold" panose="020B0600000101010101" pitchFamily="50" charset="-127"/>
-                        </a:rPr>
                         <a:t>ReviewCollector</a:t>
                       </a:r>
-                      <a:endParaRPr lang="ko-KR" altLang="en-US" sz="1300" dirty="0" smtClean="0">
+                      <a:endParaRPr lang="ko-KR" altLang="en-US" sz="1300" dirty="0">
                         <a:solidFill>
                           <a:srgbClr val="00002F"/>
                         </a:solidFill>
@@ -23671,7 +23402,7 @@
                     <a:p>
                       <a:pPr algn="l" latinLnBrk="1"/>
                       <a:r>
-                        <a:rPr lang="en-US" altLang="ko-KR" sz="1300" dirty="0" smtClean="0">
+                        <a:rPr lang="en-US" altLang="ko-KR" sz="1300" dirty="0">
                           <a:solidFill>
                             <a:srgbClr val="00002F"/>
                           </a:solidFill>
@@ -23681,7 +23412,7 @@
                         <a:t>Controller</a:t>
                       </a:r>
                       <a:r>
-                        <a:rPr lang="ko-KR" altLang="en-US" sz="1300" dirty="0" smtClean="0">
+                        <a:rPr lang="ko-KR" altLang="en-US" sz="1300" dirty="0">
                           <a:solidFill>
                             <a:srgbClr val="00002F"/>
                           </a:solidFill>
@@ -23691,7 +23422,7 @@
                         <a:t>가  </a:t>
                       </a:r>
                       <a:r>
-                        <a:rPr lang="en-US" altLang="ko-KR" sz="1300" baseline="0" dirty="0" err="1" smtClean="0">
+                        <a:rPr lang="en-US" altLang="ko-KR" sz="1300" baseline="0" dirty="0" err="1">
                           <a:solidFill>
                             <a:srgbClr val="00002F"/>
                           </a:solidFill>
@@ -23701,7 +23432,7 @@
                         <a:t>ReviewCollector</a:t>
                       </a:r>
                       <a:r>
-                        <a:rPr lang="ko-KR" altLang="en-US" sz="1300" baseline="0" dirty="0" smtClean="0">
+                        <a:rPr lang="ko-KR" altLang="en-US" sz="1300" baseline="0" dirty="0">
                           <a:solidFill>
                             <a:srgbClr val="00002F"/>
                           </a:solidFill>
@@ -23711,7 +23442,7 @@
                         <a:t>에게 </a:t>
                       </a:r>
                       <a:r>
-                        <a:rPr lang="ko-KR" altLang="en-US" sz="1300" dirty="0" smtClean="0">
+                        <a:rPr lang="ko-KR" altLang="en-US" sz="1300" dirty="0">
                           <a:solidFill>
                             <a:srgbClr val="00002F"/>
                           </a:solidFill>
@@ -23720,13 +23451,6 @@
                         </a:rPr>
                         <a:t>리뷰 데이터의 수집을 요청</a:t>
                       </a:r>
-                      <a:endParaRPr lang="ko-KR" altLang="en-US" sz="1300" dirty="0">
-                        <a:solidFill>
-                          <a:srgbClr val="00002F"/>
-                        </a:solidFill>
-                        <a:latin typeface="나눔스퀘어 ExtraBold" panose="020B0600000101010101" pitchFamily="50" charset="-127"/>
-                        <a:ea typeface="나눔스퀘어 ExtraBold" panose="020B0600000101010101" pitchFamily="50" charset="-127"/>
-                      </a:endParaRPr>
                     </a:p>
                   </a:txBody>
                   <a:tcPr anchor="ctr">
@@ -23800,7 +23524,7 @@
                         <a:defRPr/>
                       </a:pPr>
                       <a:r>
-                        <a:rPr lang="en-US" altLang="ko-KR" sz="1400" dirty="0" smtClean="0">
+                        <a:rPr lang="en-US" altLang="ko-KR" sz="1400" dirty="0">
                           <a:solidFill>
                             <a:srgbClr val="00002F"/>
                           </a:solidFill>
@@ -23810,7 +23534,7 @@
                         <a:t>conveys</a:t>
                       </a:r>
                       <a:r>
-                        <a:rPr lang="en-US" altLang="ko-KR" sz="1400" baseline="0" dirty="0" smtClean="0">
+                        <a:rPr lang="en-US" altLang="ko-KR" sz="1400" baseline="0" dirty="0">
                           <a:solidFill>
                             <a:srgbClr val="00002F"/>
                           </a:solidFill>
@@ -23819,7 +23543,7 @@
                         </a:rPr>
                         <a:t> requests</a:t>
                       </a:r>
-                      <a:endParaRPr lang="ko-KR" altLang="en-US" sz="1400" dirty="0" smtClean="0">
+                      <a:endParaRPr lang="ko-KR" altLang="en-US" sz="1400" dirty="0">
                         <a:solidFill>
                           <a:srgbClr val="00002F"/>
                         </a:solidFill>
@@ -23906,7 +23630,7 @@
                         <a:defRPr/>
                       </a:pPr>
                       <a:r>
-                        <a:rPr lang="en-US" altLang="ko-KR" sz="1300" baseline="0" dirty="0" err="1" smtClean="0">
+                        <a:rPr lang="en-US" altLang="ko-KR" sz="1300" baseline="0" dirty="0" err="1">
                           <a:solidFill>
                             <a:srgbClr val="00002F"/>
                           </a:solidFill>
@@ -23916,36 +23640,26 @@
                         <a:t>ReviewCollector</a:t>
                       </a:r>
                       <a:r>
-                        <a:rPr lang="en-US" altLang="ko-KR" sz="1300" baseline="0" dirty="0" smtClean="0">
+                        <a:rPr lang="en-US" altLang="ko-KR" sz="1300" baseline="0" dirty="0">
                           <a:solidFill>
                             <a:srgbClr val="00002F"/>
                           </a:solidFill>
                           <a:latin typeface="나눔스퀘어 ExtraBold" panose="020B0600000101010101" pitchFamily="50" charset="-127"/>
                           <a:ea typeface="나눔스퀘어 ExtraBold" panose="020B0600000101010101" pitchFamily="50" charset="-127"/>
                         </a:rPr>
-                        <a:t> </a:t>
-                      </a:r>
-                      <a:r>
-                        <a:rPr lang="en-US" altLang="ko-KR" sz="1300" baseline="0" dirty="0" smtClean="0">
+                        <a:t> &lt;-&gt; </a:t>
+                      </a:r>
+                      <a:r>
+                        <a:rPr lang="en-US" altLang="ko-KR" sz="1300" dirty="0" err="1">
                           <a:solidFill>
                             <a:srgbClr val="00002F"/>
                           </a:solidFill>
                           <a:latin typeface="나눔스퀘어 ExtraBold" panose="020B0600000101010101" pitchFamily="50" charset="-127"/>
                           <a:ea typeface="나눔스퀘어 ExtraBold" panose="020B0600000101010101" pitchFamily="50" charset="-127"/>
                         </a:rPr>
-                        <a:t>&lt;-&gt; </a:t>
-                      </a:r>
-                      <a:r>
-                        <a:rPr lang="en-US" altLang="ko-KR" sz="1300" dirty="0" err="1" smtClean="0">
-                          <a:solidFill>
-                            <a:srgbClr val="00002F"/>
-                          </a:solidFill>
-                          <a:latin typeface="나눔스퀘어 ExtraBold" panose="020B0600000101010101" pitchFamily="50" charset="-127"/>
-                          <a:ea typeface="나눔스퀘어 ExtraBold" panose="020B0600000101010101" pitchFamily="50" charset="-127"/>
-                        </a:rPr>
                         <a:t>ReviewData</a:t>
                       </a:r>
-                      <a:endParaRPr lang="ko-KR" altLang="en-US" sz="1300" dirty="0" smtClean="0">
+                      <a:endParaRPr lang="ko-KR" altLang="en-US" sz="1300" dirty="0">
                         <a:solidFill>
                           <a:srgbClr val="00002F"/>
                         </a:solidFill>
@@ -24009,7 +23723,7 @@
                     <a:p>
                       <a:pPr algn="l" latinLnBrk="1"/>
                       <a:r>
-                        <a:rPr lang="en-US" altLang="ko-KR" sz="1300" baseline="0" dirty="0" err="1" smtClean="0">
+                        <a:rPr lang="en-US" altLang="ko-KR" sz="1300" baseline="0" dirty="0" err="1">
                           <a:solidFill>
                             <a:srgbClr val="00002F"/>
                           </a:solidFill>
@@ -24019,7 +23733,7 @@
                         <a:t>ReviewCollector</a:t>
                       </a:r>
                       <a:r>
-                        <a:rPr lang="ko-KR" altLang="en-US" sz="1300" baseline="0" dirty="0" smtClean="0">
+                        <a:rPr lang="ko-KR" altLang="en-US" sz="1300" baseline="0" dirty="0">
                           <a:solidFill>
                             <a:srgbClr val="00002F"/>
                           </a:solidFill>
@@ -24029,7 +23743,7 @@
                         <a:t>가 웹페이지에서 수집한 리뷰 데이터를 </a:t>
                       </a:r>
                       <a:r>
-                        <a:rPr lang="en-US" altLang="ko-KR" sz="1300" baseline="0" dirty="0" err="1" smtClean="0">
+                        <a:rPr lang="en-US" altLang="ko-KR" sz="1300" baseline="0" dirty="0" err="1">
                           <a:solidFill>
                             <a:srgbClr val="00002F"/>
                           </a:solidFill>
@@ -24039,7 +23753,7 @@
                         <a:t>ReviewData</a:t>
                       </a:r>
                       <a:r>
-                        <a:rPr lang="ko-KR" altLang="en-US" sz="1300" baseline="0" dirty="0" smtClean="0">
+                        <a:rPr lang="ko-KR" altLang="en-US" sz="1300" baseline="0" dirty="0">
                           <a:solidFill>
                             <a:srgbClr val="00002F"/>
                           </a:solidFill>
@@ -24128,7 +23842,7 @@
                         <a:defRPr/>
                       </a:pPr>
                       <a:r>
-                        <a:rPr lang="en-US" altLang="ko-KR" sz="1400" baseline="0" dirty="0" smtClean="0">
+                        <a:rPr lang="en-US" altLang="ko-KR" sz="1400" baseline="0" dirty="0">
                           <a:solidFill>
                             <a:srgbClr val="00002F"/>
                           </a:solidFill>
@@ -24137,7 +23851,7 @@
                         </a:rPr>
                         <a:t>provides data</a:t>
                       </a:r>
-                      <a:endParaRPr lang="ko-KR" altLang="en-US" sz="1400" dirty="0" smtClean="0">
+                      <a:endParaRPr lang="ko-KR" altLang="en-US" sz="1400" dirty="0">
                         <a:solidFill>
                           <a:srgbClr val="00002F"/>
                         </a:solidFill>
@@ -24224,7 +23938,7 @@
                         <a:defRPr/>
                       </a:pPr>
                       <a:r>
-                        <a:rPr lang="en-US" altLang="ko-KR" sz="1300" baseline="0" dirty="0" smtClean="0">
+                        <a:rPr lang="en-US" altLang="ko-KR" sz="1300" baseline="0" dirty="0">
                           <a:solidFill>
                             <a:srgbClr val="00002F"/>
                           </a:solidFill>
@@ -24234,7 +23948,7 @@
                         <a:t>Controller &lt;-&gt; </a:t>
                       </a:r>
                       <a:r>
-                        <a:rPr lang="en-US" altLang="ko-KR" sz="1300" baseline="0" dirty="0" err="1" smtClean="0">
+                        <a:rPr lang="en-US" altLang="ko-KR" sz="1300" baseline="0" dirty="0" err="1">
                           <a:solidFill>
                             <a:srgbClr val="00002F"/>
                           </a:solidFill>
@@ -24243,7 +23957,7 @@
                         </a:rPr>
                         <a:t>ReviewData</a:t>
                       </a:r>
-                      <a:endParaRPr lang="ko-KR" altLang="en-US" sz="1300" dirty="0" smtClean="0">
+                      <a:endParaRPr lang="ko-KR" altLang="en-US" sz="1300" dirty="0">
                         <a:solidFill>
                           <a:srgbClr val="00002F"/>
                         </a:solidFill>
@@ -24307,17 +24021,17 @@
                     <a:p>
                       <a:pPr algn="l" latinLnBrk="1"/>
                       <a:r>
-                        <a:rPr lang="ko-KR" altLang="en-US" sz="1300" dirty="0" smtClean="0">
+                        <a:rPr lang="ko-KR" altLang="en-US" sz="1300" dirty="0">
                           <a:solidFill>
                             <a:srgbClr val="00002F"/>
                           </a:solidFill>
                           <a:latin typeface="나눔스퀘어 ExtraBold" panose="020B0600000101010101" pitchFamily="50" charset="-127"/>
                           <a:ea typeface="나눔스퀘어 ExtraBold" panose="020B0600000101010101" pitchFamily="50" charset="-127"/>
                         </a:rPr>
-                        <a:t>가공 전 혹은 가공된 리뷰데이터는 </a:t>
-                      </a:r>
-                      <a:r>
-                        <a:rPr lang="en-US" altLang="ko-KR" sz="1300" dirty="0" smtClean="0">
+                        <a:t>가공 전 리뷰데이터 노드는 </a:t>
+                      </a:r>
+                      <a:r>
+                        <a:rPr lang="en-US" altLang="ko-KR" sz="1300" dirty="0">
                           <a:solidFill>
                             <a:srgbClr val="00002F"/>
                           </a:solidFill>
@@ -24327,7 +24041,7 @@
                         <a:t>Controller</a:t>
                       </a:r>
                       <a:r>
-                        <a:rPr lang="ko-KR" altLang="en-US" sz="1300" dirty="0" smtClean="0">
+                        <a:rPr lang="ko-KR" altLang="en-US" sz="1300" dirty="0">
                           <a:solidFill>
                             <a:srgbClr val="00002F"/>
                           </a:solidFill>
@@ -24336,13 +24050,6 @@
                         </a:rPr>
                         <a:t>를 통함</a:t>
                       </a:r>
-                      <a:endParaRPr lang="ko-KR" altLang="en-US" sz="1300" dirty="0">
-                        <a:solidFill>
-                          <a:srgbClr val="00002F"/>
-                        </a:solidFill>
-                        <a:latin typeface="나눔스퀘어 ExtraBold" panose="020B0600000101010101" pitchFamily="50" charset="-127"/>
-                        <a:ea typeface="나눔스퀘어 ExtraBold" panose="020B0600000101010101" pitchFamily="50" charset="-127"/>
-                      </a:endParaRPr>
                     </a:p>
                   </a:txBody>
                   <a:tcPr anchor="ctr">
@@ -24416,7 +24123,7 @@
                         <a:defRPr/>
                       </a:pPr>
                       <a:r>
-                        <a:rPr lang="en-US" altLang="ko-KR" sz="1400" dirty="0" smtClean="0">
+                        <a:rPr lang="en-US" altLang="ko-KR" sz="1400" dirty="0">
                           <a:solidFill>
                             <a:srgbClr val="00002F"/>
                           </a:solidFill>
@@ -24426,26 +24133,16 @@
                         <a:t>conveys</a:t>
                       </a:r>
                       <a:r>
-                        <a:rPr lang="en-US" altLang="ko-KR" sz="1400" baseline="0" dirty="0" smtClean="0">
+                        <a:rPr lang="en-US" altLang="ko-KR" sz="1400" baseline="0" dirty="0">
                           <a:solidFill>
                             <a:srgbClr val="00002F"/>
                           </a:solidFill>
                           <a:latin typeface="나눔스퀘어 ExtraBold" panose="020B0600000101010101" pitchFamily="50" charset="-127"/>
                           <a:ea typeface="나눔스퀘어 ExtraBold" panose="020B0600000101010101" pitchFamily="50" charset="-127"/>
                         </a:rPr>
-                        <a:t> </a:t>
-                      </a:r>
-                      <a:r>
-                        <a:rPr lang="en-US" altLang="ko-KR" sz="1400" baseline="0" dirty="0" smtClean="0">
-                          <a:solidFill>
-                            <a:srgbClr val="00002F"/>
-                          </a:solidFill>
-                          <a:latin typeface="나눔스퀘어 ExtraBold" panose="020B0600000101010101" pitchFamily="50" charset="-127"/>
-                          <a:ea typeface="나눔스퀘어 ExtraBold" panose="020B0600000101010101" pitchFamily="50" charset="-127"/>
-                        </a:rPr>
-                        <a:t>data</a:t>
-                      </a:r>
-                      <a:endParaRPr lang="ko-KR" altLang="en-US" sz="1400" dirty="0" smtClean="0">
+                        <a:t> data</a:t>
+                      </a:r>
+                      <a:endParaRPr lang="ko-KR" altLang="en-US" sz="1400" dirty="0">
                         <a:solidFill>
                           <a:srgbClr val="00002F"/>
                         </a:solidFill>
@@ -24532,36 +24229,26 @@
                         <a:defRPr/>
                       </a:pPr>
                       <a:r>
-                        <a:rPr lang="en-US" altLang="ko-KR" sz="1300" baseline="0" dirty="0" smtClean="0">
+                        <a:rPr lang="en-US" altLang="ko-KR" sz="1300" baseline="0" dirty="0">
                           <a:solidFill>
                             <a:srgbClr val="00002F"/>
                           </a:solidFill>
                           <a:latin typeface="나눔스퀘어 ExtraBold" panose="020B0600000101010101" pitchFamily="50" charset="-127"/>
                           <a:ea typeface="나눔스퀘어 ExtraBold" panose="020B0600000101010101" pitchFamily="50" charset="-127"/>
                         </a:rPr>
-                        <a:t>Controller </a:t>
-                      </a:r>
-                      <a:r>
-                        <a:rPr lang="en-US" altLang="ko-KR" sz="1300" baseline="0" dirty="0" smtClean="0">
+                        <a:t>Controller &lt;-&gt; </a:t>
+                      </a:r>
+                      <a:r>
+                        <a:rPr lang="en-US" altLang="ko-KR" sz="1300" baseline="0" dirty="0" err="1">
                           <a:solidFill>
                             <a:srgbClr val="00002F"/>
                           </a:solidFill>
                           <a:latin typeface="나눔스퀘어 ExtraBold" panose="020B0600000101010101" pitchFamily="50" charset="-127"/>
                           <a:ea typeface="나눔스퀘어 ExtraBold" panose="020B0600000101010101" pitchFamily="50" charset="-127"/>
                         </a:rPr>
-                        <a:t>&lt;-&gt; </a:t>
-                      </a:r>
-                      <a:r>
-                        <a:rPr lang="en-US" altLang="ko-KR" sz="1300" baseline="0" dirty="0" err="1" smtClean="0">
-                          <a:solidFill>
-                            <a:srgbClr val="00002F"/>
-                          </a:solidFill>
-                          <a:latin typeface="나눔스퀘어 ExtraBold" panose="020B0600000101010101" pitchFamily="50" charset="-127"/>
-                          <a:ea typeface="나눔스퀘어 ExtraBold" panose="020B0600000101010101" pitchFamily="50" charset="-127"/>
-                        </a:rPr>
                         <a:t>FilteringOperator</a:t>
                       </a:r>
-                      <a:endParaRPr lang="ko-KR" altLang="en-US" sz="1300" dirty="0" smtClean="0">
+                      <a:endParaRPr lang="ko-KR" altLang="en-US" sz="1300" dirty="0">
                         <a:solidFill>
                           <a:srgbClr val="00002F"/>
                         </a:solidFill>
@@ -24625,7 +24312,7 @@
                     <a:p>
                       <a:pPr algn="l" latinLnBrk="1"/>
                       <a:r>
-                        <a:rPr lang="en-US" altLang="ko-KR" sz="1300" baseline="0" dirty="0" smtClean="0">
+                        <a:rPr lang="en-US" altLang="ko-KR" sz="1300" baseline="0" dirty="0">
                           <a:solidFill>
                             <a:srgbClr val="00002F"/>
                           </a:solidFill>
@@ -24635,7 +24322,7 @@
                         <a:t>Controller</a:t>
                       </a:r>
                       <a:r>
-                        <a:rPr lang="ko-KR" altLang="en-US" sz="1300" baseline="0" dirty="0" smtClean="0">
+                        <a:rPr lang="ko-KR" altLang="en-US" sz="1300" baseline="0" dirty="0">
                           <a:solidFill>
                             <a:srgbClr val="00002F"/>
                           </a:solidFill>
@@ -24645,7 +24332,7 @@
                         <a:t>가 </a:t>
                       </a:r>
                       <a:r>
-                        <a:rPr lang="en-US" altLang="ko-KR" sz="1300" baseline="0" dirty="0" err="1" smtClean="0">
+                        <a:rPr lang="en-US" altLang="ko-KR" sz="1300" baseline="0" dirty="0" err="1">
                           <a:solidFill>
                             <a:srgbClr val="00002F"/>
                           </a:solidFill>
@@ -24655,7 +24342,7 @@
                         <a:t>Filtering</a:t>
                       </a:r>
                       <a:r>
-                        <a:rPr lang="en-US" altLang="ko-KR" sz="1300" dirty="0" err="1" smtClean="0">
+                        <a:rPr lang="en-US" altLang="ko-KR" sz="1300" dirty="0" err="1">
                           <a:solidFill>
                             <a:srgbClr val="00002F"/>
                           </a:solidFill>
@@ -24665,7 +24352,7 @@
                         <a:t>Operator</a:t>
                       </a:r>
                       <a:r>
-                        <a:rPr lang="ko-KR" altLang="en-US" sz="1300" dirty="0" smtClean="0">
+                        <a:rPr lang="ko-KR" altLang="en-US" sz="1300" dirty="0">
                           <a:solidFill>
                             <a:srgbClr val="00002F"/>
                           </a:solidFill>
@@ -24674,13 +24361,6 @@
                         </a:rPr>
                         <a:t>에게 수집한 리뷰 데이터의 거르기 요청</a:t>
                       </a:r>
-                      <a:endParaRPr lang="ko-KR" altLang="en-US" sz="1300" dirty="0">
-                        <a:solidFill>
-                          <a:srgbClr val="00002F"/>
-                        </a:solidFill>
-                        <a:latin typeface="나눔스퀘어 ExtraBold" panose="020B0600000101010101" pitchFamily="50" charset="-127"/>
-                        <a:ea typeface="나눔스퀘어 ExtraBold" panose="020B0600000101010101" pitchFamily="50" charset="-127"/>
-                      </a:endParaRPr>
                     </a:p>
                   </a:txBody>
                   <a:tcPr anchor="ctr">
@@ -24754,7 +24434,7 @@
                         <a:defRPr/>
                       </a:pPr>
                       <a:r>
-                        <a:rPr lang="en-US" altLang="ko-KR" sz="1400" dirty="0" smtClean="0">
+                        <a:rPr lang="en-US" altLang="ko-KR" sz="1400" dirty="0">
                           <a:solidFill>
                             <a:srgbClr val="00002F"/>
                           </a:solidFill>
@@ -24764,7 +24444,7 @@
                         <a:t>conveys</a:t>
                       </a:r>
                       <a:r>
-                        <a:rPr lang="en-US" altLang="ko-KR" sz="1400" baseline="0" dirty="0" smtClean="0">
+                        <a:rPr lang="en-US" altLang="ko-KR" sz="1400" baseline="0" dirty="0">
                           <a:solidFill>
                             <a:srgbClr val="00002F"/>
                           </a:solidFill>
@@ -24773,7 +24453,7 @@
                         </a:rPr>
                         <a:t> requests</a:t>
                       </a:r>
-                      <a:endParaRPr lang="ko-KR" altLang="en-US" sz="1400" dirty="0" smtClean="0">
+                      <a:endParaRPr lang="ko-KR" altLang="en-US" sz="1400" dirty="0">
                         <a:solidFill>
                           <a:srgbClr val="00002F"/>
                         </a:solidFill>
@@ -24860,7 +24540,7 @@
                         <a:defRPr/>
                       </a:pPr>
                       <a:r>
-                        <a:rPr lang="en-US" altLang="ko-KR" sz="1300" dirty="0" smtClean="0">
+                        <a:rPr lang="en-US" altLang="ko-KR" sz="1300" dirty="0">
                           <a:solidFill>
                             <a:srgbClr val="00002F"/>
                           </a:solidFill>
@@ -24870,7 +24550,7 @@
                         <a:t>Controller</a:t>
                       </a:r>
                       <a:r>
-                        <a:rPr lang="en-US" altLang="ko-KR" sz="1300" baseline="0" dirty="0" smtClean="0">
+                        <a:rPr lang="en-US" altLang="ko-KR" sz="1300" baseline="0" dirty="0">
                           <a:solidFill>
                             <a:srgbClr val="00002F"/>
                           </a:solidFill>
@@ -24879,7 +24559,7 @@
                         </a:rPr>
                         <a:t> &lt;-&gt; Analyst</a:t>
                       </a:r>
-                      <a:endParaRPr lang="ko-KR" altLang="en-US" sz="1300" dirty="0" smtClean="0">
+                      <a:endParaRPr lang="ko-KR" altLang="en-US" sz="1300" dirty="0">
                         <a:solidFill>
                           <a:srgbClr val="00002F"/>
                         </a:solidFill>
@@ -24959,7 +24639,7 @@
                         <a:defRPr/>
                       </a:pPr>
                       <a:r>
-                        <a:rPr lang="en-US" altLang="ko-KR" sz="1300" baseline="0" dirty="0" err="1" smtClean="0">
+                        <a:rPr lang="en-US" altLang="ko-KR" sz="1300" baseline="0" dirty="0" err="1">
                           <a:solidFill>
                             <a:srgbClr val="00002F"/>
                           </a:solidFill>
@@ -24969,7 +24649,7 @@
                         <a:t>Filtering</a:t>
                       </a:r>
                       <a:r>
-                        <a:rPr lang="en-US" altLang="ko-KR" sz="1300" dirty="0" err="1" smtClean="0">
+                        <a:rPr lang="en-US" altLang="ko-KR" sz="1300" dirty="0" err="1">
                           <a:solidFill>
                             <a:srgbClr val="00002F"/>
                           </a:solidFill>
@@ -24979,7 +24659,7 @@
                         <a:t>Operator</a:t>
                       </a:r>
                       <a:r>
-                        <a:rPr lang="ko-KR" altLang="en-US" sz="1300" dirty="0" smtClean="0">
+                        <a:rPr lang="ko-KR" altLang="en-US" sz="1300" dirty="0">
                           <a:solidFill>
                             <a:srgbClr val="00002F"/>
                           </a:solidFill>
@@ -24989,7 +24669,7 @@
                         <a:t>에서 데이터를 거르기 위해서 </a:t>
                       </a:r>
                       <a:r>
-                        <a:rPr lang="en-US" altLang="ko-KR" sz="1300" baseline="0" dirty="0" smtClean="0">
+                        <a:rPr lang="en-US" altLang="ko-KR" sz="1300" baseline="0" dirty="0">
                           <a:solidFill>
                             <a:srgbClr val="00002F"/>
                           </a:solidFill>
@@ -24999,7 +24679,7 @@
                         <a:t>Analyst</a:t>
                       </a:r>
                       <a:r>
-                        <a:rPr lang="ko-KR" altLang="en-US" sz="1300" dirty="0" smtClean="0">
+                        <a:rPr lang="ko-KR" altLang="en-US" sz="1300" dirty="0">
                           <a:solidFill>
                             <a:srgbClr val="00002F"/>
                           </a:solidFill>
@@ -25008,13 +24688,6 @@
                         </a:rPr>
                         <a:t>에 데이터 분석 요청 </a:t>
                       </a:r>
-                      <a:endParaRPr lang="ko-KR" altLang="en-US" sz="1300" dirty="0">
-                        <a:solidFill>
-                          <a:srgbClr val="00002F"/>
-                        </a:solidFill>
-                        <a:latin typeface="나눔스퀘어 ExtraBold" panose="020B0600000101010101" pitchFamily="50" charset="-127"/>
-                        <a:ea typeface="나눔스퀘어 ExtraBold" panose="020B0600000101010101" pitchFamily="50" charset="-127"/>
-                      </a:endParaRPr>
                     </a:p>
                   </a:txBody>
                   <a:tcPr anchor="ctr">
@@ -25088,7 +24761,7 @@
                         <a:defRPr/>
                       </a:pPr>
                       <a:r>
-                        <a:rPr lang="en-US" altLang="ko-KR" sz="1400" dirty="0" smtClean="0">
+                        <a:rPr lang="en-US" altLang="ko-KR" sz="1400" dirty="0">
                           <a:solidFill>
                             <a:srgbClr val="00002F"/>
                           </a:solidFill>
@@ -25098,7 +24771,7 @@
                         <a:t>conveys</a:t>
                       </a:r>
                       <a:r>
-                        <a:rPr lang="en-US" altLang="ko-KR" sz="1400" baseline="0" dirty="0" smtClean="0">
+                        <a:rPr lang="en-US" altLang="ko-KR" sz="1400" baseline="0" dirty="0">
                           <a:solidFill>
                             <a:srgbClr val="00002F"/>
                           </a:solidFill>
@@ -25107,7 +24780,7 @@
                         </a:rPr>
                         <a:t> requests</a:t>
                       </a:r>
-                      <a:endParaRPr lang="ko-KR" altLang="en-US" sz="1400" dirty="0" smtClean="0">
+                      <a:endParaRPr lang="ko-KR" altLang="en-US" sz="1400" dirty="0">
                         <a:solidFill>
                           <a:srgbClr val="00002F"/>
                         </a:solidFill>
@@ -25194,7 +24867,7 @@
                         <a:defRPr/>
                       </a:pPr>
                       <a:r>
-                        <a:rPr lang="en-US" altLang="ko-KR" sz="1300" baseline="0" dirty="0" err="1" smtClean="0">
+                        <a:rPr lang="en-US" altLang="ko-KR" sz="1300" baseline="0" dirty="0" err="1">
                           <a:solidFill>
                             <a:srgbClr val="00002F"/>
                           </a:solidFill>
@@ -25204,36 +24877,26 @@
                         <a:t>FilteringOperator</a:t>
                       </a:r>
                       <a:r>
-                        <a:rPr lang="en-US" altLang="ko-KR" sz="1300" baseline="0" dirty="0" smtClean="0">
+                        <a:rPr lang="en-US" altLang="ko-KR" sz="1300" baseline="0" dirty="0">
                           <a:solidFill>
                             <a:srgbClr val="00002F"/>
                           </a:solidFill>
                           <a:latin typeface="나눔스퀘어 ExtraBold" panose="020B0600000101010101" pitchFamily="50" charset="-127"/>
                           <a:ea typeface="나눔스퀘어 ExtraBold" panose="020B0600000101010101" pitchFamily="50" charset="-127"/>
                         </a:rPr>
-                        <a:t> </a:t>
-                      </a:r>
-                      <a:r>
-                        <a:rPr lang="en-US" altLang="ko-KR" sz="1300" baseline="0" dirty="0" smtClean="0">
+                        <a:t> &lt;-&gt; </a:t>
+                      </a:r>
+                      <a:r>
+                        <a:rPr lang="en-US" altLang="ko-KR" sz="1300" baseline="0" dirty="0" err="1">
                           <a:solidFill>
                             <a:srgbClr val="00002F"/>
                           </a:solidFill>
                           <a:latin typeface="나눔스퀘어 ExtraBold" panose="020B0600000101010101" pitchFamily="50" charset="-127"/>
                           <a:ea typeface="나눔스퀘어 ExtraBold" panose="020B0600000101010101" pitchFamily="50" charset="-127"/>
                         </a:rPr>
-                        <a:t>&lt;-&gt; </a:t>
-                      </a:r>
-                      <a:r>
-                        <a:rPr lang="en-US" altLang="ko-KR" sz="1300" baseline="0" dirty="0" err="1" smtClean="0">
-                          <a:solidFill>
-                            <a:srgbClr val="00002F"/>
-                          </a:solidFill>
-                          <a:latin typeface="나눔스퀘어 ExtraBold" panose="020B0600000101010101" pitchFamily="50" charset="-127"/>
-                          <a:ea typeface="나눔스퀘어 ExtraBold" panose="020B0600000101010101" pitchFamily="50" charset="-127"/>
-                        </a:rPr>
                         <a:t>ReviewData</a:t>
                       </a:r>
-                      <a:endParaRPr lang="ko-KR" altLang="en-US" sz="1300" dirty="0" smtClean="0">
+                      <a:endParaRPr lang="ko-KR" altLang="en-US" sz="1300" dirty="0">
                         <a:solidFill>
                           <a:srgbClr val="00002F"/>
                         </a:solidFill>
@@ -25313,7 +24976,7 @@
                         <a:defRPr/>
                       </a:pPr>
                       <a:r>
-                        <a:rPr lang="ko-KR" altLang="en-US" sz="1300" dirty="0" smtClean="0">
+                        <a:rPr lang="ko-KR" altLang="en-US" sz="1300" dirty="0">
                           <a:solidFill>
                             <a:srgbClr val="00002F"/>
                           </a:solidFill>
@@ -25323,7 +24986,7 @@
                         <a:t>분석 결과에 따라 </a:t>
                       </a:r>
                       <a:r>
-                        <a:rPr lang="en-US" altLang="ko-KR" sz="1300" baseline="0" dirty="0" err="1" smtClean="0">
+                        <a:rPr lang="en-US" altLang="ko-KR" sz="1300" baseline="0" dirty="0" err="1">
                           <a:solidFill>
                             <a:srgbClr val="00002F"/>
                           </a:solidFill>
@@ -25333,7 +24996,7 @@
                         <a:t>FilteringOperator</a:t>
                       </a:r>
                       <a:r>
-                        <a:rPr lang="ko-KR" altLang="en-US" sz="1300" dirty="0" smtClean="0">
+                        <a:rPr lang="ko-KR" altLang="en-US" sz="1300" dirty="0">
                           <a:solidFill>
                             <a:srgbClr val="00002F"/>
                           </a:solidFill>
@@ -25343,7 +25006,7 @@
                         <a:t>가 </a:t>
                       </a:r>
                       <a:r>
-                        <a:rPr lang="en-US" altLang="ko-KR" sz="1300" baseline="0" dirty="0" err="1" smtClean="0">
+                        <a:rPr lang="en-US" altLang="ko-KR" sz="1300" baseline="0" dirty="0" err="1">
                           <a:solidFill>
                             <a:srgbClr val="00002F"/>
                           </a:solidFill>
@@ -25353,16 +25016,16 @@
                         <a:t>ReviewData</a:t>
                       </a:r>
                       <a:r>
-                        <a:rPr lang="ko-KR" altLang="en-US" sz="1300" baseline="0" dirty="0" smtClean="0">
+                        <a:rPr lang="ko-KR" altLang="en-US" sz="1300" baseline="0" dirty="0">
                           <a:solidFill>
                             <a:srgbClr val="00002F"/>
                           </a:solidFill>
                           <a:latin typeface="나눔스퀘어 ExtraBold" panose="020B0600000101010101" pitchFamily="50" charset="-127"/>
                           <a:ea typeface="나눔스퀘어 ExtraBold" panose="020B0600000101010101" pitchFamily="50" charset="-127"/>
                         </a:rPr>
-                        <a:t>에 데이터 제공</a:t>
-                      </a:r>
-                      <a:endParaRPr lang="ko-KR" altLang="en-US" sz="1300" dirty="0" smtClean="0">
+                        <a:t>의 데이터 선별</a:t>
+                      </a:r>
+                      <a:endParaRPr lang="ko-KR" altLang="en-US" sz="1300" dirty="0">
                         <a:solidFill>
                           <a:srgbClr val="00002F"/>
                         </a:solidFill>
@@ -25442,7 +25105,7 @@
                         <a:defRPr/>
                       </a:pPr>
                       <a:r>
-                        <a:rPr lang="en-US" altLang="ko-KR" sz="1400" baseline="0" dirty="0" smtClean="0">
+                        <a:rPr lang="en-US" altLang="ko-KR" sz="1400" baseline="0" dirty="0">
                           <a:solidFill>
                             <a:srgbClr val="00002F"/>
                           </a:solidFill>
@@ -25451,7 +25114,7 @@
                         </a:rPr>
                         <a:t>provides data</a:t>
                       </a:r>
-                      <a:endParaRPr lang="ko-KR" altLang="en-US" sz="1400" dirty="0" smtClean="0">
+                      <a:endParaRPr lang="ko-KR" altLang="en-US" sz="1400" dirty="0">
                         <a:solidFill>
                           <a:srgbClr val="00002F"/>
                         </a:solidFill>
@@ -25538,7 +25201,7 @@
                         <a:defRPr/>
                       </a:pPr>
                       <a:r>
-                        <a:rPr lang="en-US" altLang="ko-KR" sz="1300" dirty="0" smtClean="0">
+                        <a:rPr lang="en-US" altLang="ko-KR" sz="1300" dirty="0">
                           <a:solidFill>
                             <a:srgbClr val="00002F"/>
                           </a:solidFill>
@@ -25548,7 +25211,7 @@
                         <a:t>Controller</a:t>
                       </a:r>
                       <a:r>
-                        <a:rPr lang="ko-KR" altLang="en-US" sz="1300" baseline="0" dirty="0" smtClean="0">
+                        <a:rPr lang="ko-KR" altLang="en-US" sz="1300" baseline="0" dirty="0">
                           <a:solidFill>
                             <a:srgbClr val="00002F"/>
                           </a:solidFill>
@@ -25558,7 +25221,7 @@
                         <a:t> </a:t>
                       </a:r>
                       <a:r>
-                        <a:rPr lang="en-US" altLang="ko-KR" sz="1300" baseline="0" dirty="0" smtClean="0">
+                        <a:rPr lang="en-US" altLang="ko-KR" sz="1300" baseline="0" dirty="0">
                           <a:solidFill>
                             <a:srgbClr val="00002F"/>
                           </a:solidFill>
@@ -25568,7 +25231,7 @@
                         <a:t>&lt;-&gt; </a:t>
                       </a:r>
                       <a:r>
-                        <a:rPr lang="en-US" altLang="ko-KR" sz="1400" dirty="0" smtClean="0">
+                        <a:rPr lang="en-US" altLang="ko-KR" sz="1400" dirty="0">
                           <a:solidFill>
                             <a:srgbClr val="00002F"/>
                           </a:solidFill>
@@ -25577,7 +25240,7 @@
                         </a:rPr>
                         <a:t>Updater</a:t>
                       </a:r>
-                      <a:endParaRPr lang="ko-KR" altLang="en-US" sz="1400" dirty="0" smtClean="0">
+                      <a:endParaRPr lang="ko-KR" altLang="en-US" sz="1400" dirty="0">
                         <a:solidFill>
                           <a:srgbClr val="00002F"/>
                         </a:solidFill>
@@ -25657,17 +25320,17 @@
                         <a:defRPr/>
                       </a:pPr>
                       <a:r>
-                        <a:rPr lang="ko-KR" altLang="en-US" sz="1300" dirty="0" smtClean="0">
+                        <a:rPr lang="ko-KR" altLang="en-US" sz="1300" dirty="0">
                           <a:solidFill>
                             <a:srgbClr val="00002F"/>
                           </a:solidFill>
                           <a:latin typeface="나눔스퀘어 ExtraBold" panose="020B0600000101010101" pitchFamily="50" charset="-127"/>
                           <a:ea typeface="나눔스퀘어 ExtraBold" panose="020B0600000101010101" pitchFamily="50" charset="-127"/>
                         </a:rPr>
-                        <a:t>화면을 갱신하여 유저에게 보여주기 위해 </a:t>
-                      </a:r>
-                      <a:r>
-                        <a:rPr lang="en-US" altLang="ko-KR" sz="1300" dirty="0" smtClean="0">
+                        <a:t>화면을 갱신하여 보여주기 위해 </a:t>
+                      </a:r>
+                      <a:r>
+                        <a:rPr lang="en-US" altLang="ko-KR" sz="1300" dirty="0">
                           <a:solidFill>
                             <a:srgbClr val="00002F"/>
                           </a:solidFill>
@@ -25677,7 +25340,7 @@
                         <a:t>Controller</a:t>
                       </a:r>
                       <a:r>
-                        <a:rPr lang="ko-KR" altLang="en-US" sz="1300" dirty="0" smtClean="0">
+                        <a:rPr lang="ko-KR" altLang="en-US" sz="1300" dirty="0">
                           <a:solidFill>
                             <a:srgbClr val="00002F"/>
                           </a:solidFill>
@@ -25687,7 +25350,7 @@
                         <a:t>가 </a:t>
                       </a:r>
                       <a:r>
-                        <a:rPr lang="en-US" altLang="ko-KR" sz="1200" dirty="0" smtClean="0">
+                        <a:rPr lang="en-US" altLang="ko-KR" sz="1200" dirty="0">
                           <a:solidFill>
                             <a:srgbClr val="00002F"/>
                           </a:solidFill>
@@ -25697,16 +25360,16 @@
                         <a:t>Updater</a:t>
                       </a:r>
                       <a:r>
-                        <a:rPr lang="ko-KR" altLang="en-US" sz="1300" dirty="0" smtClean="0">
+                        <a:rPr lang="ko-KR" altLang="en-US" sz="1300" dirty="0">
                           <a:solidFill>
                             <a:srgbClr val="00002F"/>
                           </a:solidFill>
                           <a:latin typeface="나눔스퀘어 ExtraBold" panose="020B0600000101010101" pitchFamily="50" charset="-127"/>
                           <a:ea typeface="나눔스퀘어 ExtraBold" panose="020B0600000101010101" pitchFamily="50" charset="-127"/>
                         </a:rPr>
-                        <a:t>에 가공된 데이터 제공</a:t>
-                      </a:r>
-                      <a:endParaRPr lang="ko-KR" altLang="en-US" sz="1200" dirty="0" smtClean="0">
+                        <a:t>에 가공할 데이터 노드 제공</a:t>
+                      </a:r>
+                      <a:endParaRPr lang="ko-KR" altLang="en-US" sz="1200" dirty="0">
                         <a:solidFill>
                           <a:srgbClr val="00002F"/>
                         </a:solidFill>
@@ -25786,7 +25449,7 @@
                         <a:defRPr/>
                       </a:pPr>
                       <a:r>
-                        <a:rPr lang="en-US" altLang="ko-KR" sz="1400" baseline="0" dirty="0" smtClean="0">
+                        <a:rPr lang="en-US" altLang="ko-KR" sz="1400" baseline="0" dirty="0">
                           <a:solidFill>
                             <a:srgbClr val="00002F"/>
                           </a:solidFill>
@@ -25795,7 +25458,7 @@
                         </a:rPr>
                         <a:t>provides data</a:t>
                       </a:r>
-                      <a:endParaRPr lang="ko-KR" altLang="en-US" sz="1400" dirty="0" smtClean="0">
+                      <a:endParaRPr lang="ko-KR" altLang="en-US" sz="1400" dirty="0">
                         <a:solidFill>
                           <a:srgbClr val="00002F"/>
                         </a:solidFill>
@@ -25872,13 +25535,6 @@
   <p:clrMapOvr>
     <a:masterClrMapping/>
   </p:clrMapOvr>
-  <p:timing>
-    <p:tnLst>
-      <p:par>
-        <p:cTn id="1" dur="indefinite" restart="never" nodeType="tmRoot"/>
-      </p:par>
-    </p:tnLst>
-  </p:timing>
 </p:sld>
 </file>
 
@@ -25960,7 +25616,7 @@
           <a:p>
             <a:pPr algn="ctr"/>
             <a:r>
-              <a:rPr lang="en-US" altLang="ko-KR" sz="2400" spc="-150" dirty="0" smtClean="0">
+              <a:rPr lang="en-US" altLang="ko-KR" sz="2400" spc="-150" dirty="0">
                 <a:solidFill>
                   <a:srgbClr val="00002F"/>
                 </a:solidFill>
@@ -26002,7 +25658,7 @@
           <a:lstStyle/>
           <a:p>
             <a:r>
-              <a:rPr lang="en-US" altLang="ko-KR" sz="3200" dirty="0" smtClean="0">
+              <a:rPr lang="en-US" altLang="ko-KR" sz="3200" dirty="0">
                 <a:solidFill>
                   <a:srgbClr val="00002F"/>
                 </a:solidFill>
@@ -26044,34 +25700,14 @@
           <a:lstStyle/>
           <a:p>
             <a:r>
-              <a:rPr lang="en-US" altLang="ko-KR" spc="-150" dirty="0" smtClean="0">
-                <a:solidFill>
-                  <a:srgbClr val="00002F"/>
-                </a:solidFill>
-                <a:latin typeface="나눔스퀘어 ExtraBold" panose="020B0600000101010101" pitchFamily="50" charset="-127"/>
-                <a:ea typeface="나눔스퀘어 ExtraBold" panose="020B0600000101010101" pitchFamily="50" charset="-127"/>
-              </a:rPr>
-              <a:t>Domain Model for UC </a:t>
-            </a:r>
-            <a:r>
-              <a:rPr lang="en-US" altLang="ko-KR" spc="-150" dirty="0" smtClean="0">
-                <a:solidFill>
-                  <a:srgbClr val="00002F"/>
-                </a:solidFill>
-                <a:latin typeface="나눔스퀘어 ExtraBold" panose="020B0600000101010101" pitchFamily="50" charset="-127"/>
-                <a:ea typeface="나눔스퀘어 ExtraBold" panose="020B0600000101010101" pitchFamily="50" charset="-127"/>
-              </a:rPr>
-              <a:t>3 </a:t>
-            </a:r>
-            <a:r>
-              <a:rPr lang="en-US" altLang="ko-KR" spc="-150" dirty="0" smtClean="0">
-                <a:solidFill>
-                  <a:srgbClr val="00002F"/>
-                </a:solidFill>
-                <a:latin typeface="나눔스퀘어 ExtraBold" panose="020B0600000101010101" pitchFamily="50" charset="-127"/>
-                <a:ea typeface="나눔스퀘어 ExtraBold" panose="020B0600000101010101" pitchFamily="50" charset="-127"/>
-              </a:rPr>
-              <a:t>: Extracting the Attributes</a:t>
+              <a:rPr lang="en-US" altLang="ko-KR" spc="-150" dirty="0">
+                <a:solidFill>
+                  <a:srgbClr val="00002F"/>
+                </a:solidFill>
+                <a:latin typeface="나눔스퀘어 ExtraBold" panose="020B0600000101010101" pitchFamily="50" charset="-127"/>
+                <a:ea typeface="나눔스퀘어 ExtraBold" panose="020B0600000101010101" pitchFamily="50" charset="-127"/>
+              </a:rPr>
+              <a:t>Domain Model for UC 3 : Extracting the Attributes</a:t>
             </a:r>
             <a:endParaRPr lang="ko-KR" altLang="en-US" spc="-150" dirty="0">
               <a:solidFill>
@@ -26310,7 +25946,7 @@
                     <a:p>
                       <a:pPr algn="l"/>
                       <a:r>
-                        <a:rPr lang="en-US" altLang="ko-KR" spc="-150" dirty="0" smtClean="0">
+                        <a:rPr lang="en-US" altLang="ko-KR" spc="-150" dirty="0">
                           <a:solidFill>
                             <a:srgbClr val="00002F"/>
                           </a:solidFill>
@@ -26393,7 +26029,7 @@
                         <a:defRPr/>
                       </a:pPr>
                       <a:r>
-                        <a:rPr lang="ko-KR" altLang="en-US" dirty="0" smtClean="0">
+                        <a:rPr lang="ko-KR" altLang="en-US" dirty="0">
                           <a:solidFill>
                             <a:srgbClr val="00002F"/>
                           </a:solidFill>
@@ -26403,7 +26039,7 @@
                         <a:t> </a:t>
                       </a:r>
                       <a:r>
-                        <a:rPr lang="en-US" altLang="ko-KR" dirty="0" smtClean="0">
+                        <a:rPr lang="en-US" altLang="ko-KR" dirty="0">
                           <a:solidFill>
                             <a:srgbClr val="00002F"/>
                           </a:solidFill>
@@ -26412,7 +26048,7 @@
                         </a:rPr>
                         <a:t>Attributes</a:t>
                       </a:r>
-                      <a:endParaRPr lang="ko-KR" altLang="en-US" dirty="0" smtClean="0">
+                      <a:endParaRPr lang="ko-KR" altLang="en-US" dirty="0">
                         <a:solidFill>
                           <a:srgbClr val="00002F"/>
                         </a:solidFill>
@@ -26486,7 +26122,7 @@
                         <a:defRPr/>
                       </a:pPr>
                       <a:r>
-                        <a:rPr lang="en-US" altLang="ko-KR" dirty="0" smtClean="0">
+                        <a:rPr lang="en-US" altLang="ko-KR" dirty="0">
                           <a:solidFill>
                             <a:srgbClr val="00002F"/>
                           </a:solidFill>
@@ -26496,7 +26132,7 @@
                         <a:t>Attribute</a:t>
                       </a:r>
                       <a:r>
-                        <a:rPr lang="en-US" altLang="ko-KR" baseline="0" dirty="0" smtClean="0">
+                        <a:rPr lang="en-US" altLang="ko-KR" baseline="0" dirty="0">
                           <a:solidFill>
                             <a:srgbClr val="00002F"/>
                           </a:solidFill>
@@ -26505,7 +26141,7 @@
                         </a:rPr>
                         <a:t> Description</a:t>
                       </a:r>
-                      <a:endParaRPr lang="ko-KR" altLang="en-US" dirty="0" smtClean="0">
+                      <a:endParaRPr lang="ko-KR" altLang="en-US" dirty="0">
                         <a:solidFill>
                           <a:srgbClr val="00002F"/>
                         </a:solidFill>
@@ -26570,7 +26206,7 @@
                     <a:p>
                       <a:pPr algn="l" latinLnBrk="1"/>
                       <a:r>
-                        <a:rPr lang="en-US" altLang="ko-KR" sz="1400" baseline="0" dirty="0" err="1" smtClean="0">
+                        <a:rPr lang="en-US" altLang="ko-KR" sz="1400" baseline="0" dirty="0" err="1">
                           <a:solidFill>
                             <a:srgbClr val="00002F"/>
                           </a:solidFill>
@@ -26643,7 +26279,7 @@
                     <a:p>
                       <a:pPr algn="l" latinLnBrk="1"/>
                       <a:r>
-                        <a:rPr lang="ko-KR" altLang="en-US" sz="1400" dirty="0" smtClean="0">
+                        <a:rPr lang="ko-KR" altLang="en-US" sz="1400" dirty="0">
                           <a:solidFill>
                             <a:srgbClr val="00002F"/>
                           </a:solidFill>
@@ -26652,13 +26288,6 @@
                         </a:rPr>
                         <a:t>설정 값 정보</a:t>
                       </a:r>
-                      <a:endParaRPr lang="ko-KR" altLang="en-US" sz="1400" dirty="0">
-                        <a:solidFill>
-                          <a:srgbClr val="00002F"/>
-                        </a:solidFill>
-                        <a:latin typeface="나눔스퀘어 ExtraBold" panose="020B0600000101010101" pitchFamily="50" charset="-127"/>
-                        <a:ea typeface="나눔스퀘어 ExtraBold" panose="020B0600000101010101" pitchFamily="50" charset="-127"/>
-                      </a:endParaRPr>
                     </a:p>
                   </a:txBody>
                   <a:tcPr anchor="ctr">
@@ -26716,37 +26345,17 @@
                     <a:p>
                       <a:pPr algn="l" latinLnBrk="1"/>
                       <a:r>
-                        <a:rPr lang="ko-KR" altLang="en-US" sz="1400" dirty="0" smtClean="0">
+                        <a:rPr lang="ko-KR" altLang="en-US" sz="1400" dirty="0">
                           <a:solidFill>
                             <a:srgbClr val="00002F"/>
                           </a:solidFill>
                           <a:latin typeface="나눔스퀘어 ExtraBold" panose="020B0600000101010101" pitchFamily="50" charset="-127"/>
                           <a:ea typeface="나눔스퀘어 ExtraBold" panose="020B0600000101010101" pitchFamily="50" charset="-127"/>
                         </a:rPr>
-                        <a:t>유저가 확장프로그램의 </a:t>
-                      </a:r>
-                      <a:r>
-                        <a:rPr lang="ko-KR" altLang="en-US" sz="1400" dirty="0" smtClean="0">
-                          <a:solidFill>
-                            <a:srgbClr val="00002F"/>
-                          </a:solidFill>
-                          <a:latin typeface="나눔스퀘어 ExtraBold" panose="020B0600000101010101" pitchFamily="50" charset="-127"/>
-                          <a:ea typeface="나눔스퀘어 ExtraBold" panose="020B0600000101010101" pitchFamily="50" charset="-127"/>
-                        </a:rPr>
-                        <a:t>옵션을 </a:t>
-                      </a:r>
-                      <a:r>
-                        <a:rPr lang="ko-KR" altLang="en-US" sz="1400" dirty="0" smtClean="0">
-                          <a:solidFill>
-                            <a:srgbClr val="00002F"/>
-                          </a:solidFill>
-                          <a:latin typeface="나눔스퀘어 ExtraBold" panose="020B0600000101010101" pitchFamily="50" charset="-127"/>
-                          <a:ea typeface="나눔스퀘어 ExtraBold" panose="020B0600000101010101" pitchFamily="50" charset="-127"/>
-                        </a:rPr>
-                        <a:t>설정한 값을 나타내는 정보</a:t>
-                      </a:r>
-                      <a:r>
-                        <a:rPr lang="en-US" altLang="ko-KR" sz="1400" dirty="0" smtClean="0">
+                        <a:t>유저가 확장프로그램의 옵션을 설정한 값을 나타내는 정보</a:t>
+                      </a:r>
+                      <a:r>
+                        <a:rPr lang="en-US" altLang="ko-KR" sz="1400" dirty="0">
                           <a:solidFill>
                             <a:srgbClr val="00002F"/>
                           </a:solidFill>
@@ -26826,7 +26435,7 @@
                     <a:p>
                       <a:pPr algn="l" latinLnBrk="1"/>
                       <a:r>
-                        <a:rPr lang="en-US" altLang="ko-KR" sz="1400" dirty="0" smtClean="0">
+                        <a:rPr lang="en-US" altLang="ko-KR" sz="1400" dirty="0">
                           <a:solidFill>
                             <a:srgbClr val="00002F"/>
                           </a:solidFill>
@@ -26899,7 +26508,7 @@
                     <a:p>
                       <a:pPr algn="l" latinLnBrk="1"/>
                       <a:r>
-                        <a:rPr lang="ko-KR" altLang="en-US" sz="1400" dirty="0" smtClean="0">
+                        <a:rPr lang="ko-KR" altLang="en-US" sz="1400" dirty="0">
                           <a:solidFill>
                             <a:srgbClr val="00002F"/>
                           </a:solidFill>
@@ -26908,13 +26517,6 @@
                         </a:rPr>
                         <a:t>분석 알고리즘</a:t>
                       </a:r>
-                      <a:endParaRPr lang="ko-KR" altLang="en-US" sz="1400" dirty="0">
-                        <a:solidFill>
-                          <a:srgbClr val="00002F"/>
-                        </a:solidFill>
-                        <a:latin typeface="나눔스퀘어 ExtraBold" panose="020B0600000101010101" pitchFamily="50" charset="-127"/>
-                        <a:ea typeface="나눔스퀘어 ExtraBold" panose="020B0600000101010101" pitchFamily="50" charset="-127"/>
-                      </a:endParaRPr>
                     </a:p>
                   </a:txBody>
                   <a:tcPr anchor="ctr">
@@ -26972,7 +26574,7 @@
                     <a:p>
                       <a:pPr algn="l" latinLnBrk="1"/>
                       <a:r>
-                        <a:rPr lang="ko-KR" altLang="en-US" sz="1400" dirty="0" smtClean="0">
+                        <a:rPr lang="ko-KR" altLang="en-US" sz="1400" dirty="0">
                           <a:solidFill>
                             <a:srgbClr val="00002F"/>
                           </a:solidFill>
@@ -26981,13 +26583,6 @@
                         </a:rPr>
                         <a:t>텍스트를 분석하는 알고리즘</a:t>
                       </a:r>
-                      <a:endParaRPr lang="ko-KR" altLang="en-US" sz="1400" dirty="0">
-                        <a:solidFill>
-                          <a:srgbClr val="00002F"/>
-                        </a:solidFill>
-                        <a:latin typeface="나눔스퀘어 ExtraBold" panose="020B0600000101010101" pitchFamily="50" charset="-127"/>
-                        <a:ea typeface="나눔스퀘어 ExtraBold" panose="020B0600000101010101" pitchFamily="50" charset="-127"/>
-                      </a:endParaRPr>
                     </a:p>
                   </a:txBody>
                   <a:tcPr anchor="ctr">
@@ -27068,7 +26663,7 @@
                         <a:defRPr/>
                       </a:pPr>
                       <a:r>
-                        <a:rPr lang="en-US" altLang="ko-KR" sz="1400" dirty="0" smtClean="0">
+                        <a:rPr lang="en-US" altLang="ko-KR" sz="1400" dirty="0">
                           <a:solidFill>
                             <a:srgbClr val="00002F"/>
                           </a:solidFill>
@@ -27077,7 +26672,7 @@
                         </a:rPr>
                         <a:t>Validity</a:t>
                       </a:r>
-                      <a:endParaRPr lang="ko-KR" altLang="en-US" sz="1400" dirty="0" smtClean="0">
+                      <a:endParaRPr lang="ko-KR" altLang="en-US" sz="1400" dirty="0">
                         <a:solidFill>
                           <a:srgbClr val="00002F"/>
                         </a:solidFill>
@@ -27141,7 +26736,7 @@
                     <a:p>
                       <a:pPr algn="l" latinLnBrk="1"/>
                       <a:r>
-                        <a:rPr lang="ko-KR" altLang="en-US" sz="1400" dirty="0" smtClean="0">
+                        <a:rPr lang="ko-KR" altLang="en-US" sz="1400" dirty="0">
                           <a:solidFill>
                             <a:srgbClr val="00002F"/>
                           </a:solidFill>
@@ -27150,13 +26745,6 @@
                         </a:rPr>
                         <a:t>적합성 값</a:t>
                       </a:r>
-                      <a:endParaRPr lang="ko-KR" altLang="en-US" sz="1400" dirty="0">
-                        <a:solidFill>
-                          <a:srgbClr val="00002F"/>
-                        </a:solidFill>
-                        <a:latin typeface="나눔스퀘어 ExtraBold" panose="020B0600000101010101" pitchFamily="50" charset="-127"/>
-                        <a:ea typeface="나눔스퀘어 ExtraBold" panose="020B0600000101010101" pitchFamily="50" charset="-127"/>
-                      </a:endParaRPr>
                     </a:p>
                   </a:txBody>
                   <a:tcPr anchor="ctr">
@@ -27230,7 +26818,7 @@
                         <a:defRPr/>
                       </a:pPr>
                       <a:r>
-                        <a:rPr lang="ko-KR" altLang="en-US" sz="1400" dirty="0" smtClean="0">
+                        <a:rPr lang="ko-KR" altLang="en-US" sz="1400" dirty="0">
                           <a:solidFill>
                             <a:srgbClr val="00002F"/>
                           </a:solidFill>
@@ -27318,7 +26906,7 @@
                         <a:tabLst/>
                         <a:defRPr/>
                       </a:pPr>
-                      <a:endParaRPr lang="ko-KR" altLang="en-US" sz="1400" dirty="0" smtClean="0">
+                      <a:endParaRPr lang="ko-KR" altLang="en-US" sz="1400" dirty="0">
                         <a:solidFill>
                           <a:srgbClr val="00002F"/>
                         </a:solidFill>
@@ -27460,7 +27048,7 @@
                         <a:tabLst/>
                         <a:defRPr/>
                       </a:pPr>
-                      <a:endParaRPr lang="ko-KR" altLang="en-US" sz="1400" dirty="0" smtClean="0">
+                      <a:endParaRPr lang="ko-KR" altLang="en-US" sz="1400" dirty="0">
                         <a:solidFill>
                           <a:srgbClr val="00002F"/>
                         </a:solidFill>
@@ -27546,7 +27134,7 @@
                         <a:tabLst/>
                         <a:defRPr/>
                       </a:pPr>
-                      <a:endParaRPr lang="ko-KR" altLang="en-US" sz="1400" dirty="0" smtClean="0">
+                      <a:endParaRPr lang="ko-KR" altLang="en-US" sz="1400" dirty="0">
                         <a:solidFill>
                           <a:srgbClr val="00002F"/>
                         </a:solidFill>
@@ -27688,7 +27276,7 @@
                         <a:tabLst/>
                         <a:defRPr/>
                       </a:pPr>
-                      <a:endParaRPr lang="ko-KR" altLang="en-US" sz="1400" dirty="0" smtClean="0">
+                      <a:endParaRPr lang="ko-KR" altLang="en-US" sz="1400" dirty="0">
                         <a:solidFill>
                           <a:srgbClr val="00002F"/>
                         </a:solidFill>
@@ -28745,13 +28333,6 @@
   <p:clrMapOvr>
     <a:masterClrMapping/>
   </p:clrMapOvr>
-  <p:timing>
-    <p:tnLst>
-      <p:par>
-        <p:cTn id="1" dur="indefinite" restart="never" nodeType="tmRoot"/>
-      </p:par>
-    </p:tnLst>
-  </p:timing>
 </p:sld>
 </file>
 
@@ -28795,7 +28376,7 @@
           <a:lstStyle/>
           <a:p>
             <a:r>
-              <a:rPr lang="en-US" altLang="ko-KR" sz="11500" b="1" dirty="0" smtClean="0">
+              <a:rPr lang="en-US" altLang="ko-KR" sz="11500" b="1" dirty="0">
                 <a:solidFill>
                   <a:srgbClr val="8DBABD"/>
                 </a:solidFill>
@@ -28855,7 +28436,7 @@
           <a:p>
             <a:pPr algn="ctr"/>
             <a:r>
-              <a:rPr lang="en-US" altLang="ko-KR" sz="2800" dirty="0" smtClean="0">
+              <a:rPr lang="en-US" altLang="ko-KR" sz="2800" dirty="0">
                 <a:solidFill>
                   <a:srgbClr val="00002F"/>
                 </a:solidFill>
@@ -28897,7 +28478,7 @@
           <a:lstStyle/>
           <a:p>
             <a:r>
-              <a:rPr lang="en-US" altLang="ko-KR" sz="11500" b="1" dirty="0" smtClean="0">
+              <a:rPr lang="en-US" altLang="ko-KR" sz="11500" b="1" dirty="0">
                 <a:solidFill>
                   <a:srgbClr val="8DBABD"/>
                 </a:solidFill>
@@ -28957,7 +28538,7 @@
           <a:p>
             <a:pPr algn="ctr"/>
             <a:r>
-              <a:rPr lang="en-US" altLang="ko-KR" sz="2800" dirty="0" smtClean="0">
+              <a:rPr lang="en-US" altLang="ko-KR" sz="2800" dirty="0">
                 <a:solidFill>
                   <a:srgbClr val="00002F"/>
                 </a:solidFill>
@@ -28970,7 +28551,7 @@
           <a:p>
             <a:pPr algn="ctr"/>
             <a:r>
-              <a:rPr lang="en-US" altLang="ko-KR" sz="2800" dirty="0" smtClean="0">
+              <a:rPr lang="en-US" altLang="ko-KR" sz="2800" dirty="0">
                 <a:solidFill>
                   <a:srgbClr val="00002F"/>
                 </a:solidFill>
@@ -29012,7 +28593,7 @@
           <a:lstStyle/>
           <a:p>
             <a:r>
-              <a:rPr lang="en-US" altLang="ko-KR" sz="11500" b="1" dirty="0" smtClean="0">
+              <a:rPr lang="en-US" altLang="ko-KR" sz="11500" b="1" dirty="0">
                 <a:solidFill>
                   <a:srgbClr val="8DBABD"/>
                 </a:solidFill>
@@ -29072,7 +28653,7 @@
           <a:p>
             <a:pPr algn="ctr"/>
             <a:r>
-              <a:rPr lang="en-US" altLang="ko-KR" sz="2800" dirty="0" err="1" smtClean="0">
+              <a:rPr lang="en-US" altLang="ko-KR" sz="2800" dirty="0" err="1">
                 <a:solidFill>
                   <a:srgbClr val="00002F"/>
                 </a:solidFill>
@@ -29114,7 +28695,7 @@
           <a:lstStyle/>
           <a:p>
             <a:r>
-              <a:rPr lang="en-US" altLang="ko-KR" sz="11500" b="1" dirty="0" smtClean="0">
+              <a:rPr lang="en-US" altLang="ko-KR" sz="11500" b="1" dirty="0">
                 <a:solidFill>
                   <a:srgbClr val="8DBABD"/>
                 </a:solidFill>
@@ -29174,7 +28755,7 @@
           <a:p>
             <a:pPr algn="ctr"/>
             <a:r>
-              <a:rPr lang="en-US" altLang="ko-KR" sz="2800" dirty="0" smtClean="0">
+              <a:rPr lang="en-US" altLang="ko-KR" sz="2800" dirty="0">
                 <a:solidFill>
                   <a:srgbClr val="00002F"/>
                 </a:solidFill>
@@ -29187,7 +28768,7 @@
           <a:p>
             <a:pPr algn="ctr"/>
             <a:r>
-              <a:rPr lang="en-US" altLang="ko-KR" sz="2800" dirty="0" smtClean="0">
+              <a:rPr lang="en-US" altLang="ko-KR" sz="2800" dirty="0">
                 <a:solidFill>
                   <a:srgbClr val="00002F"/>
                 </a:solidFill>
@@ -29230,7 +28811,7 @@
           <a:p>
             <a:pPr algn="ctr"/>
             <a:r>
-              <a:rPr lang="en-US" altLang="ko-KR" sz="3200" spc="-150" dirty="0" smtClean="0">
+              <a:rPr lang="en-US" altLang="ko-KR" sz="3200" spc="-150" dirty="0">
                 <a:solidFill>
                   <a:srgbClr val="00002F"/>
                 </a:solidFill>
@@ -29296,13 +28877,6 @@
   <p:clrMapOvr>
     <a:masterClrMapping/>
   </p:clrMapOvr>
-  <p:timing>
-    <p:tnLst>
-      <p:par>
-        <p:cTn id="1" dur="indefinite" restart="never" nodeType="tmRoot"/>
-      </p:par>
-    </p:tnLst>
-  </p:timing>
 </p:sld>
 </file>
 
@@ -29384,7 +28958,7 @@
           <a:p>
             <a:pPr algn="ctr"/>
             <a:r>
-              <a:rPr lang="en-US" altLang="ko-KR" sz="2400" spc="-150" dirty="0" smtClean="0">
+              <a:rPr lang="en-US" altLang="ko-KR" sz="2400" spc="-150" dirty="0">
                 <a:solidFill>
                   <a:srgbClr val="00002F"/>
                 </a:solidFill>
@@ -29426,7 +29000,7 @@
           <a:lstStyle/>
           <a:p>
             <a:r>
-              <a:rPr lang="en-US" altLang="ko-KR" sz="3200" dirty="0" smtClean="0">
+              <a:rPr lang="en-US" altLang="ko-KR" sz="3200" dirty="0">
                 <a:solidFill>
                   <a:srgbClr val="00002F"/>
                 </a:solidFill>
@@ -29468,7 +29042,7 @@
           <a:lstStyle/>
           <a:p>
             <a:r>
-              <a:rPr lang="en-US" altLang="ko-KR" spc="-150" dirty="0" smtClean="0">
+              <a:rPr lang="en-US" altLang="ko-KR" spc="-150" dirty="0">
                 <a:solidFill>
                   <a:srgbClr val="00002F"/>
                 </a:solidFill>
@@ -29718,7 +29292,7 @@
             <a:p>
               <a:pPr algn="ctr"/>
               <a:r>
-                <a:rPr lang="en-US" altLang="ko-KR" sz="1700" dirty="0" smtClean="0">
+                <a:rPr lang="en-US" altLang="ko-KR" sz="1700" dirty="0">
                   <a:solidFill>
                     <a:srgbClr val="00002F"/>
                   </a:solidFill>
@@ -29731,7 +29305,7 @@
             <a:p>
               <a:pPr algn="ctr"/>
               <a:r>
-                <a:rPr lang="en-US" altLang="ko-KR" sz="1700" dirty="0" err="1" smtClean="0">
+                <a:rPr lang="en-US" altLang="ko-KR" sz="1700" dirty="0" err="1">
                   <a:solidFill>
                     <a:srgbClr val="00002F"/>
                   </a:solidFill>
@@ -29880,7 +29454,7 @@
           <a:p>
             <a:pPr algn="ctr"/>
             <a:r>
-              <a:rPr lang="en-US" altLang="ko-KR" sz="1700" dirty="0" smtClean="0">
+              <a:rPr lang="en-US" altLang="ko-KR" sz="1700" dirty="0">
                 <a:solidFill>
                   <a:srgbClr val="00002F"/>
                 </a:solidFill>
@@ -29890,7 +29464,7 @@
               <a:t>Key </a:t>
             </a:r>
             <a:r>
-              <a:rPr lang="en-US" altLang="ko-KR" sz="1700" dirty="0" err="1" smtClean="0">
+              <a:rPr lang="en-US" altLang="ko-KR" sz="1700" dirty="0" err="1">
                 <a:solidFill>
                   <a:srgbClr val="00002F"/>
                 </a:solidFill>
@@ -29967,7 +29541,7 @@
           <a:p>
             <a:pPr algn="ctr"/>
             <a:r>
-              <a:rPr lang="en-US" altLang="ko-KR" sz="1200" dirty="0" err="1" smtClean="0">
+              <a:rPr lang="en-US" altLang="ko-KR" sz="1200" dirty="0" err="1">
                 <a:solidFill>
                   <a:srgbClr val="00002F"/>
                 </a:solidFill>
@@ -29977,7 +29551,7 @@
               <a:t>Retreives</a:t>
             </a:r>
             <a:r>
-              <a:rPr lang="en-US" altLang="ko-KR" sz="1200" dirty="0" smtClean="0">
+              <a:rPr lang="en-US" altLang="ko-KR" sz="1200" dirty="0">
                 <a:solidFill>
                   <a:srgbClr val="00002F"/>
                 </a:solidFill>
@@ -29987,7 +29561,7 @@
               <a:t> Key </a:t>
             </a:r>
             <a:r>
-              <a:rPr lang="ko-KR" altLang="en-US" sz="1200" dirty="0" smtClean="0">
+              <a:rPr lang="ko-KR" altLang="en-US" sz="1200" dirty="0">
                 <a:solidFill>
                   <a:srgbClr val="00002F"/>
                 </a:solidFill>
@@ -29996,13 +29570,6 @@
               </a:rPr>
               <a:t>▶</a:t>
             </a:r>
-            <a:endParaRPr lang="ko-KR" altLang="en-US" sz="1200" dirty="0">
-              <a:solidFill>
-                <a:srgbClr val="00002F"/>
-              </a:solidFill>
-              <a:latin typeface="나눔스퀘어 ExtraBold" panose="020B0600000101010101" pitchFamily="50" charset="-127"/>
-              <a:ea typeface="나눔스퀘어 ExtraBold" panose="020B0600000101010101" pitchFamily="50" charset="-127"/>
-            </a:endParaRPr>
           </a:p>
         </p:txBody>
       </p:sp>
@@ -30073,7 +29640,7 @@
             <a:p>
               <a:pPr algn="ctr"/>
               <a:r>
-                <a:rPr lang="en-US" altLang="ko-KR" sz="1400" dirty="0" smtClean="0">
+                <a:rPr lang="en-US" altLang="ko-KR" sz="1400" dirty="0">
                   <a:solidFill>
                     <a:srgbClr val="00002F"/>
                   </a:solidFill>
@@ -30138,7 +29705,7 @@
           <a:p>
             <a:pPr algn="ctr"/>
             <a:r>
-              <a:rPr lang="en-US" altLang="ko-KR" sz="1700" dirty="0" smtClean="0">
+              <a:rPr lang="en-US" altLang="ko-KR" sz="1700" dirty="0">
                 <a:solidFill>
                   <a:srgbClr val="00002F"/>
                 </a:solidFill>
@@ -30151,7 +29718,7 @@
           <a:p>
             <a:pPr algn="ctr"/>
             <a:r>
-              <a:rPr lang="en-US" altLang="ko-KR" sz="1700" dirty="0" smtClean="0">
+              <a:rPr lang="en-US" altLang="ko-KR" sz="1700" dirty="0">
                 <a:solidFill>
                   <a:srgbClr val="00002F"/>
                 </a:solidFill>
@@ -30313,7 +29880,7 @@
             <a:p>
               <a:pPr algn="ctr"/>
               <a:r>
-                <a:rPr lang="en-US" altLang="ko-KR" sz="1700" dirty="0" smtClean="0">
+                <a:rPr lang="en-US" altLang="ko-KR" sz="1700" dirty="0">
                   <a:solidFill>
                     <a:srgbClr val="00002F"/>
                   </a:solidFill>
@@ -30326,7 +29893,7 @@
             <a:p>
               <a:pPr algn="ctr"/>
               <a:r>
-                <a:rPr lang="en-US" altLang="ko-KR" sz="1700" dirty="0" err="1" smtClean="0">
+                <a:rPr lang="en-US" altLang="ko-KR" sz="1700" dirty="0" err="1">
                   <a:solidFill>
                     <a:srgbClr val="00002F"/>
                   </a:solidFill>
@@ -30436,7 +30003,7 @@
           <a:p>
             <a:pPr algn="ctr"/>
             <a:r>
-              <a:rPr lang="ko-KR" altLang="en-US" sz="1200" dirty="0" smtClean="0">
+              <a:rPr lang="ko-KR" altLang="en-US" sz="1200" dirty="0">
                 <a:solidFill>
                   <a:srgbClr val="00002F"/>
                 </a:solidFill>
@@ -30446,7 +30013,7 @@
               <a:t>◀ </a:t>
             </a:r>
             <a:r>
-              <a:rPr lang="en-US" altLang="ko-KR" sz="1200" dirty="0" smtClean="0">
+              <a:rPr lang="en-US" altLang="ko-KR" sz="1200" dirty="0">
                 <a:solidFill>
                   <a:srgbClr val="00002F"/>
                 </a:solidFill>
@@ -30524,7 +30091,7 @@
             <a:p>
               <a:pPr algn="ctr"/>
               <a:r>
-                <a:rPr lang="en-US" altLang="ko-KR" sz="1700" dirty="0" smtClean="0">
+                <a:rPr lang="en-US" altLang="ko-KR" sz="1700" dirty="0">
                   <a:solidFill>
                     <a:srgbClr val="00002F"/>
                   </a:solidFill>
@@ -30537,7 +30104,7 @@
             <a:p>
               <a:pPr algn="ctr"/>
               <a:r>
-                <a:rPr lang="en-US" altLang="ko-KR" sz="1700" dirty="0" err="1" smtClean="0">
+                <a:rPr lang="en-US" altLang="ko-KR" sz="1700" dirty="0" err="1">
                   <a:solidFill>
                     <a:srgbClr val="00002F"/>
                   </a:solidFill>
@@ -30711,20 +30278,10 @@
                 <a:latin typeface="나눔스퀘어 ExtraBold" panose="020B0600000101010101" pitchFamily="50" charset="-127"/>
                 <a:ea typeface="나눔스퀘어 ExtraBold" panose="020B0600000101010101" pitchFamily="50" charset="-127"/>
               </a:rPr>
-              <a:t>conveys </a:t>
-            </a:r>
-            <a:r>
-              <a:rPr lang="en-US" altLang="ko-KR" sz="1200" dirty="0" smtClean="0">
-                <a:solidFill>
-                  <a:srgbClr val="00002F"/>
-                </a:solidFill>
-                <a:latin typeface="나눔스퀘어 ExtraBold" panose="020B0600000101010101" pitchFamily="50" charset="-127"/>
-                <a:ea typeface="나눔스퀘어 ExtraBold" panose="020B0600000101010101" pitchFamily="50" charset="-127"/>
-              </a:rPr>
-              <a:t>requests</a:t>
-            </a:r>
-            <a:r>
-              <a:rPr lang="ko-KR" altLang="en-US" sz="1200" dirty="0" smtClean="0">
+              <a:t>conveys requests</a:t>
+            </a:r>
+            <a:r>
+              <a:rPr lang="ko-KR" altLang="en-US" sz="1200" dirty="0">
                 <a:solidFill>
                   <a:srgbClr val="00002F"/>
                 </a:solidFill>
@@ -30733,13 +30290,6 @@
               </a:rPr>
               <a:t>▶</a:t>
             </a:r>
-            <a:endParaRPr lang="ko-KR" altLang="en-US" sz="1200" dirty="0">
-              <a:solidFill>
-                <a:srgbClr val="00002F"/>
-              </a:solidFill>
-              <a:latin typeface="나눔스퀘어 ExtraBold" panose="020B0600000101010101" pitchFamily="50" charset="-127"/>
-              <a:ea typeface="나눔스퀘어 ExtraBold" panose="020B0600000101010101" pitchFamily="50" charset="-127"/>
-            </a:endParaRPr>
           </a:p>
         </p:txBody>
       </p:sp>
@@ -30809,20 +30359,10 @@
                   <a:latin typeface="나눔스퀘어 ExtraBold" panose="020B0600000101010101" pitchFamily="50" charset="-127"/>
                   <a:ea typeface="나눔스퀘어 ExtraBold" panose="020B0600000101010101" pitchFamily="50" charset="-127"/>
                 </a:rPr>
-                <a:t>Review</a:t>
+                <a:t>Review </a:t>
               </a:r>
               <a:r>
-                <a:rPr lang="en-US" altLang="ko-KR" sz="1700" dirty="0" smtClean="0">
-                  <a:solidFill>
-                    <a:srgbClr val="00002F"/>
-                  </a:solidFill>
-                  <a:latin typeface="나눔스퀘어 ExtraBold" panose="020B0600000101010101" pitchFamily="50" charset="-127"/>
-                  <a:ea typeface="나눔스퀘어 ExtraBold" panose="020B0600000101010101" pitchFamily="50" charset="-127"/>
-                </a:rPr>
-                <a:t> </a:t>
-              </a:r>
-              <a:r>
-                <a:rPr lang="en-US" altLang="ko-KR" sz="1700" dirty="0" err="1" smtClean="0">
+                <a:rPr lang="en-US" altLang="ko-KR" sz="1700" dirty="0" err="1">
                   <a:solidFill>
                     <a:srgbClr val="00002F"/>
                   </a:solidFill>
@@ -30886,7 +30426,7 @@
             <a:p>
               <a:pPr algn="ctr"/>
               <a:r>
-                <a:rPr lang="en-US" altLang="ko-KR" sz="1700" dirty="0" smtClean="0">
+                <a:rPr lang="en-US" altLang="ko-KR" sz="1700" dirty="0">
                   <a:solidFill>
                     <a:srgbClr val="00002F"/>
                   </a:solidFill>
@@ -30974,7 +30514,7 @@
               <a:defRPr/>
             </a:pPr>
             <a:r>
-              <a:rPr lang="ko-KR" altLang="en-US" sz="1200" dirty="0" smtClean="0">
+              <a:rPr lang="ko-KR" altLang="en-US" sz="1200" dirty="0">
                 <a:solidFill>
                   <a:srgbClr val="00002F"/>
                 </a:solidFill>
@@ -31167,7 +30707,7 @@
             <a:p>
               <a:pPr algn="ctr"/>
               <a:r>
-                <a:rPr lang="en-US" altLang="ko-KR" sz="1700" dirty="0" smtClean="0">
+                <a:rPr lang="en-US" altLang="ko-KR" sz="1700" dirty="0">
                   <a:solidFill>
                     <a:srgbClr val="00002F"/>
                   </a:solidFill>
@@ -31180,7 +30720,7 @@
             <a:p>
               <a:pPr algn="ctr"/>
               <a:r>
-                <a:rPr lang="en-US" altLang="ko-KR" sz="1700" dirty="0" err="1" smtClean="0">
+                <a:rPr lang="en-US" altLang="ko-KR" sz="1700" dirty="0" err="1">
                   <a:solidFill>
                     <a:srgbClr val="00002F"/>
                   </a:solidFill>
@@ -31343,7 +30883,7 @@
             <a:p>
               <a:pPr algn="ctr"/>
               <a:r>
-                <a:rPr lang="en-US" altLang="ko-KR" sz="1700" dirty="0" smtClean="0">
+                <a:rPr lang="en-US" altLang="ko-KR" sz="1700" dirty="0">
                   <a:solidFill>
                     <a:srgbClr val="00002F"/>
                   </a:solidFill>
@@ -31356,7 +30896,7 @@
             <a:p>
               <a:pPr algn="ctr"/>
               <a:r>
-                <a:rPr lang="en-US" altLang="ko-KR" sz="1700" dirty="0" smtClean="0">
+                <a:rPr lang="en-US" altLang="ko-KR" sz="1700" dirty="0">
                   <a:solidFill>
                     <a:srgbClr val="00002F"/>
                   </a:solidFill>
@@ -31564,20 +31104,10 @@
                 <a:latin typeface="나눔스퀘어 ExtraBold" panose="020B0600000101010101" pitchFamily="50" charset="-127"/>
                 <a:ea typeface="나눔스퀘어 ExtraBold" panose="020B0600000101010101" pitchFamily="50" charset="-127"/>
               </a:rPr>
-              <a:t>conveys </a:t>
-            </a:r>
-            <a:r>
-              <a:rPr lang="en-US" altLang="ko-KR" sz="1200" dirty="0" smtClean="0">
-                <a:solidFill>
-                  <a:srgbClr val="00002F"/>
-                </a:solidFill>
-                <a:latin typeface="나눔스퀘어 ExtraBold" panose="020B0600000101010101" pitchFamily="50" charset="-127"/>
-                <a:ea typeface="나눔스퀘어 ExtraBold" panose="020B0600000101010101" pitchFamily="50" charset="-127"/>
-              </a:rPr>
-              <a:t>data</a:t>
-            </a:r>
-            <a:r>
-              <a:rPr lang="ko-KR" altLang="en-US" sz="1200" dirty="0" smtClean="0">
+              <a:t>conveys data</a:t>
+            </a:r>
+            <a:r>
+              <a:rPr lang="ko-KR" altLang="en-US" sz="1200" dirty="0">
                 <a:solidFill>
                   <a:srgbClr val="00002F"/>
                 </a:solidFill>
@@ -31586,13 +31116,6 @@
               </a:rPr>
               <a:t>▶</a:t>
             </a:r>
-            <a:endParaRPr lang="ko-KR" altLang="en-US" sz="1200" dirty="0">
-              <a:solidFill>
-                <a:srgbClr val="00002F"/>
-              </a:solidFill>
-              <a:latin typeface="나눔스퀘어 ExtraBold" panose="020B0600000101010101" pitchFamily="50" charset="-127"/>
-              <a:ea typeface="나눔스퀘어 ExtraBold" panose="020B0600000101010101" pitchFamily="50" charset="-127"/>
-            </a:endParaRPr>
           </a:p>
         </p:txBody>
       </p:sp>
@@ -31621,7 +31144,7 @@
               <a:defRPr/>
             </a:pPr>
             <a:r>
-              <a:rPr lang="ko-KR" altLang="en-US" sz="1200" dirty="0" smtClean="0">
+              <a:rPr lang="ko-KR" altLang="en-US" sz="1200" dirty="0">
                 <a:solidFill>
                   <a:srgbClr val="00002F"/>
                 </a:solidFill>
@@ -31783,7 +31306,7 @@
             <a:p>
               <a:pPr algn="ctr"/>
               <a:r>
-                <a:rPr lang="en-US" altLang="ko-KR" sz="1700" dirty="0" smtClean="0">
+                <a:rPr lang="en-US" altLang="ko-KR" sz="1700" dirty="0">
                   <a:solidFill>
                     <a:srgbClr val="00002F"/>
                   </a:solidFill>
@@ -31796,7 +31319,7 @@
             <a:p>
               <a:pPr algn="ctr"/>
               <a:r>
-                <a:rPr lang="en-US" altLang="ko-KR" dirty="0" smtClean="0">
+                <a:rPr lang="en-US" altLang="ko-KR" dirty="0">
                   <a:solidFill>
                     <a:srgbClr val="00002F"/>
                   </a:solidFill>
@@ -31959,7 +31482,7 @@
             <a:p>
               <a:pPr algn="ctr"/>
               <a:r>
-                <a:rPr lang="en-US" altLang="ko-KR" sz="1700" dirty="0" smtClean="0">
+                <a:rPr lang="en-US" altLang="ko-KR" sz="1700" dirty="0">
                   <a:solidFill>
                     <a:srgbClr val="00002F"/>
                   </a:solidFill>
@@ -31972,7 +31495,7 @@
             <a:p>
               <a:pPr algn="ctr"/>
               <a:r>
-                <a:rPr lang="en-US" altLang="ko-KR" dirty="0" err="1" smtClean="0">
+                <a:rPr lang="en-US" altLang="ko-KR" dirty="0" err="1">
                   <a:solidFill>
                     <a:srgbClr val="00002F"/>
                   </a:solidFill>
@@ -32138,7 +31661,7 @@
               <a:defRPr/>
             </a:pPr>
             <a:r>
-              <a:rPr lang="ko-KR" altLang="en-US" sz="1200" dirty="0" smtClean="0">
+              <a:rPr lang="ko-KR" altLang="en-US" sz="1200" dirty="0">
                 <a:solidFill>
                   <a:srgbClr val="00002F"/>
                 </a:solidFill>
@@ -32271,20 +31794,10 @@
                 <a:latin typeface="나눔스퀘어 ExtraBold" panose="020B0600000101010101" pitchFamily="50" charset="-127"/>
                 <a:ea typeface="나눔스퀘어 ExtraBold" panose="020B0600000101010101" pitchFamily="50" charset="-127"/>
               </a:rPr>
-              <a:t>conveys </a:t>
-            </a:r>
-            <a:r>
-              <a:rPr lang="en-US" altLang="ko-KR" sz="1200" dirty="0" smtClean="0">
-                <a:solidFill>
-                  <a:srgbClr val="00002F"/>
-                </a:solidFill>
-                <a:latin typeface="나눔스퀘어 ExtraBold" panose="020B0600000101010101" pitchFamily="50" charset="-127"/>
-                <a:ea typeface="나눔스퀘어 ExtraBold" panose="020B0600000101010101" pitchFamily="50" charset="-127"/>
-              </a:rPr>
-              <a:t>requests</a:t>
-            </a:r>
-            <a:r>
-              <a:rPr lang="ko-KR" altLang="en-US" sz="1200" dirty="0" smtClean="0">
+              <a:t>conveys requests</a:t>
+            </a:r>
+            <a:r>
+              <a:rPr lang="ko-KR" altLang="en-US" sz="1200" dirty="0">
                 <a:solidFill>
                   <a:srgbClr val="00002F"/>
                 </a:solidFill>
@@ -32293,13 +31806,6 @@
               </a:rPr>
               <a:t>▶</a:t>
             </a:r>
-            <a:endParaRPr lang="ko-KR" altLang="en-US" sz="1200" dirty="0">
-              <a:solidFill>
-                <a:srgbClr val="00002F"/>
-              </a:solidFill>
-              <a:latin typeface="나눔스퀘어 ExtraBold" panose="020B0600000101010101" pitchFamily="50" charset="-127"/>
-              <a:ea typeface="나눔스퀘어 ExtraBold" panose="020B0600000101010101" pitchFamily="50" charset="-127"/>
-            </a:endParaRPr>
           </a:p>
         </p:txBody>
       </p:sp>
@@ -32333,20 +31839,10 @@
                 <a:latin typeface="나눔스퀘어 ExtraBold" panose="020B0600000101010101" pitchFamily="50" charset="-127"/>
                 <a:ea typeface="나눔스퀘어 ExtraBold" panose="020B0600000101010101" pitchFamily="50" charset="-127"/>
               </a:rPr>
-              <a:t>conveys </a:t>
-            </a:r>
-            <a:r>
-              <a:rPr lang="en-US" altLang="ko-KR" sz="1200" dirty="0" smtClean="0">
-                <a:solidFill>
-                  <a:srgbClr val="00002F"/>
-                </a:solidFill>
-                <a:latin typeface="나눔스퀘어 ExtraBold" panose="020B0600000101010101" pitchFamily="50" charset="-127"/>
-                <a:ea typeface="나눔스퀘어 ExtraBold" panose="020B0600000101010101" pitchFamily="50" charset="-127"/>
-              </a:rPr>
-              <a:t>requests</a:t>
-            </a:r>
-            <a:r>
-              <a:rPr lang="ko-KR" altLang="en-US" sz="1200" dirty="0" smtClean="0">
+              <a:t>conveys requests</a:t>
+            </a:r>
+            <a:r>
+              <a:rPr lang="ko-KR" altLang="en-US" sz="1200" dirty="0">
                 <a:solidFill>
                   <a:srgbClr val="00002F"/>
                 </a:solidFill>
@@ -32355,13 +31851,6 @@
               </a:rPr>
               <a:t>▶</a:t>
             </a:r>
-            <a:endParaRPr lang="ko-KR" altLang="en-US" sz="1200" dirty="0">
-              <a:solidFill>
-                <a:srgbClr val="00002F"/>
-              </a:solidFill>
-              <a:latin typeface="나눔스퀘어 ExtraBold" panose="020B0600000101010101" pitchFamily="50" charset="-127"/>
-              <a:ea typeface="나눔스퀘어 ExtraBold" panose="020B0600000101010101" pitchFamily="50" charset="-127"/>
-            </a:endParaRPr>
           </a:p>
         </p:txBody>
       </p:sp>
@@ -32433,7 +31922,7 @@
               <a:t>conveys data </a:t>
             </a:r>
             <a:r>
-              <a:rPr lang="ko-KR" altLang="en-US" sz="1200" dirty="0" smtClean="0">
+              <a:rPr lang="ko-KR" altLang="en-US" sz="1200" dirty="0">
                 <a:solidFill>
                   <a:srgbClr val="00002F"/>
                 </a:solidFill>
@@ -32442,13 +31931,6 @@
               </a:rPr>
               <a:t>▶</a:t>
             </a:r>
-            <a:endParaRPr lang="ko-KR" altLang="en-US" sz="1200" dirty="0">
-              <a:solidFill>
-                <a:srgbClr val="00002F"/>
-              </a:solidFill>
-              <a:latin typeface="나눔스퀘어 ExtraBold" panose="020B0600000101010101" pitchFamily="50" charset="-127"/>
-              <a:ea typeface="나눔스퀘어 ExtraBold" panose="020B0600000101010101" pitchFamily="50" charset="-127"/>
-            </a:endParaRPr>
           </a:p>
         </p:txBody>
       </p:sp>
@@ -32462,13 +31944,6 @@
   <p:clrMapOvr>
     <a:masterClrMapping/>
   </p:clrMapOvr>
-  <p:timing>
-    <p:tnLst>
-      <p:par>
-        <p:cTn id="1" dur="indefinite" restart="never" nodeType="tmRoot"/>
-      </p:par>
-    </p:tnLst>
-  </p:timing>
 </p:sld>
 </file>
 
@@ -32513,7 +31988,7 @@
           <a:p>
             <a:pPr algn="ctr"/>
             <a:r>
-              <a:rPr lang="en-US" altLang="ko-KR" sz="8600" spc="-300" dirty="0" smtClean="0">
+              <a:rPr lang="en-US" altLang="ko-KR" sz="8600" spc="-300" dirty="0">
                 <a:solidFill>
                   <a:srgbClr val="00002F"/>
                 </a:solidFill>
@@ -32628,13 +32103,6 @@
   <p:clrMapOvr>
     <a:masterClrMapping/>
   </p:clrMapOvr>
-  <p:timing>
-    <p:tnLst>
-      <p:par>
-        <p:cTn id="1" dur="indefinite" restart="never" nodeType="tmRoot"/>
-      </p:par>
-    </p:tnLst>
-  </p:timing>
 </p:sld>
 </file>
 
@@ -32759,7 +32227,7 @@
           <a:p>
             <a:pPr algn="ctr"/>
             <a:r>
-              <a:rPr lang="en-US" altLang="ko-KR" sz="2400" spc="-150" dirty="0" smtClean="0">
+              <a:rPr lang="en-US" altLang="ko-KR" sz="2400" spc="-150" dirty="0">
                 <a:solidFill>
                   <a:srgbClr val="00002F"/>
                 </a:solidFill>
@@ -32976,7 +32444,7 @@
           <a:p>
             <a:pPr algn="ctr"/>
             <a:r>
-              <a:rPr lang="en-US" altLang="ko-KR" sz="3200" b="1" spc="-150" dirty="0" smtClean="0">
+              <a:rPr lang="en-US" altLang="ko-KR" sz="3200" b="1" spc="-150" dirty="0">
                 <a:solidFill>
                   <a:srgbClr val="538B8F"/>
                 </a:solidFill>
@@ -33019,7 +32487,7 @@
           <a:p>
             <a:pPr algn="ctr"/>
             <a:r>
-              <a:rPr lang="ko-KR" altLang="en-US" sz="2400" b="1" spc="-150" dirty="0" smtClean="0">
+              <a:rPr lang="ko-KR" altLang="en-US" sz="2400" b="1" spc="-150" dirty="0">
                 <a:solidFill>
                   <a:srgbClr val="00002F"/>
                 </a:solidFill>
@@ -33028,13 +32496,6 @@
               </a:rPr>
               <a:t>저희가 선정한 주제는</a:t>
             </a:r>
-            <a:endParaRPr lang="ko-KR" altLang="en-US" sz="2400" b="1" spc="-150" dirty="0">
-              <a:solidFill>
-                <a:srgbClr val="00002F"/>
-              </a:solidFill>
-              <a:latin typeface="나눔스퀘어 ExtraBold" panose="020B0600000101010101" pitchFamily="50" charset="-127"/>
-              <a:ea typeface="나눔스퀘어 ExtraBold" panose="020B0600000101010101" pitchFamily="50" charset="-127"/>
-            </a:endParaRPr>
           </a:p>
         </p:txBody>
       </p:sp>
@@ -33062,7 +32523,7 @@
           <a:p>
             <a:pPr algn="ctr"/>
             <a:r>
-              <a:rPr lang="ko-KR" altLang="en-US" sz="2400" b="1" spc="-150" dirty="0" smtClean="0">
+              <a:rPr lang="ko-KR" altLang="en-US" sz="2400" b="1" spc="-150" dirty="0">
                 <a:solidFill>
                   <a:srgbClr val="00002F"/>
                 </a:solidFill>
@@ -33072,7 +32533,7 @@
               <a:t>입니다</a:t>
             </a:r>
             <a:r>
-              <a:rPr lang="en-US" altLang="ko-KR" sz="2400" b="1" spc="-150" dirty="0" smtClean="0">
+              <a:rPr lang="en-US" altLang="ko-KR" sz="2400" b="1" spc="-150" dirty="0">
                 <a:solidFill>
                   <a:srgbClr val="00002F"/>
                 </a:solidFill>
@@ -33114,7 +32575,7 @@
           <a:lstStyle/>
           <a:p>
             <a:r>
-              <a:rPr lang="ko-KR" altLang="en-US" sz="2400" b="1" spc="-150" dirty="0" smtClean="0">
+              <a:rPr lang="ko-KR" altLang="en-US" sz="2400" b="1" spc="-150" dirty="0">
                 <a:solidFill>
                   <a:srgbClr val="00002F"/>
                 </a:solidFill>
@@ -33124,7 +32585,7 @@
               <a:t>특정 제품에 대한 유저의  평가를 분석해</a:t>
             </a:r>
             <a:r>
-              <a:rPr lang="en-US" altLang="ko-KR" sz="2400" b="1" spc="-150" dirty="0" smtClean="0">
+              <a:rPr lang="en-US" altLang="ko-KR" sz="2400" b="1" spc="-150" dirty="0">
                 <a:solidFill>
                   <a:srgbClr val="00002F"/>
                 </a:solidFill>
@@ -33134,7 +32595,7 @@
               <a:t>, </a:t>
             </a:r>
             <a:r>
-              <a:rPr lang="ko-KR" altLang="en-US" sz="2400" b="1" spc="-150" dirty="0" smtClean="0">
+              <a:rPr lang="ko-KR" altLang="en-US" sz="2400" b="1" spc="-150" dirty="0">
                 <a:solidFill>
                   <a:srgbClr val="00002F"/>
                 </a:solidFill>
@@ -33144,7 +32605,7 @@
               <a:t>상품의 가치를 매기는 시스템 개발을 목적으로 합니다</a:t>
             </a:r>
             <a:r>
-              <a:rPr lang="en-US" altLang="ko-KR" sz="2400" b="1" spc="-150" dirty="0" smtClean="0">
+              <a:rPr lang="en-US" altLang="ko-KR" sz="2400" b="1" spc="-150" dirty="0">
                 <a:solidFill>
                   <a:srgbClr val="00002F"/>
                 </a:solidFill>
@@ -33186,7 +32647,7 @@
           <a:lstStyle/>
           <a:p>
             <a:r>
-              <a:rPr lang="ko-KR" altLang="en-US" b="1" spc="-150" dirty="0" smtClean="0">
+              <a:rPr lang="ko-KR" altLang="en-US" b="1" spc="-150" dirty="0">
                 <a:solidFill>
                   <a:srgbClr val="00002F"/>
                 </a:solidFill>
@@ -33195,13 +32656,6 @@
               </a:rPr>
               <a:t>감정 분석 시스템</a:t>
             </a:r>
-            <a:endParaRPr lang="ko-KR" altLang="en-US" b="1" spc="-150" dirty="0">
-              <a:solidFill>
-                <a:srgbClr val="00002F"/>
-              </a:solidFill>
-              <a:latin typeface="나눔스퀘어 ExtraBold" panose="020B0600000101010101" pitchFamily="50" charset="-127"/>
-              <a:ea typeface="나눔스퀘어 ExtraBold" panose="020B0600000101010101" pitchFamily="50" charset="-127"/>
-            </a:endParaRPr>
           </a:p>
         </p:txBody>
       </p:sp>
@@ -33214,7 +32668,7 @@
         <p:spPr>
           <a:xfrm>
             <a:off x="637975" y="3828789"/>
-            <a:ext cx="11389656" cy="1754326"/>
+            <a:ext cx="10673115" cy="1701043"/>
           </a:xfrm>
           <a:prstGeom prst="rect">
             <a:avLst/>
@@ -33240,7 +32694,7 @@
                 <a:latin typeface="나눔스퀘어 ExtraBold" panose="020B0600000101010101" pitchFamily="50" charset="-127"/>
                 <a:ea typeface="나눔스퀘어 ExtraBold" panose="020B0600000101010101" pitchFamily="50" charset="-127"/>
               </a:rPr>
-              <a:t>감정 분석 시스템은 댓글 등 유저의 평가에서 긍정</a:t>
+              <a:t>감정 분석 시스템은 리뷰와 댓글 등 유저의 평가가 들어있는 텍스트에서 </a:t>
             </a:r>
             <a:r>
               <a:rPr lang="en-US" altLang="ko-KR" sz="2400" b="1" dirty="0">
@@ -33250,7 +32704,7 @@
                 <a:latin typeface="나눔스퀘어 ExtraBold" panose="020B0600000101010101" pitchFamily="50" charset="-127"/>
                 <a:ea typeface="나눔스퀘어 ExtraBold" panose="020B0600000101010101" pitchFamily="50" charset="-127"/>
               </a:rPr>
-              <a:t>, </a:t>
+              <a:t>NLP</a:t>
             </a:r>
             <a:r>
               <a:rPr lang="ko-KR" altLang="en-US" sz="2400" b="1" dirty="0">
@@ -33260,116 +32714,9 @@
                 <a:latin typeface="나눔스퀘어 ExtraBold" panose="020B0600000101010101" pitchFamily="50" charset="-127"/>
                 <a:ea typeface="나눔스퀘어 ExtraBold" panose="020B0600000101010101" pitchFamily="50" charset="-127"/>
               </a:rPr>
-              <a:t>부정 등의 정서에 맞는 키워드를 분석해</a:t>
-            </a:r>
-          </a:p>
-          <a:p>
-            <a:pPr>
-              <a:lnSpc>
-                <a:spcPct val="150000"/>
-              </a:lnSpc>
-            </a:pPr>
-            <a:r>
-              <a:rPr lang="ko-KR" altLang="en-US" sz="2400" b="1" dirty="0" smtClean="0">
-                <a:solidFill>
-                  <a:srgbClr val="00002F"/>
-                </a:solidFill>
-                <a:latin typeface="나눔스퀘어 ExtraBold" panose="020B0600000101010101" pitchFamily="50" charset="-127"/>
-                <a:ea typeface="나눔스퀘어 ExtraBold" panose="020B0600000101010101" pitchFamily="50" charset="-127"/>
-              </a:rPr>
-              <a:t>데이터베이스에 저장된 키워드와의 비교분석 </a:t>
-            </a:r>
-            <a:r>
-              <a:rPr lang="en-US" altLang="ko-KR" sz="2400" b="1" dirty="0" smtClean="0">
-                <a:solidFill>
-                  <a:srgbClr val="00002F"/>
-                </a:solidFill>
-                <a:latin typeface="나눔스퀘어 ExtraBold" panose="020B0600000101010101" pitchFamily="50" charset="-127"/>
-                <a:ea typeface="나눔스퀘어 ExtraBold" panose="020B0600000101010101" pitchFamily="50" charset="-127"/>
-              </a:rPr>
-              <a:t>&amp; </a:t>
-            </a:r>
-            <a:r>
-              <a:rPr lang="ko-KR" altLang="en-US" sz="2400" b="1" dirty="0" err="1" smtClean="0">
-                <a:solidFill>
-                  <a:srgbClr val="00002F"/>
-                </a:solidFill>
-                <a:latin typeface="나눔스퀘어 ExtraBold" panose="020B0600000101010101" pitchFamily="50" charset="-127"/>
-                <a:ea typeface="나눔스퀘어 ExtraBold" panose="020B0600000101010101" pitchFamily="50" charset="-127"/>
-              </a:rPr>
-              <a:t>감정분석</a:t>
-            </a:r>
-            <a:r>
-              <a:rPr lang="ko-KR" altLang="en-US" sz="2400" b="1" dirty="0" smtClean="0">
-                <a:solidFill>
-                  <a:srgbClr val="00002F"/>
-                </a:solidFill>
-                <a:latin typeface="나눔스퀘어 ExtraBold" panose="020B0600000101010101" pitchFamily="50" charset="-127"/>
-                <a:ea typeface="나눔스퀘어 ExtraBold" panose="020B0600000101010101" pitchFamily="50" charset="-127"/>
-              </a:rPr>
-              <a:t> 알고리즘</a:t>
-            </a:r>
-            <a:r>
-              <a:rPr lang="en-US" altLang="ko-KR" sz="2400" b="1" dirty="0" smtClean="0">
-                <a:solidFill>
-                  <a:srgbClr val="00002F"/>
-                </a:solidFill>
-                <a:latin typeface="나눔스퀘어 ExtraBold" panose="020B0600000101010101" pitchFamily="50" charset="-127"/>
-                <a:ea typeface="나눔스퀘어 ExtraBold" panose="020B0600000101010101" pitchFamily="50" charset="-127"/>
-              </a:rPr>
-              <a:t>(</a:t>
-            </a:r>
-            <a:r>
-              <a:rPr lang="ko-KR" altLang="en-US" sz="2400" b="1" dirty="0" err="1" smtClean="0">
-                <a:solidFill>
-                  <a:srgbClr val="00002F"/>
-                </a:solidFill>
-                <a:latin typeface="나눔스퀘어 ExtraBold" panose="020B0600000101010101" pitchFamily="50" charset="-127"/>
-                <a:ea typeface="나눔스퀘어 ExtraBold" panose="020B0600000101010101" pitchFamily="50" charset="-127"/>
-              </a:rPr>
-              <a:t>아몰랑</a:t>
-            </a:r>
-            <a:r>
-              <a:rPr lang="ko-KR" altLang="en-US" sz="2400" b="1" dirty="0" smtClean="0">
-                <a:solidFill>
-                  <a:srgbClr val="00002F"/>
-                </a:solidFill>
-                <a:latin typeface="나눔스퀘어 ExtraBold" panose="020B0600000101010101" pitchFamily="50" charset="-127"/>
-                <a:ea typeface="나눔스퀘어 ExtraBold" panose="020B0600000101010101" pitchFamily="50" charset="-127"/>
-              </a:rPr>
-              <a:t> </a:t>
-            </a:r>
-            <a:r>
-              <a:rPr lang="ko-KR" altLang="en-US" sz="2400" b="1" dirty="0" err="1" smtClean="0">
-                <a:solidFill>
-                  <a:srgbClr val="00002F"/>
-                </a:solidFill>
-                <a:latin typeface="나눔스퀘어 ExtraBold" panose="020B0600000101010101" pitchFamily="50" charset="-127"/>
-                <a:ea typeface="나눔스퀘어 ExtraBold" panose="020B0600000101010101" pitchFamily="50" charset="-127"/>
-              </a:rPr>
-              <a:t>있다고쳐</a:t>
-            </a:r>
-            <a:r>
-              <a:rPr lang="en-US" altLang="ko-KR" sz="2400" b="1" dirty="0" smtClean="0">
-                <a:solidFill>
-                  <a:srgbClr val="00002F"/>
-                </a:solidFill>
-                <a:latin typeface="나눔스퀘어 ExtraBold" panose="020B0600000101010101" pitchFamily="50" charset="-127"/>
-                <a:ea typeface="나눔스퀘어 ExtraBold" panose="020B0600000101010101" pitchFamily="50" charset="-127"/>
-              </a:rPr>
-              <a:t>)</a:t>
-            </a:r>
-            <a:r>
-              <a:rPr lang="ko-KR" altLang="en-US" sz="2400" b="1" dirty="0" smtClean="0">
-                <a:solidFill>
-                  <a:srgbClr val="00002F"/>
-                </a:solidFill>
-                <a:latin typeface="나눔스퀘어 ExtraBold" panose="020B0600000101010101" pitchFamily="50" charset="-127"/>
-                <a:ea typeface="나눔스퀘어 ExtraBold" panose="020B0600000101010101" pitchFamily="50" charset="-127"/>
-              </a:rPr>
-              <a:t>을</a:t>
-            </a:r>
-            <a:endParaRPr lang="en-US" altLang="ko-KR" sz="2400" b="1" dirty="0" smtClean="0">
+              <a:t>를 통해 </a:t>
+            </a:r>
+            <a:endParaRPr lang="en-US" altLang="ko-KR" sz="2400" b="1" dirty="0">
               <a:solidFill>
                 <a:srgbClr val="00002F"/>
               </a:solidFill>
@@ -33384,82 +32731,119 @@
               </a:lnSpc>
             </a:pPr>
             <a:r>
-              <a:rPr lang="ko-KR" altLang="en-US" sz="2400" b="1" dirty="0" smtClean="0">
-                <a:solidFill>
-                  <a:srgbClr val="00002F"/>
-                </a:solidFill>
-                <a:latin typeface="나눔스퀘어 ExtraBold" panose="020B0600000101010101" pitchFamily="50" charset="-127"/>
-                <a:ea typeface="나눔스퀘어 ExtraBold" panose="020B0600000101010101" pitchFamily="50" charset="-127"/>
-              </a:rPr>
-              <a:t>통해 </a:t>
-            </a:r>
-            <a:r>
-              <a:rPr lang="ko-KR" altLang="en-US" sz="2400" b="1" dirty="0" smtClean="0">
-                <a:solidFill>
-                  <a:srgbClr val="538B8F"/>
-                </a:solidFill>
-                <a:latin typeface="나눔스퀘어 ExtraBold" panose="020B0600000101010101" pitchFamily="50" charset="-127"/>
-                <a:ea typeface="나눔스퀘어 ExtraBold" panose="020B0600000101010101" pitchFamily="50" charset="-127"/>
-              </a:rPr>
-              <a:t>사용자의 애플리케이션</a:t>
+              <a:rPr lang="ko-KR" altLang="en-US" sz="2400" b="1" dirty="0">
+                <a:solidFill>
+                  <a:srgbClr val="00002F"/>
+                </a:solidFill>
+                <a:latin typeface="나눔스퀘어 ExtraBold" panose="020B0600000101010101" pitchFamily="50" charset="-127"/>
+                <a:ea typeface="나눔스퀘어 ExtraBold" panose="020B0600000101010101" pitchFamily="50" charset="-127"/>
+              </a:rPr>
+              <a:t>판별한 긍정</a:t>
             </a:r>
             <a:r>
               <a:rPr lang="en-US" altLang="ko-KR" sz="2400" b="1" dirty="0">
                 <a:solidFill>
-                  <a:srgbClr val="538B8F"/>
-                </a:solidFill>
-                <a:latin typeface="나눔스퀘어 ExtraBold" panose="020B0600000101010101" pitchFamily="50" charset="-127"/>
-                <a:ea typeface="나눔스퀘어 ExtraBold" panose="020B0600000101010101" pitchFamily="50" charset="-127"/>
-              </a:rPr>
-              <a:t> </a:t>
-            </a:r>
-            <a:r>
-              <a:rPr lang="ko-KR" altLang="en-US" sz="2400" b="1" dirty="0" smtClean="0">
-                <a:solidFill>
-                  <a:srgbClr val="538B8F"/>
-                </a:solidFill>
-                <a:latin typeface="나눔스퀘어 ExtraBold" panose="020B0600000101010101" pitchFamily="50" charset="-127"/>
-                <a:ea typeface="나눔스퀘어 ExtraBold" panose="020B0600000101010101" pitchFamily="50" charset="-127"/>
-              </a:rPr>
-              <a:t>사용 경험을 향상</a:t>
-            </a:r>
-            <a:r>
-              <a:rPr lang="ko-KR" altLang="en-US" sz="2400" b="1" dirty="0" smtClean="0">
-                <a:solidFill>
-                  <a:srgbClr val="00002F"/>
-                </a:solidFill>
-                <a:latin typeface="나눔스퀘어 ExtraBold" panose="020B0600000101010101" pitchFamily="50" charset="-127"/>
-                <a:ea typeface="나눔스퀘어 ExtraBold" panose="020B0600000101010101" pitchFamily="50" charset="-127"/>
-              </a:rPr>
-              <a:t>시킬 수 있습니다</a:t>
-            </a:r>
-            <a:r>
-              <a:rPr lang="en-US" altLang="ko-KR" sz="2400" b="1" dirty="0" smtClean="0">
-                <a:solidFill>
-                  <a:srgbClr val="00002F"/>
-                </a:solidFill>
-                <a:latin typeface="나눔스퀘어 ExtraBold" panose="020B0600000101010101" pitchFamily="50" charset="-127"/>
-                <a:ea typeface="나눔스퀘어 ExtraBold" panose="020B0600000101010101" pitchFamily="50" charset="-127"/>
-              </a:rPr>
-              <a:t>.</a:t>
-            </a:r>
-            <a:r>
-              <a:rPr lang="ko-KR" altLang="en-US" sz="2400" b="1" dirty="0" smtClean="0">
-                <a:solidFill>
-                  <a:srgbClr val="00002F"/>
-                </a:solidFill>
-                <a:latin typeface="나눔스퀘어 ExtraBold" panose="020B0600000101010101" pitchFamily="50" charset="-127"/>
-                <a:ea typeface="나눔스퀘어 ExtraBold" panose="020B0600000101010101" pitchFamily="50" charset="-127"/>
-              </a:rPr>
-              <a:t> </a:t>
-            </a:r>
-            <a:endParaRPr lang="ko-KR" altLang="en-US" sz="2400" b="1" dirty="0">
+                  <a:srgbClr val="00002F"/>
+                </a:solidFill>
+                <a:latin typeface="나눔스퀘어 ExtraBold" panose="020B0600000101010101" pitchFamily="50" charset="-127"/>
+                <a:ea typeface="나눔스퀘어 ExtraBold" panose="020B0600000101010101" pitchFamily="50" charset="-127"/>
+              </a:rPr>
+              <a:t>, </a:t>
+            </a:r>
+            <a:r>
+              <a:rPr lang="ko-KR" altLang="en-US" sz="2400" b="1" dirty="0">
+                <a:solidFill>
+                  <a:srgbClr val="00002F"/>
+                </a:solidFill>
+                <a:latin typeface="나눔스퀘어 ExtraBold" panose="020B0600000101010101" pitchFamily="50" charset="-127"/>
+                <a:ea typeface="나눔스퀘어 ExtraBold" panose="020B0600000101010101" pitchFamily="50" charset="-127"/>
+              </a:rPr>
+              <a:t>부정 등의 감정을 이용해 사용자의 화면에서 보이는 정보들을 걸러주고</a:t>
+            </a:r>
+            <a:endParaRPr lang="en-US" altLang="ko-KR" sz="2400" b="1" dirty="0">
               <a:solidFill>
                 <a:srgbClr val="00002F"/>
               </a:solidFill>
               <a:latin typeface="나눔스퀘어 ExtraBold" panose="020B0600000101010101" pitchFamily="50" charset="-127"/>
               <a:ea typeface="나눔스퀘어 ExtraBold" panose="020B0600000101010101" pitchFamily="50" charset="-127"/>
             </a:endParaRPr>
+          </a:p>
+          <a:p>
+            <a:pPr>
+              <a:lnSpc>
+                <a:spcPct val="150000"/>
+              </a:lnSpc>
+            </a:pPr>
+            <a:r>
+              <a:rPr lang="ko-KR" altLang="en-US" sz="2400" b="1" dirty="0">
+                <a:solidFill>
+                  <a:srgbClr val="00002F"/>
+                </a:solidFill>
+                <a:latin typeface="나눔스퀘어 ExtraBold" panose="020B0600000101010101" pitchFamily="50" charset="-127"/>
+                <a:ea typeface="나눔스퀘어 ExtraBold" panose="020B0600000101010101" pitchFamily="50" charset="-127"/>
+              </a:rPr>
+              <a:t>강조해주어 </a:t>
+            </a:r>
+            <a:r>
+              <a:rPr lang="ko-KR" altLang="en-US" sz="2400" b="1" dirty="0">
+                <a:solidFill>
+                  <a:srgbClr val="538B8F"/>
+                </a:solidFill>
+                <a:latin typeface="나눔스퀘어 ExtraBold" panose="020B0600000101010101" pitchFamily="50" charset="-127"/>
+                <a:ea typeface="나눔스퀘어 ExtraBold" panose="020B0600000101010101" pitchFamily="50" charset="-127"/>
+              </a:rPr>
+              <a:t>사용자의 애플리케이션</a:t>
+            </a:r>
+            <a:r>
+              <a:rPr lang="en-US" altLang="ko-KR" sz="2400" b="1" dirty="0">
+                <a:solidFill>
+                  <a:srgbClr val="538B8F"/>
+                </a:solidFill>
+                <a:latin typeface="나눔스퀘어 ExtraBold" panose="020B0600000101010101" pitchFamily="50" charset="-127"/>
+                <a:ea typeface="나눔스퀘어 ExtraBold" panose="020B0600000101010101" pitchFamily="50" charset="-127"/>
+              </a:rPr>
+              <a:t> </a:t>
+            </a:r>
+            <a:r>
+              <a:rPr lang="ko-KR" altLang="en-US" sz="2400" b="1" dirty="0">
+                <a:solidFill>
+                  <a:srgbClr val="538B8F"/>
+                </a:solidFill>
+                <a:latin typeface="나눔스퀘어 ExtraBold" panose="020B0600000101010101" pitchFamily="50" charset="-127"/>
+                <a:ea typeface="나눔스퀘어 ExtraBold" panose="020B0600000101010101" pitchFamily="50" charset="-127"/>
+              </a:rPr>
+              <a:t>사용 경험을 향상</a:t>
+            </a:r>
+            <a:r>
+              <a:rPr lang="ko-KR" altLang="en-US" sz="2400" b="1" dirty="0">
+                <a:solidFill>
+                  <a:srgbClr val="00002F"/>
+                </a:solidFill>
+                <a:latin typeface="나눔스퀘어 ExtraBold" panose="020B0600000101010101" pitchFamily="50" charset="-127"/>
+                <a:ea typeface="나눔스퀘어 ExtraBold" panose="020B0600000101010101" pitchFamily="50" charset="-127"/>
+              </a:rPr>
+              <a:t>시킬 수 있습니다</a:t>
+            </a:r>
+            <a:r>
+              <a:rPr lang="en-US" altLang="ko-KR" sz="2400" b="1" dirty="0">
+                <a:solidFill>
+                  <a:srgbClr val="00002F"/>
+                </a:solidFill>
+                <a:latin typeface="나눔스퀘어 ExtraBold" panose="020B0600000101010101" pitchFamily="50" charset="-127"/>
+                <a:ea typeface="나눔스퀘어 ExtraBold" panose="020B0600000101010101" pitchFamily="50" charset="-127"/>
+              </a:rPr>
+              <a:t>.</a:t>
+            </a:r>
+            <a:r>
+              <a:rPr lang="ko-KR" altLang="en-US" sz="2400" b="1" dirty="0">
+                <a:solidFill>
+                  <a:srgbClr val="00002F"/>
+                </a:solidFill>
+                <a:latin typeface="나눔스퀘어 ExtraBold" panose="020B0600000101010101" pitchFamily="50" charset="-127"/>
+                <a:ea typeface="나눔스퀘어 ExtraBold" panose="020B0600000101010101" pitchFamily="50" charset="-127"/>
+              </a:rPr>
+              <a:t> </a:t>
+            </a:r>
           </a:p>
         </p:txBody>
       </p:sp>
@@ -33486,7 +32870,7 @@
           <a:lstStyle/>
           <a:p>
             <a:r>
-              <a:rPr lang="en-US" altLang="ko-KR" spc="-150" dirty="0" smtClean="0">
+              <a:rPr lang="en-US" altLang="ko-KR" spc="-150" dirty="0">
                 <a:solidFill>
                   <a:srgbClr val="00002F"/>
                 </a:solidFill>
@@ -33496,7 +32880,7 @@
               <a:t>Sentimental </a:t>
             </a:r>
             <a:r>
-              <a:rPr lang="en-US" altLang="ko-KR" spc="-150" dirty="0" err="1" smtClean="0">
+              <a:rPr lang="en-US" altLang="ko-KR" spc="-150" dirty="0" err="1">
                 <a:solidFill>
                   <a:srgbClr val="00002F"/>
                 </a:solidFill>
@@ -33506,7 +32890,7 @@
               <a:t>anlaysis</a:t>
             </a:r>
             <a:r>
-              <a:rPr lang="en-US" altLang="ko-KR" spc="-150" dirty="0" smtClean="0">
+              <a:rPr lang="en-US" altLang="ko-KR" spc="-150" dirty="0">
                 <a:solidFill>
                   <a:srgbClr val="00002F"/>
                 </a:solidFill>
@@ -33535,13 +32919,6 @@
   <p:clrMapOvr>
     <a:masterClrMapping/>
   </p:clrMapOvr>
-  <p:timing>
-    <p:tnLst>
-      <p:par>
-        <p:cTn id="1" dur="indefinite" restart="never" nodeType="tmRoot"/>
-      </p:par>
-    </p:tnLst>
-  </p:timing>
 </p:sld>
 </file>
 
@@ -33795,7 +33172,7 @@
           <a:p>
             <a:pPr algn="ctr"/>
             <a:r>
-              <a:rPr lang="en-US" altLang="ko-KR" sz="2400" spc="-150" dirty="0" smtClean="0">
+              <a:rPr lang="en-US" altLang="ko-KR" sz="2400" spc="-150" dirty="0">
                 <a:solidFill>
                   <a:srgbClr val="00002F"/>
                 </a:solidFill>
@@ -33837,7 +33214,7 @@
           <a:lstStyle/>
           <a:p>
             <a:r>
-              <a:rPr lang="en-US" altLang="ko-KR" spc="-150" dirty="0" smtClean="0">
+              <a:rPr lang="en-US" altLang="ko-KR" spc="-150" dirty="0">
                 <a:solidFill>
                   <a:srgbClr val="00002F"/>
                 </a:solidFill>
@@ -33880,7 +33257,7 @@
           <a:p>
             <a:pPr algn="ctr"/>
             <a:r>
-              <a:rPr lang="en-US" altLang="ko-KR" sz="3200" dirty="0" smtClean="0">
+              <a:rPr lang="en-US" altLang="ko-KR" sz="3200" dirty="0">
                 <a:solidFill>
                   <a:srgbClr val="00002F"/>
                 </a:solidFill>
@@ -33937,7 +33314,7 @@
               <a:t>사람들은 인터넷으로 쇼핑을 할 때 </a:t>
             </a:r>
             <a:r>
-              <a:rPr lang="en-US" altLang="ko-KR" sz="2200" spc="-150" dirty="0" smtClean="0">
+              <a:rPr lang="en-US" altLang="ko-KR" sz="2200" spc="-150" dirty="0">
                 <a:solidFill>
                   <a:srgbClr val="00002F"/>
                 </a:solidFill>
@@ -33947,7 +33324,7 @@
               <a:t> </a:t>
             </a:r>
             <a:r>
-              <a:rPr lang="ko-KR" altLang="ko-KR" sz="2200" spc="-150" dirty="0" smtClean="0">
+              <a:rPr lang="ko-KR" altLang="ko-KR" sz="2200" spc="-150" dirty="0">
                 <a:solidFill>
                   <a:srgbClr val="5D9CA1"/>
                 </a:solidFill>
@@ -33957,16 +33334,6 @@
               <a:t>리뷰</a:t>
             </a:r>
             <a:r>
-              <a:rPr lang="ko-KR" altLang="ko-KR" sz="2200" spc="-150" dirty="0" smtClean="0">
-                <a:solidFill>
-                  <a:srgbClr val="00002F"/>
-                </a:solidFill>
-                <a:latin typeface="나눔스퀘어 ExtraBold" panose="020B0600000101010101" pitchFamily="50" charset="-127"/>
-                <a:ea typeface="나눔스퀘어 ExtraBold" panose="020B0600000101010101" pitchFamily="50" charset="-127"/>
-              </a:rPr>
-              <a:t>를 </a:t>
-            </a:r>
-            <a:r>
               <a:rPr lang="ko-KR" altLang="ko-KR" sz="2200" spc="-150" dirty="0">
                 <a:solidFill>
                   <a:srgbClr val="00002F"/>
@@ -33974,10 +33341,10 @@
                 <a:latin typeface="나눔스퀘어 ExtraBold" panose="020B0600000101010101" pitchFamily="50" charset="-127"/>
                 <a:ea typeface="나눔스퀘어 ExtraBold" panose="020B0600000101010101" pitchFamily="50" charset="-127"/>
               </a:rPr>
-              <a:t>보고서 살지 말지 정하는 경우가 많습니다</a:t>
-            </a:r>
-            <a:r>
-              <a:rPr lang="en-US" altLang="ko-KR" sz="2200" spc="-150" dirty="0" smtClean="0">
+              <a:t>를 보고서 살지 말지 정하는 경우가 많습니다</a:t>
+            </a:r>
+            <a:r>
+              <a:rPr lang="en-US" altLang="ko-KR" sz="2200" spc="-150" dirty="0">
                 <a:solidFill>
                   <a:srgbClr val="00002F"/>
                 </a:solidFill>
@@ -33986,7 +33353,7 @@
               </a:rPr>
               <a:t>.</a:t>
             </a:r>
-            <a:endParaRPr lang="ko-KR" altLang="ko-KR" sz="2200" spc="-150" dirty="0" smtClean="0">
+            <a:endParaRPr lang="ko-KR" altLang="ko-KR" sz="2200" spc="-150" dirty="0">
               <a:solidFill>
                 <a:srgbClr val="00002F"/>
               </a:solidFill>
@@ -34001,7 +33368,7 @@
               </a:lnSpc>
             </a:pPr>
             <a:r>
-              <a:rPr lang="ko-KR" altLang="ko-KR" sz="2200" spc="-150" dirty="0" smtClean="0">
+              <a:rPr lang="ko-KR" altLang="ko-KR" sz="2200" spc="-150" dirty="0">
                 <a:solidFill>
                   <a:srgbClr val="00002F"/>
                 </a:solidFill>
@@ -34011,7 +33378,7 @@
               <a:t>물건을 직접적으로 볼 수 없는 대신</a:t>
             </a:r>
             <a:r>
-              <a:rPr lang="en-US" altLang="ko-KR" sz="2200" spc="-150" dirty="0" smtClean="0">
+              <a:rPr lang="en-US" altLang="ko-KR" sz="2200" spc="-150" dirty="0">
                 <a:solidFill>
                   <a:srgbClr val="00002F"/>
                 </a:solidFill>
@@ -34021,7 +33388,7 @@
               <a:t>, </a:t>
             </a:r>
             <a:r>
-              <a:rPr lang="ko-KR" altLang="ko-KR" sz="2200" spc="-150" dirty="0" smtClean="0">
+              <a:rPr lang="ko-KR" altLang="ko-KR" sz="2200" spc="-150" dirty="0">
                 <a:solidFill>
                   <a:srgbClr val="00002F"/>
                 </a:solidFill>
@@ -34031,7 +33398,7 @@
               <a:t>이전 구매자들이 남긴 글을 보고 상품을 평가하는 것입니다</a:t>
             </a:r>
             <a:r>
-              <a:rPr lang="en-US" altLang="ko-KR" sz="2200" spc="-150" dirty="0" smtClean="0">
+              <a:rPr lang="en-US" altLang="ko-KR" sz="2200" spc="-150" dirty="0">
                 <a:solidFill>
                   <a:srgbClr val="00002F"/>
                 </a:solidFill>
@@ -34040,7 +33407,7 @@
               </a:rPr>
               <a:t>.</a:t>
             </a:r>
-            <a:endParaRPr lang="ko-KR" altLang="ko-KR" sz="2200" spc="-150" dirty="0" smtClean="0">
+            <a:endParaRPr lang="ko-KR" altLang="ko-KR" sz="2200" spc="-150" dirty="0">
               <a:solidFill>
                 <a:srgbClr val="00002F"/>
               </a:solidFill>
@@ -34055,7 +33422,7 @@
               </a:lnSpc>
             </a:pPr>
             <a:r>
-              <a:rPr lang="ko-KR" altLang="ko-KR" sz="2200" spc="-150" dirty="0" err="1" smtClean="0">
+              <a:rPr lang="ko-KR" altLang="ko-KR" sz="2200" spc="-150" dirty="0" err="1">
                 <a:solidFill>
                   <a:srgbClr val="00002F"/>
                 </a:solidFill>
@@ -34065,7 +33432,7 @@
               <a:t>판매자</a:t>
             </a:r>
             <a:r>
-              <a:rPr lang="ko-KR" altLang="en-US" sz="2200" spc="-150" dirty="0" err="1" smtClean="0">
+              <a:rPr lang="ko-KR" altLang="en-US" sz="2200" spc="-150" dirty="0" err="1">
                 <a:solidFill>
                   <a:srgbClr val="00002F"/>
                 </a:solidFill>
@@ -34075,7 +33442,7 @@
               <a:t>는</a:t>
             </a:r>
             <a:r>
-              <a:rPr lang="ko-KR" altLang="en-US" sz="2200" spc="-150" dirty="0" smtClean="0">
+              <a:rPr lang="ko-KR" altLang="en-US" sz="2200" spc="-150" dirty="0">
                 <a:solidFill>
                   <a:srgbClr val="00002F"/>
                 </a:solidFill>
@@ -34085,16 +33452,6 @@
               <a:t> </a:t>
             </a:r>
             <a:r>
-              <a:rPr lang="ko-KR" altLang="ko-KR" sz="2200" spc="-150" dirty="0" smtClean="0">
-                <a:solidFill>
-                  <a:srgbClr val="00002F"/>
-                </a:solidFill>
-                <a:latin typeface="나눔스퀘어 ExtraBold" panose="020B0600000101010101" pitchFamily="50" charset="-127"/>
-                <a:ea typeface="나눔스퀘어 ExtraBold" panose="020B0600000101010101" pitchFamily="50" charset="-127"/>
-              </a:rPr>
-              <a:t>이러한 </a:t>
-            </a:r>
-            <a:r>
               <a:rPr lang="ko-KR" altLang="ko-KR" sz="2200" spc="-150" dirty="0">
                 <a:solidFill>
                   <a:srgbClr val="00002F"/>
@@ -34102,7 +33459,7 @@
                 <a:latin typeface="나눔스퀘어 ExtraBold" panose="020B0600000101010101" pitchFamily="50" charset="-127"/>
                 <a:ea typeface="나눔스퀘어 ExtraBold" panose="020B0600000101010101" pitchFamily="50" charset="-127"/>
               </a:rPr>
-              <a:t>경향을 잘 알고 있기에</a:t>
+              <a:t>이러한 경향을 잘 알고 있기에</a:t>
             </a:r>
             <a:r>
               <a:rPr lang="en-US" altLang="ko-KR" sz="2200" spc="-150" dirty="0">
@@ -34145,7 +33502,7 @@
               <a:t> 평가를 남기는 </a:t>
             </a:r>
             <a:r>
-              <a:rPr lang="ko-KR" altLang="en-US" sz="2200" spc="-150" dirty="0" smtClean="0">
+              <a:rPr lang="ko-KR" altLang="en-US" sz="2200" spc="-150" dirty="0">
                 <a:solidFill>
                   <a:srgbClr val="00002F"/>
                 </a:solidFill>
@@ -34155,7 +33512,7 @@
               <a:t>아르바이트를 고용하기도 합니다</a:t>
             </a:r>
             <a:r>
-              <a:rPr lang="en-US" altLang="ko-KR" sz="2200" spc="-150" dirty="0" smtClean="0">
+              <a:rPr lang="en-US" altLang="ko-KR" sz="2200" spc="-150" dirty="0">
                 <a:solidFill>
                   <a:srgbClr val="00002F"/>
                 </a:solidFill>
@@ -34263,7 +33620,7 @@
           <a:lstStyle/>
           <a:p>
             <a:r>
-              <a:rPr lang="ko-KR" altLang="en-US" spc="-150" dirty="0" smtClean="0">
+              <a:rPr lang="ko-KR" altLang="en-US" spc="-150" dirty="0">
                 <a:solidFill>
                   <a:srgbClr val="538B8F"/>
                 </a:solidFill>
@@ -34273,7 +33630,7 @@
               <a:t>긍정적 유저 평가 예시 </a:t>
             </a:r>
             <a:r>
-              <a:rPr lang="en-US" altLang="ko-KR" spc="-150" dirty="0" smtClean="0">
+              <a:rPr lang="en-US" altLang="ko-KR" spc="-150" dirty="0">
                 <a:solidFill>
                   <a:srgbClr val="538B8F"/>
                 </a:solidFill>
@@ -34348,13 +33705,6 @@
   <p:clrMapOvr>
     <a:masterClrMapping/>
   </p:clrMapOvr>
-  <p:timing>
-    <p:tnLst>
-      <p:par>
-        <p:cTn id="1" dur="indefinite" restart="never" nodeType="tmRoot"/>
-      </p:par>
-    </p:tnLst>
-  </p:timing>
 </p:sld>
 </file>
 
@@ -34608,7 +33958,7 @@
           <a:p>
             <a:pPr algn="ctr"/>
             <a:r>
-              <a:rPr lang="en-US" altLang="ko-KR" sz="2400" spc="-150" dirty="0" smtClean="0">
+              <a:rPr lang="en-US" altLang="ko-KR" sz="2400" spc="-150" dirty="0">
                 <a:solidFill>
                   <a:srgbClr val="00002F"/>
                 </a:solidFill>
@@ -34693,7 +34043,7 @@
           <a:p>
             <a:pPr algn="ctr"/>
             <a:r>
-              <a:rPr lang="en-US" altLang="ko-KR" sz="3200" dirty="0" smtClean="0">
+              <a:rPr lang="en-US" altLang="ko-KR" sz="3200" dirty="0">
                 <a:solidFill>
                   <a:srgbClr val="00002F"/>
                 </a:solidFill>
@@ -34773,7 +34123,7 @@
               </a:lnSpc>
             </a:pPr>
             <a:r>
-              <a:rPr lang="ko-KR" altLang="en-US" sz="2200" spc="-150" dirty="0" smtClean="0">
+              <a:rPr lang="ko-KR" altLang="en-US" sz="2200" spc="-150" dirty="0">
                 <a:solidFill>
                   <a:srgbClr val="00002F"/>
                 </a:solidFill>
@@ -34783,7 +34133,7 @@
               <a:t>그러나  </a:t>
             </a:r>
             <a:r>
-              <a:rPr lang="ko-KR" altLang="en-US" sz="2200" spc="-150" dirty="0" smtClean="0">
+              <a:rPr lang="ko-KR" altLang="en-US" sz="2200" spc="-150" dirty="0">
                 <a:solidFill>
                   <a:srgbClr val="5D9CA1"/>
                 </a:solidFill>
@@ -34793,7 +34143,7 @@
               <a:t>긍정적인 평가가 상품의 구매에 미치는 영향은 미미</a:t>
             </a:r>
             <a:r>
-              <a:rPr lang="ko-KR" altLang="en-US" sz="2200" spc="-150" dirty="0" smtClean="0">
+              <a:rPr lang="ko-KR" altLang="en-US" sz="2200" spc="-150" dirty="0">
                 <a:solidFill>
                   <a:srgbClr val="00002F"/>
                 </a:solidFill>
@@ -34803,7 +34153,7 @@
               <a:t>합니다</a:t>
             </a:r>
             <a:r>
-              <a:rPr lang="en-US" altLang="ko-KR" sz="2200" spc="-150" dirty="0" smtClean="0">
+              <a:rPr lang="en-US" altLang="ko-KR" sz="2200" spc="-150" dirty="0">
                 <a:solidFill>
                   <a:srgbClr val="00002F"/>
                 </a:solidFill>
@@ -34813,7 +34163,7 @@
               <a:t>. </a:t>
             </a:r>
             <a:r>
-              <a:rPr lang="ko-KR" altLang="ko-KR" sz="2200" spc="-150" dirty="0" smtClean="0">
+              <a:rPr lang="ko-KR" altLang="ko-KR" sz="2200" spc="-150" dirty="0">
                 <a:solidFill>
                   <a:srgbClr val="00002F"/>
                 </a:solidFill>
@@ -34823,7 +34173,7 @@
               <a:t>구매자 또한 </a:t>
             </a:r>
             <a:r>
-              <a:rPr lang="ko-KR" altLang="en-US" sz="2200" spc="-150" dirty="0" smtClean="0">
+              <a:rPr lang="ko-KR" altLang="en-US" sz="2200" spc="-150" dirty="0">
                 <a:solidFill>
                   <a:srgbClr val="00002F"/>
                 </a:solidFill>
@@ -34833,7 +34183,7 @@
               <a:t>앞에서 언급한 상황을 인지하고 있어</a:t>
             </a:r>
             <a:r>
-              <a:rPr lang="en-US" altLang="ko-KR" sz="2200" spc="-150" dirty="0" smtClean="0">
+              <a:rPr lang="en-US" altLang="ko-KR" sz="2200" spc="-150" dirty="0">
                 <a:solidFill>
                   <a:srgbClr val="00002F"/>
                 </a:solidFill>
@@ -34843,7 +34193,7 @@
               <a:t>,</a:t>
             </a:r>
             <a:r>
-              <a:rPr lang="ko-KR" altLang="ko-KR" sz="2200" spc="-150" dirty="0" smtClean="0">
+              <a:rPr lang="ko-KR" altLang="ko-KR" sz="2200" spc="-150" dirty="0">
                 <a:solidFill>
                   <a:srgbClr val="00002F"/>
                 </a:solidFill>
@@ -34853,7 +34203,7 @@
               <a:t> </a:t>
             </a:r>
             <a:r>
-              <a:rPr lang="en-US" altLang="ko-KR" sz="2200" spc="-150" dirty="0" smtClean="0">
+              <a:rPr lang="en-US" altLang="ko-KR" sz="2200" spc="-150" dirty="0">
                 <a:solidFill>
                   <a:srgbClr val="00002F"/>
                 </a:solidFill>
@@ -34863,7 +34213,7 @@
               <a:t>5</a:t>
             </a:r>
             <a:r>
-              <a:rPr lang="ko-KR" altLang="ko-KR" sz="2200" spc="-150" dirty="0" smtClean="0">
+              <a:rPr lang="ko-KR" altLang="ko-KR" sz="2200" spc="-150" dirty="0">
                 <a:solidFill>
                   <a:srgbClr val="00002F"/>
                 </a:solidFill>
@@ -34873,7 +34223,7 @@
               <a:t>점</a:t>
             </a:r>
             <a:r>
-              <a:rPr lang="en-US" altLang="ko-KR" sz="2200" spc="-150" dirty="0" smtClean="0">
+              <a:rPr lang="en-US" altLang="ko-KR" sz="2200" spc="-150" dirty="0">
                 <a:solidFill>
                   <a:srgbClr val="00002F"/>
                 </a:solidFill>
@@ -34883,7 +34233,7 @@
               <a:t> </a:t>
             </a:r>
             <a:r>
-              <a:rPr lang="ko-KR" altLang="ko-KR" sz="2200" spc="-150" dirty="0" smtClean="0">
+              <a:rPr lang="ko-KR" altLang="ko-KR" sz="2200" spc="-150" dirty="0">
                 <a:solidFill>
                   <a:srgbClr val="00002F"/>
                 </a:solidFill>
@@ -34893,7 +34243,7 @@
               <a:t>만점의 긍정적인 평가</a:t>
             </a:r>
             <a:r>
-              <a:rPr lang="ko-KR" altLang="en-US" sz="2200" spc="-150" dirty="0" smtClean="0">
+              <a:rPr lang="ko-KR" altLang="en-US" sz="2200" spc="-150" dirty="0">
                 <a:solidFill>
                   <a:srgbClr val="00002F"/>
                 </a:solidFill>
@@ -34903,7 +34253,7 @@
               <a:t>만을</a:t>
             </a:r>
             <a:r>
-              <a:rPr lang="ko-KR" altLang="ko-KR" sz="2200" spc="-150" dirty="0" smtClean="0">
+              <a:rPr lang="ko-KR" altLang="ko-KR" sz="2200" spc="-150" dirty="0">
                 <a:solidFill>
                   <a:srgbClr val="00002F"/>
                 </a:solidFill>
@@ -34913,7 +34263,7 @@
               <a:t> 보고 상품을 고르기보단 실 사용 후기의 안 좋은 점을 고려하여 상품을</a:t>
             </a:r>
             <a:r>
-              <a:rPr lang="en-US" altLang="ko-KR" sz="2200" spc="-150" dirty="0" smtClean="0">
+              <a:rPr lang="en-US" altLang="ko-KR" sz="2200" spc="-150" dirty="0">
                 <a:solidFill>
                   <a:srgbClr val="00002F"/>
                 </a:solidFill>
@@ -34923,16 +34273,6 @@
               <a:t> </a:t>
             </a:r>
             <a:r>
-              <a:rPr lang="ko-KR" altLang="ko-KR" sz="2200" spc="-150" dirty="0" smtClean="0">
-                <a:solidFill>
-                  <a:srgbClr val="00002F"/>
-                </a:solidFill>
-                <a:latin typeface="나눔스퀘어 ExtraBold" panose="020B0600000101010101" pitchFamily="50" charset="-127"/>
-                <a:ea typeface="나눔스퀘어 ExtraBold" panose="020B0600000101010101" pitchFamily="50" charset="-127"/>
-              </a:rPr>
-              <a:t>살지 </a:t>
-            </a:r>
-            <a:r>
               <a:rPr lang="ko-KR" altLang="ko-KR" sz="2200" spc="-150" dirty="0">
                 <a:solidFill>
                   <a:srgbClr val="00002F"/>
@@ -34940,20 +34280,10 @@
                 <a:latin typeface="나눔스퀘어 ExtraBold" panose="020B0600000101010101" pitchFamily="50" charset="-127"/>
                 <a:ea typeface="나눔스퀘어 ExtraBold" panose="020B0600000101010101" pitchFamily="50" charset="-127"/>
               </a:rPr>
-              <a:t>말지 결정하는 경우가 </a:t>
-            </a:r>
-            <a:r>
-              <a:rPr lang="ko-KR" altLang="ko-KR" sz="2200" spc="-150" dirty="0" smtClean="0">
-                <a:solidFill>
-                  <a:srgbClr val="00002F"/>
-                </a:solidFill>
-                <a:latin typeface="나눔스퀘어 ExtraBold" panose="020B0600000101010101" pitchFamily="50" charset="-127"/>
-                <a:ea typeface="나눔스퀘어 ExtraBold" panose="020B0600000101010101" pitchFamily="50" charset="-127"/>
-              </a:rPr>
-              <a:t>많습니다</a:t>
-            </a:r>
-            <a:r>
-              <a:rPr lang="en-US" altLang="ko-KR" sz="2200" spc="-150" dirty="0" smtClean="0">
+              <a:t>살지 말지 결정하는 경우가 많습니다</a:t>
+            </a:r>
+            <a:r>
+              <a:rPr lang="en-US" altLang="ko-KR" sz="2200" spc="-150" dirty="0">
                 <a:solidFill>
                   <a:srgbClr val="00002F"/>
                 </a:solidFill>
@@ -35041,7 +34371,7 @@
           <a:lstStyle/>
           <a:p>
             <a:r>
-              <a:rPr lang="ko-KR" altLang="en-US" spc="-150" dirty="0" smtClean="0">
+              <a:rPr lang="ko-KR" altLang="en-US" spc="-150" dirty="0">
                 <a:solidFill>
                   <a:srgbClr val="538B8F"/>
                 </a:solidFill>
@@ -35051,7 +34381,7 @@
               <a:t>실 사용 유저 평가 예시 </a:t>
             </a:r>
             <a:r>
-              <a:rPr lang="en-US" altLang="ko-KR" spc="-150" dirty="0" smtClean="0">
+              <a:rPr lang="en-US" altLang="ko-KR" spc="-150" dirty="0">
                 <a:solidFill>
                   <a:srgbClr val="538B8F"/>
                 </a:solidFill>
@@ -35080,13 +34410,6 @@
   <p:clrMapOvr>
     <a:masterClrMapping/>
   </p:clrMapOvr>
-  <p:timing>
-    <p:tnLst>
-      <p:par>
-        <p:cTn id="1" dur="indefinite" restart="never" nodeType="tmRoot"/>
-      </p:par>
-    </p:tnLst>
-  </p:timing>
 </p:sld>
 </file>
 
@@ -35340,7 +34663,7 @@
           <a:p>
             <a:pPr algn="ctr"/>
             <a:r>
-              <a:rPr lang="en-US" altLang="ko-KR" sz="2400" spc="-150" dirty="0" smtClean="0">
+              <a:rPr lang="en-US" altLang="ko-KR" sz="2400" spc="-150" dirty="0">
                 <a:solidFill>
                   <a:srgbClr val="00002F"/>
                 </a:solidFill>
@@ -35425,7 +34748,7 @@
           <a:p>
             <a:pPr algn="ctr"/>
             <a:r>
-              <a:rPr lang="en-US" altLang="ko-KR" sz="3200" dirty="0" smtClean="0">
+              <a:rPr lang="en-US" altLang="ko-KR" sz="3200" dirty="0">
                 <a:solidFill>
                   <a:srgbClr val="00002F"/>
                 </a:solidFill>
@@ -35498,7 +34821,7 @@
           <a:lstStyle/>
           <a:p>
             <a:r>
-              <a:rPr lang="ko-KR" altLang="en-US" spc="-150" dirty="0" smtClean="0">
+              <a:rPr lang="ko-KR" altLang="en-US" spc="-150" dirty="0">
                 <a:solidFill>
                   <a:srgbClr val="538B8F"/>
                 </a:solidFill>
@@ -35508,7 +34831,7 @@
               <a:t>유용한 유저 평가 예시 </a:t>
             </a:r>
             <a:r>
-              <a:rPr lang="en-US" altLang="ko-KR" spc="-150" dirty="0" smtClean="0">
+              <a:rPr lang="en-US" altLang="ko-KR" spc="-150" dirty="0">
                 <a:solidFill>
                   <a:srgbClr val="538B8F"/>
                 </a:solidFill>
@@ -35611,7 +34934,7 @@
               <a:t>또한 </a:t>
             </a:r>
             <a:r>
-              <a:rPr lang="ko-KR" altLang="en-US" sz="2200" spc="-150" dirty="0" smtClean="0">
+              <a:rPr lang="ko-KR" altLang="en-US" sz="2200" spc="-150" dirty="0">
                 <a:solidFill>
                   <a:srgbClr val="00002F"/>
                 </a:solidFill>
@@ -35621,16 +34944,6 @@
               <a:t>다음과 </a:t>
             </a:r>
             <a:r>
-              <a:rPr lang="ko-KR" altLang="ko-KR" sz="2200" spc="-150" dirty="0" smtClean="0">
-                <a:solidFill>
-                  <a:srgbClr val="00002F"/>
-                </a:solidFill>
-                <a:latin typeface="나눔스퀘어 ExtraBold" panose="020B0600000101010101" pitchFamily="50" charset="-127"/>
-                <a:ea typeface="나눔스퀘어 ExtraBold" panose="020B0600000101010101" pitchFamily="50" charset="-127"/>
-              </a:rPr>
-              <a:t>같이 </a:t>
-            </a:r>
-            <a:r>
               <a:rPr lang="ko-KR" altLang="ko-KR" sz="2200" spc="-150" dirty="0">
                 <a:solidFill>
                   <a:srgbClr val="00002F"/>
@@ -35638,7 +34951,7 @@
                 <a:latin typeface="나눔스퀘어 ExtraBold" panose="020B0600000101010101" pitchFamily="50" charset="-127"/>
                 <a:ea typeface="나눔스퀘어 ExtraBold" panose="020B0600000101010101" pitchFamily="50" charset="-127"/>
               </a:rPr>
-              <a:t>사용자 평점은 높지만 구매 시 유의해야할 사항들에 대해 적은 글 또한 구매자의 선택에 영향을 끼치게 됩니다</a:t>
+              <a:t>같이 사용자 평점은 높지만 구매 시 유의해야할 사항들에 대해 적은 글 또한 구매자의 선택에 영향을 끼치게 됩니다</a:t>
             </a:r>
             <a:r>
               <a:rPr lang="en-US" altLang="ko-KR" sz="2200" spc="-150" dirty="0">
@@ -35675,7 +34988,7 @@
               <a:t>따라서 저희는 </a:t>
             </a:r>
             <a:r>
-              <a:rPr lang="ko-KR" altLang="ko-KR" sz="2200" spc="-150" dirty="0" smtClean="0">
+              <a:rPr lang="ko-KR" altLang="ko-KR" sz="2200" spc="-150" dirty="0">
                 <a:solidFill>
                   <a:srgbClr val="5D9CA1"/>
                 </a:solidFill>
@@ -35685,7 +34998,7 @@
               <a:t>크롬확장프로그램</a:t>
             </a:r>
             <a:r>
-              <a:rPr lang="en-US" altLang="ko-KR" sz="2200" spc="-150" dirty="0" smtClean="0">
+              <a:rPr lang="en-US" altLang="ko-KR" sz="2200" spc="-150" dirty="0">
                 <a:solidFill>
                   <a:srgbClr val="5D9CA1"/>
                 </a:solidFill>
@@ -35695,7 +35008,7 @@
               <a:t>  </a:t>
             </a:r>
             <a:r>
-              <a:rPr lang="en-US" altLang="ko-KR" sz="2800" spc="-150" dirty="0" smtClean="0">
+              <a:rPr lang="en-US" altLang="ko-KR" sz="2800" spc="-150" dirty="0">
                 <a:solidFill>
                   <a:srgbClr val="5D9CA1"/>
                 </a:solidFill>
@@ -35705,7 +35018,7 @@
               <a:t>’Review Strainer’ </a:t>
             </a:r>
             <a:r>
-              <a:rPr lang="ko-KR" altLang="en-US" sz="2200" spc="-150" dirty="0" smtClean="0">
+              <a:rPr lang="ko-KR" altLang="en-US" sz="2200" spc="-150" dirty="0">
                 <a:solidFill>
                   <a:srgbClr val="00002F"/>
                 </a:solidFill>
@@ -35715,7 +35028,7 @@
               <a:t>를</a:t>
             </a:r>
             <a:r>
-              <a:rPr lang="ko-KR" altLang="ko-KR" sz="2200" spc="-150" dirty="0" smtClean="0">
+              <a:rPr lang="ko-KR" altLang="ko-KR" sz="2200" spc="-150" dirty="0">
                 <a:solidFill>
                   <a:srgbClr val="00002F"/>
                 </a:solidFill>
@@ -35725,7 +35038,7 @@
               <a:t> 통해</a:t>
             </a:r>
             <a:r>
-              <a:rPr lang="en-US" altLang="ko-KR" sz="2200" spc="-150" dirty="0" smtClean="0">
+              <a:rPr lang="en-US" altLang="ko-KR" sz="2200" spc="-150" dirty="0">
                 <a:solidFill>
                   <a:srgbClr val="00002F"/>
                 </a:solidFill>
@@ -35735,16 +35048,6 @@
               <a:t> </a:t>
             </a:r>
             <a:r>
-              <a:rPr lang="ko-KR" altLang="ko-KR" sz="2200" spc="-150" dirty="0" smtClean="0">
-                <a:solidFill>
-                  <a:srgbClr val="00002F"/>
-                </a:solidFill>
-                <a:latin typeface="나눔스퀘어 ExtraBold" panose="020B0600000101010101" pitchFamily="50" charset="-127"/>
-                <a:ea typeface="나눔스퀘어 ExtraBold" panose="020B0600000101010101" pitchFamily="50" charset="-127"/>
-              </a:rPr>
-              <a:t>사용자에게 </a:t>
-            </a:r>
-            <a:r>
               <a:rPr lang="ko-KR" altLang="ko-KR" sz="2200" spc="-150" dirty="0">
                 <a:solidFill>
                   <a:srgbClr val="00002F"/>
@@ -35752,20 +35055,10 @@
                 <a:latin typeface="나눔스퀘어 ExtraBold" panose="020B0600000101010101" pitchFamily="50" charset="-127"/>
                 <a:ea typeface="나눔스퀘어 ExtraBold" panose="020B0600000101010101" pitchFamily="50" charset="-127"/>
               </a:rPr>
-              <a:t>불필요한 정보들을 </a:t>
-            </a:r>
-            <a:r>
-              <a:rPr lang="ko-KR" altLang="ko-KR" sz="2200" spc="-150" dirty="0" smtClean="0">
-                <a:solidFill>
-                  <a:srgbClr val="00002F"/>
-                </a:solidFill>
-                <a:latin typeface="나눔스퀘어 ExtraBold" panose="020B0600000101010101" pitchFamily="50" charset="-127"/>
-                <a:ea typeface="나눔스퀘어 ExtraBold" panose="020B0600000101010101" pitchFamily="50" charset="-127"/>
-              </a:rPr>
-              <a:t>제한하고</a:t>
-            </a:r>
-            <a:r>
-              <a:rPr lang="en-US" altLang="ko-KR" sz="2200" spc="-150" dirty="0" smtClean="0">
+              <a:t>사용자에게 불필요한 정보들을 제한하고</a:t>
+            </a:r>
+            <a:r>
+              <a:rPr lang="en-US" altLang="ko-KR" sz="2200" spc="-150" dirty="0">
                 <a:solidFill>
                   <a:srgbClr val="00002F"/>
                 </a:solidFill>
@@ -35775,16 +35068,6 @@
               <a:t> </a:t>
             </a:r>
             <a:r>
-              <a:rPr lang="ko-KR" altLang="ko-KR" sz="2200" spc="-150" dirty="0" smtClean="0">
-                <a:solidFill>
-                  <a:srgbClr val="00002F"/>
-                </a:solidFill>
-                <a:latin typeface="나눔스퀘어 ExtraBold" panose="020B0600000101010101" pitchFamily="50" charset="-127"/>
-                <a:ea typeface="나눔스퀘어 ExtraBold" panose="020B0600000101010101" pitchFamily="50" charset="-127"/>
-              </a:rPr>
-              <a:t> 사용자에게 </a:t>
-            </a:r>
-            <a:r>
               <a:rPr lang="ko-KR" altLang="ko-KR" sz="2200" spc="-150" dirty="0">
                 <a:solidFill>
                   <a:srgbClr val="00002F"/>
@@ -35792,10 +35075,10 @@
                 <a:latin typeface="나눔스퀘어 ExtraBold" panose="020B0600000101010101" pitchFamily="50" charset="-127"/>
                 <a:ea typeface="나눔스퀘어 ExtraBold" panose="020B0600000101010101" pitchFamily="50" charset="-127"/>
               </a:rPr>
-              <a:t>도움이 될 만한 글들을 </a:t>
-            </a:r>
-            <a:r>
-              <a:rPr lang="en-US" altLang="ko-KR" sz="2200" spc="-150" dirty="0" smtClean="0">
+              <a:t> 사용자에게 도움이 될 만한 글들을 </a:t>
+            </a:r>
+            <a:r>
+              <a:rPr lang="en-US" altLang="ko-KR" sz="2200" spc="-150" dirty="0">
                 <a:solidFill>
                   <a:srgbClr val="00002F"/>
                 </a:solidFill>
@@ -35844,13 +35127,6 @@
   <p:clrMapOvr>
     <a:masterClrMapping/>
   </p:clrMapOvr>
-  <p:timing>
-    <p:tnLst>
-      <p:par>
-        <p:cTn id="1" dur="indefinite" restart="never" nodeType="tmRoot"/>
-      </p:par>
-    </p:tnLst>
-  </p:timing>
 </p:sld>
 </file>
 
@@ -36104,7 +35380,7 @@
           <a:p>
             <a:pPr algn="ctr"/>
             <a:r>
-              <a:rPr lang="en-US" altLang="ko-KR" sz="2400" spc="-150" dirty="0" smtClean="0">
+              <a:rPr lang="en-US" altLang="ko-KR" sz="2400" spc="-150" dirty="0">
                 <a:solidFill>
                   <a:srgbClr val="00002F"/>
                 </a:solidFill>
@@ -36151,7 +35427,7 @@
               </a:lnSpc>
             </a:pPr>
             <a:r>
-              <a:rPr lang="ko-KR" altLang="en-US" spc="-150" dirty="0" smtClean="0">
+              <a:rPr lang="ko-KR" altLang="en-US" spc="-150" dirty="0">
                 <a:solidFill>
                   <a:srgbClr val="00002F"/>
                 </a:solidFill>
@@ -36161,7 +35437,7 @@
               <a:t>사용자가 크롬 브라우저에서 확장</a:t>
             </a:r>
             <a:r>
-              <a:rPr lang="ko-KR" altLang="ko-KR" spc="-150" dirty="0" smtClean="0">
+              <a:rPr lang="ko-KR" altLang="ko-KR" spc="-150" dirty="0">
                 <a:solidFill>
                   <a:srgbClr val="00002F"/>
                 </a:solidFill>
@@ -36171,7 +35447,7 @@
               <a:t>프로그램</a:t>
             </a:r>
             <a:r>
-              <a:rPr lang="en-US" altLang="ko-KR" spc="-150" dirty="0" smtClean="0">
+              <a:rPr lang="en-US" altLang="ko-KR" spc="-150" dirty="0">
                 <a:solidFill>
                   <a:srgbClr val="00002F"/>
                 </a:solidFill>
@@ -36191,7 +35467,7 @@
               <a:t>를</a:t>
             </a:r>
             <a:r>
-              <a:rPr lang="ko-KR" altLang="ko-KR" spc="-150" dirty="0" smtClean="0">
+              <a:rPr lang="ko-KR" altLang="ko-KR" spc="-150" dirty="0">
                 <a:solidFill>
                   <a:srgbClr val="00002F"/>
                 </a:solidFill>
@@ -36201,7 +35477,7 @@
               <a:t> </a:t>
             </a:r>
             <a:r>
-              <a:rPr lang="ko-KR" altLang="en-US" spc="-150" dirty="0" smtClean="0">
+              <a:rPr lang="ko-KR" altLang="en-US" spc="-150" dirty="0">
                 <a:solidFill>
                   <a:srgbClr val="00002F"/>
                 </a:solidFill>
@@ -36211,7 +35487,7 @@
               <a:t>마우스로 클릭하</a:t>
             </a:r>
             <a:r>
-              <a:rPr lang="ko-KR" altLang="ko-KR" spc="-150" dirty="0" smtClean="0">
+              <a:rPr lang="ko-KR" altLang="ko-KR" spc="-150" dirty="0">
                 <a:solidFill>
                   <a:srgbClr val="00002F"/>
                 </a:solidFill>
@@ -36228,20 +35504,10 @@
                 <a:latin typeface="나눔스퀘어 ExtraBold" panose="020B0600000101010101" pitchFamily="50" charset="-127"/>
                 <a:ea typeface="나눔스퀘어 ExtraBold" panose="020B0600000101010101" pitchFamily="50" charset="-127"/>
               </a:rPr>
-              <a:t>, </a:t>
-            </a:r>
-            <a:r>
-              <a:rPr lang="en-US" altLang="ko-KR" spc="-150" dirty="0" smtClean="0">
-                <a:solidFill>
-                  <a:srgbClr val="00002F"/>
-                </a:solidFill>
-                <a:latin typeface="나눔스퀘어 ExtraBold" panose="020B0600000101010101" pitchFamily="50" charset="-127"/>
-                <a:ea typeface="나눔스퀘어 ExtraBold" panose="020B0600000101010101" pitchFamily="50" charset="-127"/>
-              </a:rPr>
-              <a:t>3</a:t>
-            </a:r>
-            <a:r>
-              <a:rPr lang="ko-KR" altLang="en-US" spc="-150" dirty="0" smtClean="0">
+              <a:t>, 3</a:t>
+            </a:r>
+            <a:r>
+              <a:rPr lang="ko-KR" altLang="en-US" spc="-150" dirty="0">
                 <a:solidFill>
                   <a:srgbClr val="00002F"/>
                 </a:solidFill>
@@ -36251,7 +35517,7 @@
               <a:t>가지 </a:t>
             </a:r>
             <a:r>
-              <a:rPr lang="ko-KR" altLang="ko-KR" spc="-150" dirty="0" smtClean="0">
+              <a:rPr lang="ko-KR" altLang="ko-KR" spc="-150" dirty="0">
                 <a:solidFill>
                   <a:srgbClr val="00002F"/>
                 </a:solidFill>
@@ -36261,7 +35527,7 @@
               <a:t>옵션</a:t>
             </a:r>
             <a:r>
-              <a:rPr lang="en-US" altLang="ko-KR" spc="-150" dirty="0" smtClean="0">
+              <a:rPr lang="en-US" altLang="ko-KR" spc="-150" dirty="0">
                 <a:solidFill>
                   <a:srgbClr val="00002F"/>
                 </a:solidFill>
@@ -36271,7 +35537,7 @@
               <a:t> </a:t>
             </a:r>
             <a:r>
-              <a:rPr lang="ko-KR" altLang="en-US" spc="-150" dirty="0" smtClean="0">
+              <a:rPr lang="ko-KR" altLang="en-US" spc="-150" dirty="0">
                 <a:solidFill>
                   <a:srgbClr val="00002F"/>
                 </a:solidFill>
@@ -36281,7 +35547,7 @@
               <a:t>리스트가 나열되고</a:t>
             </a:r>
             <a:r>
-              <a:rPr lang="ko-KR" altLang="ko-KR" spc="-150" dirty="0" smtClean="0">
+              <a:rPr lang="ko-KR" altLang="ko-KR" spc="-150" dirty="0">
                 <a:solidFill>
                   <a:srgbClr val="00002F"/>
                 </a:solidFill>
@@ -36291,7 +35557,7 @@
               <a:t> </a:t>
             </a:r>
             <a:r>
-              <a:rPr lang="ko-KR" altLang="en-US" spc="-150" dirty="0" smtClean="0">
+              <a:rPr lang="ko-KR" altLang="en-US" spc="-150" dirty="0">
                 <a:solidFill>
                   <a:srgbClr val="00002F"/>
                 </a:solidFill>
@@ -36301,16 +35567,6 @@
               <a:t>클릭하여 </a:t>
             </a:r>
             <a:r>
-              <a:rPr lang="ko-KR" altLang="ko-KR" spc="-150" dirty="0" smtClean="0">
-                <a:solidFill>
-                  <a:srgbClr val="00002F"/>
-                </a:solidFill>
-                <a:latin typeface="나눔스퀘어 ExtraBold" panose="020B0600000101010101" pitchFamily="50" charset="-127"/>
-                <a:ea typeface="나눔스퀘어 ExtraBold" panose="020B0600000101010101" pitchFamily="50" charset="-127"/>
-              </a:rPr>
-              <a:t>선택할 </a:t>
-            </a:r>
-            <a:r>
               <a:rPr lang="ko-KR" altLang="ko-KR" spc="-150" dirty="0">
                 <a:solidFill>
                   <a:srgbClr val="00002F"/>
@@ -36318,10 +35574,100 @@
                 <a:latin typeface="나눔스퀘어 ExtraBold" panose="020B0600000101010101" pitchFamily="50" charset="-127"/>
                 <a:ea typeface="나눔스퀘어 ExtraBold" panose="020B0600000101010101" pitchFamily="50" charset="-127"/>
               </a:rPr>
-              <a:t>수 있습니다</a:t>
-            </a:r>
-            <a:r>
-              <a:rPr lang="en-US" altLang="ko-KR" spc="-150" dirty="0" smtClean="0">
+              <a:t>선택할 수 있습니다</a:t>
+            </a:r>
+            <a:r>
+              <a:rPr lang="en-US" altLang="ko-KR" spc="-150" dirty="0">
+                <a:solidFill>
+                  <a:srgbClr val="00002F"/>
+                </a:solidFill>
+                <a:latin typeface="나눔스퀘어 ExtraBold" panose="020B0600000101010101" pitchFamily="50" charset="-127"/>
+                <a:ea typeface="나눔스퀘어 ExtraBold" panose="020B0600000101010101" pitchFamily="50" charset="-127"/>
+              </a:rPr>
+              <a:t>. ‘</a:t>
+            </a:r>
+            <a:r>
+              <a:rPr lang="ko-KR" altLang="ko-KR" spc="-150" dirty="0" err="1">
+                <a:solidFill>
+                  <a:srgbClr val="00002F"/>
+                </a:solidFill>
+                <a:latin typeface="나눔스퀘어 ExtraBold" panose="020B0600000101010101" pitchFamily="50" charset="-127"/>
+                <a:ea typeface="나눔스퀘어 ExtraBold" panose="020B0600000101010101" pitchFamily="50" charset="-127"/>
+              </a:rPr>
+              <a:t>별점</a:t>
+            </a:r>
+            <a:r>
+              <a:rPr lang="en-US" altLang="ko-KR" spc="-150" dirty="0">
+                <a:solidFill>
+                  <a:srgbClr val="00002F"/>
+                </a:solidFill>
+                <a:latin typeface="나눔스퀘어 ExtraBold" panose="020B0600000101010101" pitchFamily="50" charset="-127"/>
+                <a:ea typeface="나눔스퀘어 ExtraBold" panose="020B0600000101010101" pitchFamily="50" charset="-127"/>
+              </a:rPr>
+              <a:t>’ </a:t>
+            </a:r>
+            <a:r>
+              <a:rPr lang="ko-KR" altLang="ko-KR" spc="-150" dirty="0">
+                <a:solidFill>
+                  <a:srgbClr val="00002F"/>
+                </a:solidFill>
+                <a:latin typeface="나눔스퀘어 ExtraBold" panose="020B0600000101010101" pitchFamily="50" charset="-127"/>
+                <a:ea typeface="나눔스퀘어 ExtraBold" panose="020B0600000101010101" pitchFamily="50" charset="-127"/>
+              </a:rPr>
+              <a:t>옵션</a:t>
+            </a:r>
+            <a:r>
+              <a:rPr lang="ko-KR" altLang="en-US" spc="-150" dirty="0">
+                <a:solidFill>
+                  <a:srgbClr val="00002F"/>
+                </a:solidFill>
+                <a:latin typeface="나눔스퀘어 ExtraBold" panose="020B0600000101010101" pitchFamily="50" charset="-127"/>
+                <a:ea typeface="나눔스퀘어 ExtraBold" panose="020B0600000101010101" pitchFamily="50" charset="-127"/>
+              </a:rPr>
+              <a:t>은 클릭</a:t>
+            </a:r>
+            <a:r>
+              <a:rPr lang="en-US" altLang="ko-KR" spc="-150" dirty="0">
+                <a:solidFill>
+                  <a:srgbClr val="00002F"/>
+                </a:solidFill>
+                <a:latin typeface="나눔스퀘어 ExtraBold" panose="020B0600000101010101" pitchFamily="50" charset="-127"/>
+                <a:ea typeface="나눔스퀘어 ExtraBold" panose="020B0600000101010101" pitchFamily="50" charset="-127"/>
+              </a:rPr>
+              <a:t>-</a:t>
+            </a:r>
+            <a:r>
+              <a:rPr lang="ko-KR" altLang="en-US" spc="-150" dirty="0">
+                <a:solidFill>
+                  <a:srgbClr val="00002F"/>
+                </a:solidFill>
+                <a:latin typeface="나눔스퀘어 ExtraBold" panose="020B0600000101010101" pitchFamily="50" charset="-127"/>
+                <a:ea typeface="나눔스퀘어 ExtraBold" panose="020B0600000101010101" pitchFamily="50" charset="-127"/>
+              </a:rPr>
+              <a:t>드래그를 통해 </a:t>
+            </a:r>
+            <a:r>
+              <a:rPr lang="ko-KR" altLang="en-US" spc="-150" dirty="0" err="1">
+                <a:solidFill>
+                  <a:srgbClr val="00002F"/>
+                </a:solidFill>
+                <a:latin typeface="나눔스퀘어 ExtraBold" panose="020B0600000101010101" pitchFamily="50" charset="-127"/>
+                <a:ea typeface="나눔스퀘어 ExtraBold" panose="020B0600000101010101" pitchFamily="50" charset="-127"/>
+              </a:rPr>
+              <a:t>별점을</a:t>
+            </a:r>
+            <a:r>
+              <a:rPr lang="ko-KR" altLang="en-US" spc="-150" dirty="0">
+                <a:solidFill>
+                  <a:srgbClr val="00002F"/>
+                </a:solidFill>
+                <a:latin typeface="나눔스퀘어 ExtraBold" panose="020B0600000101010101" pitchFamily="50" charset="-127"/>
+                <a:ea typeface="나눔스퀘어 ExtraBold" panose="020B0600000101010101" pitchFamily="50" charset="-127"/>
+              </a:rPr>
+              <a:t> 입력할 수 있습니다</a:t>
+            </a:r>
+            <a:r>
+              <a:rPr lang="en-US" altLang="ko-KR" spc="-150" dirty="0">
                 <a:solidFill>
                   <a:srgbClr val="00002F"/>
                 </a:solidFill>
@@ -36331,6 +35677,26 @@
               <a:t>.</a:t>
             </a:r>
             <a:r>
+              <a:rPr lang="ko-KR" altLang="ko-KR" spc="-150" dirty="0">
+                <a:solidFill>
+                  <a:srgbClr val="00002F"/>
+                </a:solidFill>
+                <a:latin typeface="나눔스퀘어 ExtraBold" panose="020B0600000101010101" pitchFamily="50" charset="-127"/>
+                <a:ea typeface="나눔스퀘어 ExtraBold" panose="020B0600000101010101" pitchFamily="50" charset="-127"/>
+              </a:rPr>
+              <a:t> </a:t>
+            </a:r>
+            <a:r>
+              <a:rPr lang="ko-KR" altLang="en-US" spc="-150" dirty="0">
+                <a:solidFill>
+                  <a:srgbClr val="00002F"/>
+                </a:solidFill>
+                <a:latin typeface="나눔스퀘어 ExtraBold" panose="020B0600000101010101" pitchFamily="50" charset="-127"/>
+                <a:ea typeface="나눔스퀘어 ExtraBold" panose="020B0600000101010101" pitchFamily="50" charset="-127"/>
+              </a:rPr>
+              <a:t>입력에 따라</a:t>
+            </a:r>
+            <a:r>
               <a:rPr lang="en-US" altLang="ko-KR" spc="-150" dirty="0">
                 <a:solidFill>
                   <a:srgbClr val="00002F"/>
@@ -36341,14 +35707,14 @@
               <a:t> </a:t>
             </a:r>
             <a:r>
-              <a:rPr lang="en-US" altLang="ko-KR" spc="-150" dirty="0" smtClean="0">
-                <a:solidFill>
-                  <a:srgbClr val="00002F"/>
-                </a:solidFill>
-                <a:latin typeface="나눔스퀘어 ExtraBold" panose="020B0600000101010101" pitchFamily="50" charset="-127"/>
-                <a:ea typeface="나눔스퀘어 ExtraBold" panose="020B0600000101010101" pitchFamily="50" charset="-127"/>
-              </a:rPr>
-              <a:t>‘</a:t>
+              <a:rPr lang="ko-KR" altLang="ko-KR" spc="-150" dirty="0">
+                <a:solidFill>
+                  <a:srgbClr val="00002F"/>
+                </a:solidFill>
+                <a:latin typeface="나눔스퀘어 ExtraBold" panose="020B0600000101010101" pitchFamily="50" charset="-127"/>
+                <a:ea typeface="나눔스퀘어 ExtraBold" panose="020B0600000101010101" pitchFamily="50" charset="-127"/>
+              </a:rPr>
+              <a:t>해당 </a:t>
             </a:r>
             <a:r>
               <a:rPr lang="ko-KR" altLang="ko-KR" spc="-150" dirty="0" err="1">
@@ -36361,6 +35727,26 @@
               <a:t>별점</a:t>
             </a:r>
             <a:r>
+              <a:rPr lang="ko-KR" altLang="ko-KR" spc="-150" dirty="0">
+                <a:solidFill>
+                  <a:srgbClr val="00002F"/>
+                </a:solidFill>
+                <a:latin typeface="나눔스퀘어 ExtraBold" panose="020B0600000101010101" pitchFamily="50" charset="-127"/>
+                <a:ea typeface="나눔스퀘어 ExtraBold" panose="020B0600000101010101" pitchFamily="50" charset="-127"/>
+              </a:rPr>
+              <a:t> 이상의 리뷰 글</a:t>
+            </a:r>
+            <a:r>
+              <a:rPr lang="ko-KR" altLang="en-US" spc="-150" dirty="0">
+                <a:solidFill>
+                  <a:srgbClr val="00002F"/>
+                </a:solidFill>
+                <a:latin typeface="나눔스퀘어 ExtraBold" panose="020B0600000101010101" pitchFamily="50" charset="-127"/>
+                <a:ea typeface="나눔스퀘어 ExtraBold" panose="020B0600000101010101" pitchFamily="50" charset="-127"/>
+              </a:rPr>
+              <a:t>들을</a:t>
+            </a:r>
+            <a:r>
               <a:rPr lang="en-US" altLang="ko-KR" spc="-150" dirty="0">
                 <a:solidFill>
                   <a:srgbClr val="00002F"/>
@@ -36368,107 +35754,7 @@
                 <a:latin typeface="나눔스퀘어 ExtraBold" panose="020B0600000101010101" pitchFamily="50" charset="-127"/>
                 <a:ea typeface="나눔스퀘어 ExtraBold" panose="020B0600000101010101" pitchFamily="50" charset="-127"/>
               </a:rPr>
-              <a:t>’ </a:t>
-            </a:r>
-            <a:r>
-              <a:rPr lang="ko-KR" altLang="ko-KR" spc="-150" dirty="0" smtClean="0">
-                <a:solidFill>
-                  <a:srgbClr val="00002F"/>
-                </a:solidFill>
-                <a:latin typeface="나눔스퀘어 ExtraBold" panose="020B0600000101010101" pitchFamily="50" charset="-127"/>
-                <a:ea typeface="나눔스퀘어 ExtraBold" panose="020B0600000101010101" pitchFamily="50" charset="-127"/>
-              </a:rPr>
-              <a:t>옵션</a:t>
-            </a:r>
-            <a:r>
-              <a:rPr lang="ko-KR" altLang="en-US" spc="-150" dirty="0" smtClean="0">
-                <a:solidFill>
-                  <a:srgbClr val="00002F"/>
-                </a:solidFill>
-                <a:latin typeface="나눔스퀘어 ExtraBold" panose="020B0600000101010101" pitchFamily="50" charset="-127"/>
-                <a:ea typeface="나눔스퀘어 ExtraBold" panose="020B0600000101010101" pitchFamily="50" charset="-127"/>
-              </a:rPr>
-              <a:t>은 클릭</a:t>
-            </a:r>
-            <a:r>
-              <a:rPr lang="en-US" altLang="ko-KR" spc="-150" dirty="0" smtClean="0">
-                <a:solidFill>
-                  <a:srgbClr val="00002F"/>
-                </a:solidFill>
-                <a:latin typeface="나눔스퀘어 ExtraBold" panose="020B0600000101010101" pitchFamily="50" charset="-127"/>
-                <a:ea typeface="나눔스퀘어 ExtraBold" panose="020B0600000101010101" pitchFamily="50" charset="-127"/>
-              </a:rPr>
-              <a:t>-</a:t>
-            </a:r>
-            <a:r>
-              <a:rPr lang="ko-KR" altLang="en-US" spc="-150" dirty="0" smtClean="0">
-                <a:solidFill>
-                  <a:srgbClr val="00002F"/>
-                </a:solidFill>
-                <a:latin typeface="나눔스퀘어 ExtraBold" panose="020B0600000101010101" pitchFamily="50" charset="-127"/>
-                <a:ea typeface="나눔스퀘어 ExtraBold" panose="020B0600000101010101" pitchFamily="50" charset="-127"/>
-              </a:rPr>
-              <a:t>드래그를 통해 </a:t>
-            </a:r>
-            <a:r>
-              <a:rPr lang="ko-KR" altLang="en-US" spc="-150" dirty="0" err="1" smtClean="0">
-                <a:solidFill>
-                  <a:srgbClr val="00002F"/>
-                </a:solidFill>
-                <a:latin typeface="나눔스퀘어 ExtraBold" panose="020B0600000101010101" pitchFamily="50" charset="-127"/>
-                <a:ea typeface="나눔스퀘어 ExtraBold" panose="020B0600000101010101" pitchFamily="50" charset="-127"/>
-              </a:rPr>
-              <a:t>별점을</a:t>
-            </a:r>
-            <a:r>
-              <a:rPr lang="ko-KR" altLang="en-US" spc="-150" dirty="0" smtClean="0">
-                <a:solidFill>
-                  <a:srgbClr val="00002F"/>
-                </a:solidFill>
-                <a:latin typeface="나눔스퀘어 ExtraBold" panose="020B0600000101010101" pitchFamily="50" charset="-127"/>
-                <a:ea typeface="나눔스퀘어 ExtraBold" panose="020B0600000101010101" pitchFamily="50" charset="-127"/>
-              </a:rPr>
-              <a:t> 입력할 수 있습니다</a:t>
-            </a:r>
-            <a:r>
-              <a:rPr lang="en-US" altLang="ko-KR" spc="-150" dirty="0" smtClean="0">
-                <a:solidFill>
-                  <a:srgbClr val="00002F"/>
-                </a:solidFill>
-                <a:latin typeface="나눔스퀘어 ExtraBold" panose="020B0600000101010101" pitchFamily="50" charset="-127"/>
-                <a:ea typeface="나눔스퀘어 ExtraBold" panose="020B0600000101010101" pitchFamily="50" charset="-127"/>
-              </a:rPr>
-              <a:t>.</a:t>
-            </a:r>
-            <a:r>
-              <a:rPr lang="ko-KR" altLang="ko-KR" spc="-150" dirty="0" smtClean="0">
-                <a:solidFill>
-                  <a:srgbClr val="00002F"/>
-                </a:solidFill>
-                <a:latin typeface="나눔스퀘어 ExtraBold" panose="020B0600000101010101" pitchFamily="50" charset="-127"/>
-                <a:ea typeface="나눔스퀘어 ExtraBold" panose="020B0600000101010101" pitchFamily="50" charset="-127"/>
-              </a:rPr>
-              <a:t> </a:t>
-            </a:r>
-            <a:r>
-              <a:rPr lang="ko-KR" altLang="en-US" spc="-150" dirty="0" smtClean="0">
-                <a:solidFill>
-                  <a:srgbClr val="00002F"/>
-                </a:solidFill>
-                <a:latin typeface="나눔스퀘어 ExtraBold" panose="020B0600000101010101" pitchFamily="50" charset="-127"/>
-                <a:ea typeface="나눔스퀘어 ExtraBold" panose="020B0600000101010101" pitchFamily="50" charset="-127"/>
-              </a:rPr>
-              <a:t>입력에 따라</a:t>
-            </a:r>
-            <a:r>
-              <a:rPr lang="en-US" altLang="ko-KR" spc="-150" dirty="0" smtClean="0">
-                <a:solidFill>
-                  <a:srgbClr val="00002F"/>
-                </a:solidFill>
-                <a:latin typeface="나눔스퀘어 ExtraBold" panose="020B0600000101010101" pitchFamily="50" charset="-127"/>
-                <a:ea typeface="나눔스퀘어 ExtraBold" panose="020B0600000101010101" pitchFamily="50" charset="-127"/>
-              </a:rPr>
-              <a:t> </a:t>
+              <a:t> html</a:t>
             </a:r>
             <a:r>
               <a:rPr lang="ko-KR" altLang="ko-KR" spc="-150" dirty="0">
@@ -36478,17 +35764,17 @@
                 <a:latin typeface="나눔스퀘어 ExtraBold" panose="020B0600000101010101" pitchFamily="50" charset="-127"/>
                 <a:ea typeface="나눔스퀘어 ExtraBold" panose="020B0600000101010101" pitchFamily="50" charset="-127"/>
               </a:rPr>
-              <a:t>해당 </a:t>
-            </a:r>
-            <a:r>
-              <a:rPr lang="ko-KR" altLang="ko-KR" spc="-150" dirty="0" err="1">
-                <a:solidFill>
-                  <a:srgbClr val="00002F"/>
-                </a:solidFill>
-                <a:latin typeface="나눔스퀘어 ExtraBold" panose="020B0600000101010101" pitchFamily="50" charset="-127"/>
-                <a:ea typeface="나눔스퀘어 ExtraBold" panose="020B0600000101010101" pitchFamily="50" charset="-127"/>
-              </a:rPr>
-              <a:t>별점</a:t>
+              <a:t>상에서 자동으로 가</a:t>
+            </a:r>
+            <a:r>
+              <a:rPr lang="ko-KR" altLang="en-US" spc="-150" dirty="0">
+                <a:solidFill>
+                  <a:srgbClr val="00002F"/>
+                </a:solidFill>
+                <a:latin typeface="나눔스퀘어 ExtraBold" panose="020B0600000101010101" pitchFamily="50" charset="-127"/>
+                <a:ea typeface="나눔스퀘어 ExtraBold" panose="020B0600000101010101" pitchFamily="50" charset="-127"/>
+              </a:rPr>
+              <a:t>리게 </a:t>
             </a:r>
             <a:r>
               <a:rPr lang="ko-KR" altLang="ko-KR" spc="-150" dirty="0">
@@ -36498,97 +35784,7 @@
                 <a:latin typeface="나눔스퀘어 ExtraBold" panose="020B0600000101010101" pitchFamily="50" charset="-127"/>
                 <a:ea typeface="나눔스퀘어 ExtraBold" panose="020B0600000101010101" pitchFamily="50" charset="-127"/>
               </a:rPr>
-              <a:t> 이상의 리뷰 </a:t>
-            </a:r>
-            <a:r>
-              <a:rPr lang="ko-KR" altLang="ko-KR" spc="-150" dirty="0" smtClean="0">
-                <a:solidFill>
-                  <a:srgbClr val="00002F"/>
-                </a:solidFill>
-                <a:latin typeface="나눔스퀘어 ExtraBold" panose="020B0600000101010101" pitchFamily="50" charset="-127"/>
-                <a:ea typeface="나눔스퀘어 ExtraBold" panose="020B0600000101010101" pitchFamily="50" charset="-127"/>
-              </a:rPr>
-              <a:t>글</a:t>
-            </a:r>
-            <a:r>
-              <a:rPr lang="ko-KR" altLang="en-US" spc="-150" dirty="0" smtClean="0">
-                <a:solidFill>
-                  <a:srgbClr val="00002F"/>
-                </a:solidFill>
-                <a:latin typeface="나눔스퀘어 ExtraBold" panose="020B0600000101010101" pitchFamily="50" charset="-127"/>
-                <a:ea typeface="나눔스퀘어 ExtraBold" panose="020B0600000101010101" pitchFamily="50" charset="-127"/>
-              </a:rPr>
-              <a:t>들을</a:t>
-            </a:r>
-            <a:r>
-              <a:rPr lang="en-US" altLang="ko-KR" spc="-150" dirty="0" smtClean="0">
-                <a:solidFill>
-                  <a:srgbClr val="00002F"/>
-                </a:solidFill>
-                <a:latin typeface="나눔스퀘어 ExtraBold" panose="020B0600000101010101" pitchFamily="50" charset="-127"/>
-                <a:ea typeface="나눔스퀘어 ExtraBold" panose="020B0600000101010101" pitchFamily="50" charset="-127"/>
-              </a:rPr>
-              <a:t> </a:t>
-            </a:r>
-            <a:r>
-              <a:rPr lang="en-US" altLang="ko-KR" spc="-150" dirty="0">
-                <a:solidFill>
-                  <a:srgbClr val="00002F"/>
-                </a:solidFill>
-                <a:latin typeface="나눔스퀘어 ExtraBold" panose="020B0600000101010101" pitchFamily="50" charset="-127"/>
-                <a:ea typeface="나눔스퀘어 ExtraBold" panose="020B0600000101010101" pitchFamily="50" charset="-127"/>
-              </a:rPr>
-              <a:t>html</a:t>
-            </a:r>
-            <a:r>
-              <a:rPr lang="ko-KR" altLang="ko-KR" spc="-150" dirty="0">
-                <a:solidFill>
-                  <a:srgbClr val="00002F"/>
-                </a:solidFill>
-                <a:latin typeface="나눔스퀘어 ExtraBold" panose="020B0600000101010101" pitchFamily="50" charset="-127"/>
-                <a:ea typeface="나눔스퀘어 ExtraBold" panose="020B0600000101010101" pitchFamily="50" charset="-127"/>
-              </a:rPr>
-              <a:t>상에서 자동으로 </a:t>
-            </a:r>
-            <a:r>
-              <a:rPr lang="ko-KR" altLang="ko-KR" spc="-150" dirty="0" smtClean="0">
-                <a:solidFill>
-                  <a:srgbClr val="00002F"/>
-                </a:solidFill>
-                <a:latin typeface="나눔스퀘어 ExtraBold" panose="020B0600000101010101" pitchFamily="50" charset="-127"/>
-                <a:ea typeface="나눔스퀘어 ExtraBold" panose="020B0600000101010101" pitchFamily="50" charset="-127"/>
-              </a:rPr>
-              <a:t>가</a:t>
-            </a:r>
-            <a:r>
-              <a:rPr lang="ko-KR" altLang="en-US" spc="-150" dirty="0" smtClean="0">
-                <a:solidFill>
-                  <a:srgbClr val="00002F"/>
-                </a:solidFill>
-                <a:latin typeface="나눔스퀘어 ExtraBold" panose="020B0600000101010101" pitchFamily="50" charset="-127"/>
-                <a:ea typeface="나눔스퀘어 ExtraBold" panose="020B0600000101010101" pitchFamily="50" charset="-127"/>
-              </a:rPr>
-              <a:t>리게 </a:t>
-            </a:r>
-            <a:r>
-              <a:rPr lang="ko-KR" altLang="ko-KR" spc="-150" dirty="0" smtClean="0">
-                <a:solidFill>
-                  <a:srgbClr val="00002F"/>
-                </a:solidFill>
-                <a:latin typeface="나눔스퀘어 ExtraBold" panose="020B0600000101010101" pitchFamily="50" charset="-127"/>
-                <a:ea typeface="나눔스퀘어 ExtraBold" panose="020B0600000101010101" pitchFamily="50" charset="-127"/>
-              </a:rPr>
-              <a:t>될 </a:t>
-            </a:r>
-            <a:r>
-              <a:rPr lang="ko-KR" altLang="ko-KR" spc="-150" dirty="0">
-                <a:solidFill>
-                  <a:srgbClr val="00002F"/>
-                </a:solidFill>
-                <a:latin typeface="나눔스퀘어 ExtraBold" panose="020B0600000101010101" pitchFamily="50" charset="-127"/>
-                <a:ea typeface="나눔스퀘어 ExtraBold" panose="020B0600000101010101" pitchFamily="50" charset="-127"/>
-              </a:rPr>
-              <a:t>것입니다</a:t>
+              <a:t>될 것입니다</a:t>
             </a:r>
             <a:r>
               <a:rPr lang="en-US" altLang="ko-KR" spc="-150" dirty="0">
@@ -36675,16 +35871,6 @@
               <a:t>상에서 리뷰 글들을 </a:t>
             </a:r>
             <a:r>
-              <a:rPr lang="en-US" altLang="ko-KR" spc="-150" dirty="0" smtClean="0">
-                <a:solidFill>
-                  <a:srgbClr val="00002F"/>
-                </a:solidFill>
-                <a:latin typeface="나눔스퀘어 ExtraBold" panose="020B0600000101010101" pitchFamily="50" charset="-127"/>
-                <a:ea typeface="나눔스퀘어 ExtraBold" panose="020B0600000101010101" pitchFamily="50" charset="-127"/>
-              </a:rPr>
-              <a:t>Sentiment </a:t>
-            </a:r>
-            <a:r>
               <a:rPr lang="en-US" altLang="ko-KR" spc="-150" dirty="0">
                 <a:solidFill>
                   <a:srgbClr val="00002F"/>
@@ -36692,17 +35878,7 @@
                 <a:latin typeface="나눔스퀘어 ExtraBold" panose="020B0600000101010101" pitchFamily="50" charset="-127"/>
                 <a:ea typeface="나눔스퀘어 ExtraBold" panose="020B0600000101010101" pitchFamily="50" charset="-127"/>
               </a:rPr>
-              <a:t>A</a:t>
-            </a:r>
-            <a:r>
-              <a:rPr lang="en-US" altLang="ko-KR" spc="-150" dirty="0" smtClean="0">
-                <a:solidFill>
-                  <a:srgbClr val="00002F"/>
-                </a:solidFill>
-                <a:latin typeface="나눔스퀘어 ExtraBold" panose="020B0600000101010101" pitchFamily="50" charset="-127"/>
-                <a:ea typeface="나눔스퀘어 ExtraBold" panose="020B0600000101010101" pitchFamily="50" charset="-127"/>
-              </a:rPr>
-              <a:t>nalysis</a:t>
+              <a:t>Sentiment Analysis</a:t>
             </a:r>
             <a:r>
               <a:rPr lang="ko-KR" altLang="ko-KR" spc="-150" dirty="0">
@@ -36846,7 +36022,7 @@
           <a:lstStyle/>
           <a:p>
             <a:r>
-              <a:rPr lang="ko-KR" altLang="en-US" spc="-150" dirty="0" smtClean="0">
+              <a:rPr lang="ko-KR" altLang="en-US" spc="-150" dirty="0">
                 <a:solidFill>
                   <a:srgbClr val="5D9CA1"/>
                 </a:solidFill>
@@ -36888,7 +36064,7 @@
           <a:lstStyle/>
           <a:p>
             <a:r>
-              <a:rPr lang="ko-KR" altLang="en-US" spc="-150" dirty="0" smtClean="0">
+              <a:rPr lang="ko-KR" altLang="en-US" spc="-150" dirty="0">
                 <a:solidFill>
                   <a:srgbClr val="5D9CA1"/>
                 </a:solidFill>
@@ -36931,7 +36107,7 @@
           <a:p>
             <a:pPr algn="ctr"/>
             <a:r>
-              <a:rPr lang="en-US" altLang="ko-KR" sz="3200" dirty="0" smtClean="0">
+              <a:rPr lang="en-US" altLang="ko-KR" sz="3200" dirty="0">
                 <a:solidFill>
                   <a:srgbClr val="00002F"/>
                 </a:solidFill>
@@ -36973,7 +36149,7 @@
           <a:lstStyle/>
           <a:p>
             <a:r>
-              <a:rPr lang="en-US" altLang="ko-KR" spc="-150" dirty="0" err="1" smtClean="0">
+              <a:rPr lang="en-US" altLang="ko-KR" spc="-150" dirty="0" err="1">
                 <a:solidFill>
                   <a:srgbClr val="00002F"/>
                 </a:solidFill>
@@ -37048,13 +36224,6 @@
   <p:clrMapOvr>
     <a:masterClrMapping/>
   </p:clrMapOvr>
-  <p:timing>
-    <p:tnLst>
-      <p:par>
-        <p:cTn id="1" dur="indefinite" restart="never" nodeType="tmRoot"/>
-      </p:par>
-    </p:tnLst>
-  </p:timing>
 </p:sld>
 </file>
 
@@ -37308,7 +36477,7 @@
           <a:p>
             <a:pPr algn="ctr"/>
             <a:r>
-              <a:rPr lang="en-US" altLang="ko-KR" sz="2400" spc="-150" dirty="0" smtClean="0">
+              <a:rPr lang="en-US" altLang="ko-KR" sz="2400" spc="-150" dirty="0">
                 <a:solidFill>
                   <a:srgbClr val="00002F"/>
                 </a:solidFill>
@@ -37455,7 +36624,7 @@
               <a:t> </a:t>
             </a:r>
             <a:r>
-              <a:rPr lang="en-US" altLang="ko-KR" spc="-150" dirty="0" smtClean="0">
+              <a:rPr lang="en-US" altLang="ko-KR" spc="-150" dirty="0">
                 <a:solidFill>
                   <a:srgbClr val="00002F"/>
                 </a:solidFill>
@@ -37492,20 +36661,10 @@
                 <a:latin typeface="나눔스퀘어 ExtraBold" panose="020B0600000101010101" pitchFamily="50" charset="-127"/>
                 <a:ea typeface="나눔스퀘어 ExtraBold" panose="020B0600000101010101" pitchFamily="50" charset="-127"/>
               </a:rPr>
-              <a:t>어느 한쪽에 치우치지 않고 사용자의 판단에 도움이 될 리뷰 글들을 </a:t>
-            </a:r>
-            <a:r>
-              <a:rPr lang="ko-KR" altLang="ko-KR" spc="-150" dirty="0" smtClean="0">
-                <a:solidFill>
-                  <a:srgbClr val="00002F"/>
-                </a:solidFill>
-                <a:latin typeface="나눔스퀘어 ExtraBold" panose="020B0600000101010101" pitchFamily="50" charset="-127"/>
-                <a:ea typeface="나눔스퀘어 ExtraBold" panose="020B0600000101010101" pitchFamily="50" charset="-127"/>
-              </a:rPr>
-              <a:t>강조해줍니다</a:t>
-            </a:r>
-            <a:r>
-              <a:rPr lang="en-US" altLang="ko-KR" spc="-150" dirty="0" smtClean="0">
+              <a:t>어느 한쪽에 치우치지 않고 사용자의 판단에 도움이 될 리뷰 글들을 강조해줍니다</a:t>
+            </a:r>
+            <a:r>
+              <a:rPr lang="en-US" altLang="ko-KR" spc="-150" dirty="0">
                 <a:solidFill>
                   <a:srgbClr val="00002F"/>
                 </a:solidFill>
@@ -37548,7 +36707,7 @@
           <a:p>
             <a:pPr algn="ctr"/>
             <a:r>
-              <a:rPr lang="en-US" altLang="ko-KR" sz="3200" dirty="0" smtClean="0">
+              <a:rPr lang="en-US" altLang="ko-KR" sz="3200" dirty="0">
                 <a:solidFill>
                   <a:srgbClr val="00002F"/>
                 </a:solidFill>
@@ -37590,7 +36749,7 @@
           <a:lstStyle/>
           <a:p>
             <a:r>
-              <a:rPr lang="en-US" altLang="ko-KR" spc="-150" dirty="0" err="1" smtClean="0">
+              <a:rPr lang="en-US" altLang="ko-KR" spc="-150" dirty="0" err="1">
                 <a:solidFill>
                   <a:srgbClr val="00002F"/>
                 </a:solidFill>
@@ -37744,7 +36903,7 @@
           <a:lstStyle/>
           <a:p>
             <a:r>
-              <a:rPr lang="ko-KR" altLang="en-US" spc="-150" dirty="0" smtClean="0">
+              <a:rPr lang="ko-KR" altLang="en-US" spc="-150" dirty="0">
                 <a:solidFill>
                   <a:srgbClr val="5D9CA1"/>
                 </a:solidFill>
@@ -37786,7 +36945,7 @@
           <a:lstStyle/>
           <a:p>
             <a:r>
-              <a:rPr lang="ko-KR" altLang="en-US" spc="-150" dirty="0" smtClean="0">
+              <a:rPr lang="ko-KR" altLang="en-US" spc="-150" dirty="0">
                 <a:solidFill>
                   <a:srgbClr val="5D9CA1"/>
                 </a:solidFill>
@@ -37851,6 +37010,58 @@
           </a:p>
         </p:txBody>
       </p:sp>
+      <p:sp>
+        <p:nvSpPr>
+          <p:cNvPr id="2" name="직사각형 1">
+            <a:extLst>
+              <a:ext uri="{FF2B5EF4-FFF2-40B4-BE49-F238E27FC236}">
+                <a16:creationId xmlns:a16="http://schemas.microsoft.com/office/drawing/2014/main" id="{E69AD71C-89C7-45A4-AC89-A08F762EB7D1}"/>
+              </a:ext>
+            </a:extLst>
+          </p:cNvPr>
+          <p:cNvSpPr/>
+          <p:nvPr/>
+        </p:nvSpPr>
+        <p:spPr>
+          <a:xfrm>
+            <a:off x="7171765" y="4204447"/>
+            <a:ext cx="4177553" cy="188259"/>
+          </a:xfrm>
+          <a:prstGeom prst="rect">
+            <a:avLst/>
+          </a:prstGeom>
+          <a:noFill/>
+          <a:ln w="19050">
+            <a:solidFill>
+              <a:srgbClr val="FF0000"/>
+            </a:solidFill>
+          </a:ln>
+        </p:spPr>
+        <p:style>
+          <a:lnRef idx="2">
+            <a:schemeClr val="accent1">
+              <a:shade val="50000"/>
+            </a:schemeClr>
+          </a:lnRef>
+          <a:fillRef idx="1">
+            <a:schemeClr val="accent1"/>
+          </a:fillRef>
+          <a:effectRef idx="0">
+            <a:schemeClr val="accent1"/>
+          </a:effectRef>
+          <a:fontRef idx="minor">
+            <a:schemeClr val="lt1"/>
+          </a:fontRef>
+        </p:style>
+        <p:txBody>
+          <a:bodyPr rtlCol="0" anchor="ctr"/>
+          <a:lstStyle/>
+          <a:p>
+            <a:pPr algn="ctr"/>
+            <a:endParaRPr lang="ko-KR" altLang="en-US"/>
+          </a:p>
+        </p:txBody>
+      </p:sp>
     </p:spTree>
     <p:extLst>
       <p:ext uri="{BB962C8B-B14F-4D97-AF65-F5344CB8AC3E}">
@@ -37864,9 +37075,88 @@
   <p:timing>
     <p:tnLst>
       <p:par>
-        <p:cTn id="1" dur="indefinite" restart="never" nodeType="tmRoot"/>
+        <p:cTn id="1" dur="indefinite" restart="never" nodeType="tmRoot">
+          <p:childTnLst>
+            <p:seq concurrent="1" nextAc="seek">
+              <p:cTn id="2" dur="indefinite" nodeType="mainSeq">
+                <p:childTnLst>
+                  <p:par>
+                    <p:cTn id="3" fill="hold">
+                      <p:stCondLst>
+                        <p:cond delay="indefinite"/>
+                      </p:stCondLst>
+                      <p:childTnLst>
+                        <p:par>
+                          <p:cTn id="4" fill="hold">
+                            <p:stCondLst>
+                              <p:cond delay="0"/>
+                            </p:stCondLst>
+                            <p:childTnLst>
+                              <p:par>
+                                <p:cTn id="5" presetID="21" presetClass="entr" presetSubtype="1" fill="hold" grpId="0" nodeType="clickEffect">
+                                  <p:stCondLst>
+                                    <p:cond delay="0"/>
+                                  </p:stCondLst>
+                                  <p:childTnLst>
+                                    <p:set>
+                                      <p:cBhvr>
+                                        <p:cTn id="6" dur="1" fill="hold">
+                                          <p:stCondLst>
+                                            <p:cond delay="0"/>
+                                          </p:stCondLst>
+                                        </p:cTn>
+                                        <p:tgtEl>
+                                          <p:spTgt spid="2"/>
+                                        </p:tgtEl>
+                                        <p:attrNameLst>
+                                          <p:attrName>style.visibility</p:attrName>
+                                        </p:attrNameLst>
+                                      </p:cBhvr>
+                                      <p:to>
+                                        <p:strVal val="visible"/>
+                                      </p:to>
+                                    </p:set>
+                                    <p:animEffect transition="in" filter="wheel(1)">
+                                      <p:cBhvr>
+                                        <p:cTn id="7" dur="250"/>
+                                        <p:tgtEl>
+                                          <p:spTgt spid="2"/>
+                                        </p:tgtEl>
+                                      </p:cBhvr>
+                                    </p:animEffect>
+                                  </p:childTnLst>
+                                </p:cTn>
+                              </p:par>
+                            </p:childTnLst>
+                          </p:cTn>
+                        </p:par>
+                      </p:childTnLst>
+                    </p:cTn>
+                  </p:par>
+                </p:childTnLst>
+              </p:cTn>
+              <p:prevCondLst>
+                <p:cond evt="onPrev" delay="0">
+                  <p:tgtEl>
+                    <p:sldTgt/>
+                  </p:tgtEl>
+                </p:cond>
+              </p:prevCondLst>
+              <p:nextCondLst>
+                <p:cond evt="onNext" delay="0">
+                  <p:tgtEl>
+                    <p:sldTgt/>
+                  </p:tgtEl>
+                </p:cond>
+              </p:nextCondLst>
+            </p:seq>
+          </p:childTnLst>
+        </p:cTn>
       </p:par>
     </p:tnLst>
+    <p:bldLst>
+      <p:bldP spid="2" grpId="0" animBg="1"/>
+    </p:bldLst>
   </p:timing>
 </p:sld>
 </file>
@@ -38121,7 +37411,7 @@
           <a:p>
             <a:pPr algn="ctr"/>
             <a:r>
-              <a:rPr lang="en-US" altLang="ko-KR" sz="2400" spc="-150" dirty="0" smtClean="0">
+              <a:rPr lang="en-US" altLang="ko-KR" sz="2400" spc="-150" dirty="0">
                 <a:solidFill>
                   <a:srgbClr val="00002F"/>
                 </a:solidFill>
@@ -38211,7 +37501,7 @@
               </a:lnSpc>
             </a:pPr>
             <a:r>
-              <a:rPr lang="en-US" altLang="ko-KR" sz="1900" spc="-150" dirty="0" smtClean="0">
+              <a:rPr lang="en-US" altLang="ko-KR" sz="1900" spc="-150" dirty="0">
                 <a:solidFill>
                   <a:srgbClr val="00002F"/>
                 </a:solidFill>
@@ -38231,7 +37521,7 @@
               <a:t>시스템은 </a:t>
             </a:r>
             <a:r>
-              <a:rPr lang="ko-KR" altLang="en-US" sz="1900" spc="-150" dirty="0" smtClean="0">
+              <a:rPr lang="ko-KR" altLang="en-US" sz="1900" spc="-150" dirty="0">
                 <a:solidFill>
                   <a:srgbClr val="00002F"/>
                 </a:solidFill>
@@ -38241,7 +37531,7 @@
               <a:t>크롬 확장프로그램 란에 추가된 </a:t>
             </a:r>
             <a:r>
-              <a:rPr lang="en-US" altLang="ko-KR" sz="1900" spc="-150" dirty="0" smtClean="0">
+              <a:rPr lang="en-US" altLang="ko-KR" sz="1900" spc="-150" dirty="0">
                 <a:solidFill>
                   <a:srgbClr val="00002F"/>
                 </a:solidFill>
@@ -38251,7 +37541,7 @@
               <a:t>UI</a:t>
             </a:r>
             <a:r>
-              <a:rPr lang="ko-KR" altLang="en-US" sz="1900" spc="-150" dirty="0" smtClean="0">
+              <a:rPr lang="ko-KR" altLang="en-US" sz="1900" spc="-150" dirty="0">
                 <a:solidFill>
                   <a:srgbClr val="00002F"/>
                 </a:solidFill>
@@ -38261,7 +37551,7 @@
               <a:t>를 마우스 클릭을 통해 </a:t>
             </a:r>
             <a:r>
-              <a:rPr lang="ko-KR" altLang="ko-KR" sz="1900" spc="-150" dirty="0" smtClean="0">
+              <a:rPr lang="ko-KR" altLang="ko-KR" sz="1900" spc="-150" dirty="0">
                 <a:solidFill>
                   <a:srgbClr val="00002F"/>
                 </a:solidFill>
@@ -38361,7 +37651,7 @@
               <a:t>, </a:t>
             </a:r>
             <a:r>
-              <a:rPr lang="ko-KR" altLang="en-US" sz="1900" spc="-150" dirty="0" smtClean="0">
+              <a:rPr lang="ko-KR" altLang="en-US" sz="1900" spc="-150" dirty="0">
                 <a:solidFill>
                   <a:srgbClr val="00002F"/>
                 </a:solidFill>
@@ -38371,7 +37661,7 @@
               <a:t>활성화</a:t>
             </a:r>
             <a:r>
-              <a:rPr lang="ko-KR" altLang="ko-KR" sz="1900" spc="-150" dirty="0" smtClean="0">
+              <a:rPr lang="ko-KR" altLang="ko-KR" sz="1900" spc="-150" dirty="0">
                 <a:solidFill>
                   <a:srgbClr val="00002F"/>
                 </a:solidFill>
@@ -38391,7 +37681,7 @@
               <a:t> </a:t>
             </a:r>
             <a:r>
-              <a:rPr lang="ko-KR" altLang="en-US" sz="1900" spc="-150" dirty="0" smtClean="0">
+              <a:rPr lang="ko-KR" altLang="en-US" sz="1900" spc="-150" dirty="0">
                 <a:solidFill>
                   <a:srgbClr val="00002F"/>
                 </a:solidFill>
@@ -38401,7 +37691,7 @@
               <a:t>나열할 수 있어야 합니다</a:t>
             </a:r>
             <a:r>
-              <a:rPr lang="en-US" altLang="ko-KR" sz="1900" spc="-150" dirty="0" smtClean="0">
+              <a:rPr lang="en-US" altLang="ko-KR" sz="1900" spc="-150" dirty="0">
                 <a:solidFill>
                   <a:srgbClr val="00002F"/>
                 </a:solidFill>
@@ -38418,7 +37708,7 @@
               </a:lnSpc>
             </a:pPr>
             <a:r>
-              <a:rPr lang="en-US" altLang="ko-KR" sz="1900" spc="-150" dirty="0" smtClean="0">
+              <a:rPr lang="en-US" altLang="ko-KR" sz="1900" spc="-150" dirty="0">
                 <a:solidFill>
                   <a:srgbClr val="00002F"/>
                 </a:solidFill>
@@ -38435,20 +37725,10 @@
                 <a:latin typeface="나눔스퀘어 ExtraBold" panose="020B0600000101010101" pitchFamily="50" charset="-127"/>
                 <a:ea typeface="나눔스퀘어 ExtraBold" panose="020B0600000101010101" pitchFamily="50" charset="-127"/>
               </a:rPr>
-              <a:t>시스템은 </a:t>
-            </a:r>
-            <a:r>
-              <a:rPr lang="ko-KR" altLang="ko-KR" sz="1900" spc="-150" dirty="0" smtClean="0">
-                <a:solidFill>
-                  <a:srgbClr val="00002F"/>
-                </a:solidFill>
-                <a:latin typeface="나눔스퀘어 ExtraBold" panose="020B0600000101010101" pitchFamily="50" charset="-127"/>
-                <a:ea typeface="나눔스퀘어 ExtraBold" panose="020B0600000101010101" pitchFamily="50" charset="-127"/>
-              </a:rPr>
-              <a:t>사용자</a:t>
-            </a:r>
-            <a:r>
-              <a:rPr lang="ko-KR" altLang="en-US" sz="1900" spc="-150" dirty="0" smtClean="0">
+              <a:t>시스템은 사용자</a:t>
+            </a:r>
+            <a:r>
+              <a:rPr lang="ko-KR" altLang="en-US" sz="1900" spc="-150" dirty="0">
                 <a:solidFill>
                   <a:srgbClr val="00002F"/>
                 </a:solidFill>
@@ -38458,7 +37738,7 @@
               <a:t>가</a:t>
             </a:r>
             <a:r>
-              <a:rPr lang="ko-KR" altLang="ko-KR" sz="1900" spc="-150" dirty="0" smtClean="0">
+              <a:rPr lang="ko-KR" altLang="ko-KR" sz="1900" spc="-150" dirty="0">
                 <a:solidFill>
                   <a:srgbClr val="00002F"/>
                 </a:solidFill>
@@ -38468,7 +37748,7 @@
               <a:t> </a:t>
             </a:r>
             <a:r>
-              <a:rPr lang="ko-KR" altLang="en-US" sz="1900" spc="-150" dirty="0" smtClean="0">
+              <a:rPr lang="ko-KR" altLang="en-US" sz="1900" spc="-150" dirty="0">
                 <a:solidFill>
                   <a:srgbClr val="00002F"/>
                 </a:solidFill>
@@ -38478,7 +37758,7 @@
               <a:t>마우스 클릭과 드래그를 통해 </a:t>
             </a:r>
             <a:r>
-              <a:rPr lang="ko-KR" altLang="ko-KR" sz="1900" spc="-150" dirty="0" err="1" smtClean="0">
+              <a:rPr lang="ko-KR" altLang="ko-KR" sz="1900" spc="-150" dirty="0" err="1">
                 <a:solidFill>
                   <a:srgbClr val="00002F"/>
                 </a:solidFill>
@@ -38488,7 +37768,7 @@
               <a:t>별점을</a:t>
             </a:r>
             <a:r>
-              <a:rPr lang="ko-KR" altLang="ko-KR" sz="1900" spc="-150" dirty="0" smtClean="0">
+              <a:rPr lang="ko-KR" altLang="ko-KR" sz="1900" spc="-150" dirty="0">
                 <a:solidFill>
                   <a:srgbClr val="00002F"/>
                 </a:solidFill>
@@ -38535,27 +37815,7 @@
                 <a:latin typeface="나눔스퀘어 ExtraBold" panose="020B0600000101010101" pitchFamily="50" charset="-127"/>
                 <a:ea typeface="나눔스퀘어 ExtraBold" panose="020B0600000101010101" pitchFamily="50" charset="-127"/>
               </a:rPr>
-              <a:t>단계까지 </a:t>
-            </a:r>
-            <a:r>
-              <a:rPr lang="ko-KR" altLang="ko-KR" sz="1900" spc="-150" dirty="0" smtClean="0">
-                <a:solidFill>
-                  <a:srgbClr val="00002F"/>
-                </a:solidFill>
-                <a:latin typeface="나눔스퀘어 ExtraBold" panose="020B0600000101010101" pitchFamily="50" charset="-127"/>
-                <a:ea typeface="나눔스퀘어 ExtraBold" panose="020B0600000101010101" pitchFamily="50" charset="-127"/>
-              </a:rPr>
-              <a:t>지정</a:t>
-            </a:r>
-            <a:r>
-              <a:rPr lang="ko-KR" altLang="en-US" sz="1900" spc="-150" dirty="0" smtClean="0">
-                <a:solidFill>
-                  <a:srgbClr val="00002F"/>
-                </a:solidFill>
-                <a:latin typeface="나눔스퀘어 ExtraBold" panose="020B0600000101010101" pitchFamily="50" charset="-127"/>
-                <a:ea typeface="나눔스퀘어 ExtraBold" panose="020B0600000101010101" pitchFamily="50" charset="-127"/>
-              </a:rPr>
-              <a:t>할 수 있게 해야 </a:t>
+              <a:t>단계까지 지정</a:t>
             </a:r>
             <a:r>
               <a:rPr lang="ko-KR" altLang="en-US" sz="1900" spc="-150" dirty="0">
@@ -38565,20 +37825,10 @@
                 <a:latin typeface="나눔스퀘어 ExtraBold" panose="020B0600000101010101" pitchFamily="50" charset="-127"/>
                 <a:ea typeface="나눔스퀘어 ExtraBold" panose="020B0600000101010101" pitchFamily="50" charset="-127"/>
               </a:rPr>
-              <a:t> </a:t>
-            </a:r>
-            <a:r>
-              <a:rPr lang="ko-KR" altLang="en-US" sz="1900" spc="-150" dirty="0" smtClean="0">
-                <a:solidFill>
-                  <a:srgbClr val="00002F"/>
-                </a:solidFill>
-                <a:latin typeface="나눔스퀘어 ExtraBold" panose="020B0600000101010101" pitchFamily="50" charset="-127"/>
-                <a:ea typeface="나눔스퀘어 ExtraBold" panose="020B0600000101010101" pitchFamily="50" charset="-127"/>
-              </a:rPr>
-              <a:t>합니다</a:t>
-            </a:r>
-            <a:r>
-              <a:rPr lang="en-US" altLang="ko-KR" sz="1900" spc="-150" dirty="0" smtClean="0">
+              <a:t>할 수 있게 해야  합니다</a:t>
+            </a:r>
+            <a:r>
+              <a:rPr lang="en-US" altLang="ko-KR" sz="1900" spc="-150" dirty="0">
                 <a:solidFill>
                   <a:srgbClr val="00002F"/>
                 </a:solidFill>
@@ -38595,16 +37845,6 @@
               </a:lnSpc>
             </a:pPr>
             <a:r>
-              <a:rPr lang="en-US" altLang="ko-KR" sz="1900" spc="-150" dirty="0" smtClean="0">
-                <a:solidFill>
-                  <a:srgbClr val="00002F"/>
-                </a:solidFill>
-                <a:latin typeface="나눔스퀘어 ExtraBold" panose="020B0600000101010101" pitchFamily="50" charset="-127"/>
-                <a:ea typeface="나눔스퀘어 ExtraBold" panose="020B0600000101010101" pitchFamily="50" charset="-127"/>
-              </a:rPr>
-              <a:t>REQ-3 (FR </a:t>
-            </a:r>
-            <a:r>
               <a:rPr lang="en-US" altLang="ko-KR" sz="1900" spc="-150" dirty="0">
                 <a:solidFill>
                   <a:srgbClr val="00002F"/>
@@ -38612,100 +37852,70 @@
                 <a:latin typeface="나눔스퀘어 ExtraBold" panose="020B0600000101010101" pitchFamily="50" charset="-127"/>
                 <a:ea typeface="나눔스퀘어 ExtraBold" panose="020B0600000101010101" pitchFamily="50" charset="-127"/>
               </a:rPr>
-              <a:t>/ </a:t>
-            </a:r>
-            <a:r>
-              <a:rPr lang="en-US" altLang="ko-KR" sz="1900" spc="-150" dirty="0" smtClean="0">
-                <a:solidFill>
-                  <a:srgbClr val="00002F"/>
-                </a:solidFill>
-                <a:latin typeface="나눔스퀘어 ExtraBold" panose="020B0600000101010101" pitchFamily="50" charset="-127"/>
-                <a:ea typeface="나눔스퀘어 ExtraBold" panose="020B0600000101010101" pitchFamily="50" charset="-127"/>
-              </a:rPr>
-              <a:t>4) </a:t>
+              <a:t>REQ-3 (FR / 4) : </a:t>
+            </a:r>
+            <a:r>
+              <a:rPr lang="ko-KR" altLang="ko-KR" sz="1900" spc="-150" dirty="0">
+                <a:solidFill>
+                  <a:srgbClr val="00002F"/>
+                </a:solidFill>
+                <a:latin typeface="나눔스퀘어 ExtraBold" panose="020B0600000101010101" pitchFamily="50" charset="-127"/>
+                <a:ea typeface="나눔스퀘어 ExtraBold" panose="020B0600000101010101" pitchFamily="50" charset="-127"/>
+              </a:rPr>
+              <a:t>시스템은 사용자가 </a:t>
+            </a:r>
+            <a:r>
+              <a:rPr lang="ko-KR" altLang="en-US" sz="1900" spc="-150" dirty="0">
+                <a:solidFill>
+                  <a:srgbClr val="00002F"/>
+                </a:solidFill>
+                <a:latin typeface="나눔스퀘어 ExtraBold" panose="020B0600000101010101" pitchFamily="50" charset="-127"/>
+                <a:ea typeface="나눔스퀘어 ExtraBold" panose="020B0600000101010101" pitchFamily="50" charset="-127"/>
+              </a:rPr>
+              <a:t>마우스 클릭을 통해 </a:t>
+            </a:r>
+            <a:r>
+              <a:rPr lang="ko-KR" altLang="ko-KR" sz="1900" spc="-150" dirty="0">
+                <a:solidFill>
+                  <a:srgbClr val="00002F"/>
+                </a:solidFill>
+                <a:latin typeface="나눔스퀘어 ExtraBold" panose="020B0600000101010101" pitchFamily="50" charset="-127"/>
+                <a:ea typeface="나눔스퀘어 ExtraBold" panose="020B0600000101010101" pitchFamily="50" charset="-127"/>
+              </a:rPr>
+              <a:t>매크로 리뷰 차단 여부 버튼을 </a:t>
+            </a:r>
+            <a:r>
+              <a:rPr lang="ko-KR" altLang="en-US" sz="1900" spc="-150" dirty="0">
+                <a:solidFill>
+                  <a:srgbClr val="00002F"/>
+                </a:solidFill>
+                <a:latin typeface="나눔스퀘어 ExtraBold" panose="020B0600000101010101" pitchFamily="50" charset="-127"/>
+                <a:ea typeface="나눔스퀘어 ExtraBold" panose="020B0600000101010101" pitchFamily="50" charset="-127"/>
+              </a:rPr>
+              <a:t>눌러</a:t>
+            </a:r>
+            <a:r>
+              <a:rPr lang="ko-KR" altLang="ko-KR" sz="1900" spc="-150" dirty="0">
+                <a:solidFill>
+                  <a:srgbClr val="00002F"/>
+                </a:solidFill>
+                <a:latin typeface="나눔스퀘어 ExtraBold" panose="020B0600000101010101" pitchFamily="50" charset="-127"/>
+                <a:ea typeface="나눔스퀘어 ExtraBold" panose="020B0600000101010101" pitchFamily="50" charset="-127"/>
+              </a:rPr>
+              <a:t> 활성화</a:t>
+            </a:r>
+            <a:r>
+              <a:rPr lang="ko-KR" altLang="en-US" sz="1900" spc="-150" dirty="0">
+                <a:solidFill>
+                  <a:srgbClr val="00002F"/>
+                </a:solidFill>
+                <a:latin typeface="나눔스퀘어 ExtraBold" panose="020B0600000101010101" pitchFamily="50" charset="-127"/>
+                <a:ea typeface="나눔스퀘어 ExtraBold" panose="020B0600000101010101" pitchFamily="50" charset="-127"/>
+              </a:rPr>
+              <a:t>할 수 있게 해야 합니다</a:t>
             </a:r>
             <a:r>
               <a:rPr lang="en-US" altLang="ko-KR" sz="1900" spc="-150" dirty="0">
-                <a:solidFill>
-                  <a:srgbClr val="00002F"/>
-                </a:solidFill>
-                <a:latin typeface="나눔스퀘어 ExtraBold" panose="020B0600000101010101" pitchFamily="50" charset="-127"/>
-                <a:ea typeface="나눔스퀘어 ExtraBold" panose="020B0600000101010101" pitchFamily="50" charset="-127"/>
-              </a:rPr>
-              <a:t>: </a:t>
-            </a:r>
-            <a:r>
-              <a:rPr lang="ko-KR" altLang="ko-KR" sz="1900" spc="-150" dirty="0">
-                <a:solidFill>
-                  <a:srgbClr val="00002F"/>
-                </a:solidFill>
-                <a:latin typeface="나눔스퀘어 ExtraBold" panose="020B0600000101010101" pitchFamily="50" charset="-127"/>
-                <a:ea typeface="나눔스퀘어 ExtraBold" panose="020B0600000101010101" pitchFamily="50" charset="-127"/>
-              </a:rPr>
-              <a:t>시스템은 사용자가 </a:t>
-            </a:r>
-            <a:r>
-              <a:rPr lang="ko-KR" altLang="en-US" sz="1900" spc="-150" dirty="0" smtClean="0">
-                <a:solidFill>
-                  <a:srgbClr val="00002F"/>
-                </a:solidFill>
-                <a:latin typeface="나눔스퀘어 ExtraBold" panose="020B0600000101010101" pitchFamily="50" charset="-127"/>
-                <a:ea typeface="나눔스퀘어 ExtraBold" panose="020B0600000101010101" pitchFamily="50" charset="-127"/>
-              </a:rPr>
-              <a:t>마우스 클릭을 통해 </a:t>
-            </a:r>
-            <a:r>
-              <a:rPr lang="ko-KR" altLang="ko-KR" sz="1900" spc="-150" dirty="0" smtClean="0">
-                <a:solidFill>
-                  <a:srgbClr val="00002F"/>
-                </a:solidFill>
-                <a:latin typeface="나눔스퀘어 ExtraBold" panose="020B0600000101010101" pitchFamily="50" charset="-127"/>
-                <a:ea typeface="나눔스퀘어 ExtraBold" panose="020B0600000101010101" pitchFamily="50" charset="-127"/>
-              </a:rPr>
-              <a:t>매크로 </a:t>
-            </a:r>
-            <a:r>
-              <a:rPr lang="ko-KR" altLang="ko-KR" sz="1900" spc="-150" dirty="0">
-                <a:solidFill>
-                  <a:srgbClr val="00002F"/>
-                </a:solidFill>
-                <a:latin typeface="나눔스퀘어 ExtraBold" panose="020B0600000101010101" pitchFamily="50" charset="-127"/>
-                <a:ea typeface="나눔스퀘어 ExtraBold" panose="020B0600000101010101" pitchFamily="50" charset="-127"/>
-              </a:rPr>
-              <a:t>리뷰 차단 여부 버튼을 </a:t>
-            </a:r>
-            <a:r>
-              <a:rPr lang="ko-KR" altLang="en-US" sz="1900" spc="-150" dirty="0" smtClean="0">
-                <a:solidFill>
-                  <a:srgbClr val="00002F"/>
-                </a:solidFill>
-                <a:latin typeface="나눔스퀘어 ExtraBold" panose="020B0600000101010101" pitchFamily="50" charset="-127"/>
-                <a:ea typeface="나눔스퀘어 ExtraBold" panose="020B0600000101010101" pitchFamily="50" charset="-127"/>
-              </a:rPr>
-              <a:t>눌러</a:t>
-            </a:r>
-            <a:r>
-              <a:rPr lang="ko-KR" altLang="ko-KR" sz="1900" spc="-150" dirty="0" smtClean="0">
-                <a:solidFill>
-                  <a:srgbClr val="00002F"/>
-                </a:solidFill>
-                <a:latin typeface="나눔스퀘어 ExtraBold" panose="020B0600000101010101" pitchFamily="50" charset="-127"/>
-                <a:ea typeface="나눔스퀘어 ExtraBold" panose="020B0600000101010101" pitchFamily="50" charset="-127"/>
-              </a:rPr>
-              <a:t> 활성화</a:t>
-            </a:r>
-            <a:r>
-              <a:rPr lang="ko-KR" altLang="en-US" sz="1900" spc="-150" dirty="0" smtClean="0">
-                <a:solidFill>
-                  <a:srgbClr val="00002F"/>
-                </a:solidFill>
-                <a:latin typeface="나눔스퀘어 ExtraBold" panose="020B0600000101010101" pitchFamily="50" charset="-127"/>
-                <a:ea typeface="나눔스퀘어 ExtraBold" panose="020B0600000101010101" pitchFamily="50" charset="-127"/>
-              </a:rPr>
-              <a:t>할 수 있게 해야 합니다</a:t>
-            </a:r>
-            <a:r>
-              <a:rPr lang="en-US" altLang="ko-KR" sz="1900" spc="-150" dirty="0" smtClean="0">
                 <a:solidFill>
                   <a:srgbClr val="00002F"/>
                 </a:solidFill>
@@ -38722,16 +37932,6 @@
               </a:lnSpc>
             </a:pPr>
             <a:r>
-              <a:rPr lang="en-US" altLang="ko-KR" sz="1900" spc="-150" dirty="0" smtClean="0">
-                <a:solidFill>
-                  <a:srgbClr val="00002F"/>
-                </a:solidFill>
-                <a:latin typeface="나눔스퀘어 ExtraBold" panose="020B0600000101010101" pitchFamily="50" charset="-127"/>
-                <a:ea typeface="나눔스퀘어 ExtraBold" panose="020B0600000101010101" pitchFamily="50" charset="-127"/>
-              </a:rPr>
-              <a:t>REQ-4 </a:t>
-            </a:r>
-            <a:r>
               <a:rPr lang="en-US" altLang="ko-KR" sz="1900" spc="-150" dirty="0">
                 <a:solidFill>
                   <a:srgbClr val="00002F"/>
@@ -38739,17 +37939,57 @@
                 <a:latin typeface="나눔스퀘어 ExtraBold" panose="020B0600000101010101" pitchFamily="50" charset="-127"/>
                 <a:ea typeface="나눔스퀘어 ExtraBold" panose="020B0600000101010101" pitchFamily="50" charset="-127"/>
               </a:rPr>
-              <a:t>(FR / </a:t>
-            </a:r>
-            <a:r>
-              <a:rPr lang="en-US" altLang="ko-KR" sz="1900" spc="-150" dirty="0" smtClean="0">
-                <a:solidFill>
-                  <a:srgbClr val="00002F"/>
-                </a:solidFill>
-                <a:latin typeface="나눔스퀘어 ExtraBold" panose="020B0600000101010101" pitchFamily="50" charset="-127"/>
-                <a:ea typeface="나눔스퀘어 ExtraBold" panose="020B0600000101010101" pitchFamily="50" charset="-127"/>
-              </a:rPr>
-              <a:t>5) </a:t>
+              <a:t>REQ-4 (FR / 5) : </a:t>
+            </a:r>
+            <a:r>
+              <a:rPr lang="ko-KR" altLang="ko-KR" sz="1900" spc="-150" dirty="0">
+                <a:solidFill>
+                  <a:srgbClr val="00002F"/>
+                </a:solidFill>
+                <a:latin typeface="나눔스퀘어 ExtraBold" panose="020B0600000101010101" pitchFamily="50" charset="-127"/>
+                <a:ea typeface="나눔스퀘어 ExtraBold" panose="020B0600000101010101" pitchFamily="50" charset="-127"/>
+              </a:rPr>
+              <a:t>시스템은 사용자가 </a:t>
+            </a:r>
+            <a:r>
+              <a:rPr lang="ko-KR" altLang="en-US" sz="1900" spc="-150" dirty="0">
+                <a:solidFill>
+                  <a:srgbClr val="00002F"/>
+                </a:solidFill>
+                <a:latin typeface="나눔스퀘어 ExtraBold" panose="020B0600000101010101" pitchFamily="50" charset="-127"/>
+                <a:ea typeface="나눔스퀘어 ExtraBold" panose="020B0600000101010101" pitchFamily="50" charset="-127"/>
+              </a:rPr>
+              <a:t>마우스 클릭으로 </a:t>
+            </a:r>
+            <a:r>
+              <a:rPr lang="ko-KR" altLang="ko-KR" sz="1900" spc="-150" dirty="0">
+                <a:solidFill>
+                  <a:srgbClr val="00002F"/>
+                </a:solidFill>
+                <a:latin typeface="나눔스퀘어 ExtraBold" panose="020B0600000101010101" pitchFamily="50" charset="-127"/>
+                <a:ea typeface="나눔스퀘어 ExtraBold" panose="020B0600000101010101" pitchFamily="50" charset="-127"/>
+              </a:rPr>
+              <a:t>판단에 도움되는 </a:t>
+            </a:r>
+            <a:r>
+              <a:rPr lang="ko-KR" altLang="ko-KR" sz="1900" spc="-150" dirty="0" err="1">
+                <a:solidFill>
+                  <a:srgbClr val="00002F"/>
+                </a:solidFill>
+                <a:latin typeface="나눔스퀘어 ExtraBold" panose="020B0600000101010101" pitchFamily="50" charset="-127"/>
+                <a:ea typeface="나눔스퀘어 ExtraBold" panose="020B0600000101010101" pitchFamily="50" charset="-127"/>
+              </a:rPr>
+              <a:t>리뷰글</a:t>
+            </a:r>
+            <a:r>
+              <a:rPr lang="ko-KR" altLang="ko-KR" sz="1900" spc="-150" dirty="0">
+                <a:solidFill>
+                  <a:srgbClr val="00002F"/>
+                </a:solidFill>
+                <a:latin typeface="나눔스퀘어 ExtraBold" panose="020B0600000101010101" pitchFamily="50" charset="-127"/>
+                <a:ea typeface="나눔스퀘어 ExtraBold" panose="020B0600000101010101" pitchFamily="50" charset="-127"/>
+              </a:rPr>
+              <a:t> 강조 여부 버튼을 </a:t>
             </a:r>
             <a:r>
               <a:rPr lang="en-US" altLang="ko-KR" sz="1900" spc="-150" dirty="0">
@@ -38759,7 +37999,17 @@
                 <a:latin typeface="나눔스퀘어 ExtraBold" panose="020B0600000101010101" pitchFamily="50" charset="-127"/>
                 <a:ea typeface="나눔스퀘어 ExtraBold" panose="020B0600000101010101" pitchFamily="50" charset="-127"/>
               </a:rPr>
-              <a:t>: </a:t>
+              <a:t> </a:t>
+            </a:r>
+            <a:r>
+              <a:rPr lang="ko-KR" altLang="en-US" sz="1900" spc="-150" dirty="0">
+                <a:solidFill>
+                  <a:srgbClr val="00002F"/>
+                </a:solidFill>
+                <a:latin typeface="나눔스퀘어 ExtraBold" panose="020B0600000101010101" pitchFamily="50" charset="-127"/>
+                <a:ea typeface="나눔스퀘어 ExtraBold" panose="020B0600000101010101" pitchFamily="50" charset="-127"/>
+              </a:rPr>
+              <a:t>눌러 </a:t>
             </a:r>
             <a:r>
               <a:rPr lang="ko-KR" altLang="ko-KR" sz="1900" spc="-150" dirty="0">
@@ -38769,7 +38019,7 @@
                 <a:latin typeface="나눔스퀘어 ExtraBold" panose="020B0600000101010101" pitchFamily="50" charset="-127"/>
                 <a:ea typeface="나눔스퀘어 ExtraBold" panose="020B0600000101010101" pitchFamily="50" charset="-127"/>
               </a:rPr>
-              <a:t>시스템은 사용자가 </a:t>
+              <a:t>활성화</a:t>
             </a:r>
             <a:r>
               <a:rPr lang="ko-KR" altLang="en-US" sz="1900" spc="-150" dirty="0">
@@ -38779,7 +38029,17 @@
                 <a:latin typeface="나눔스퀘어 ExtraBold" panose="020B0600000101010101" pitchFamily="50" charset="-127"/>
                 <a:ea typeface="나눔스퀘어 ExtraBold" panose="020B0600000101010101" pitchFamily="50" charset="-127"/>
               </a:rPr>
-              <a:t>마우스 클릭으로 </a:t>
+              <a:t>할 수 있게 해야 합니다</a:t>
+            </a:r>
+            <a:r>
+              <a:rPr lang="en-US" altLang="ko-KR" sz="1900" spc="-150" dirty="0">
+                <a:solidFill>
+                  <a:srgbClr val="00002F"/>
+                </a:solidFill>
+                <a:latin typeface="나눔스퀘어 ExtraBold" panose="020B0600000101010101" pitchFamily="50" charset="-127"/>
+                <a:ea typeface="나눔스퀘어 ExtraBold" panose="020B0600000101010101" pitchFamily="50" charset="-127"/>
+              </a:rPr>
+              <a:t>. REQ-5 (NFR / 1) : </a:t>
             </a:r>
             <a:r>
               <a:rPr lang="ko-KR" altLang="ko-KR" sz="1900" spc="-150" dirty="0">
@@ -38789,17 +38049,17 @@
                 <a:latin typeface="나눔스퀘어 ExtraBold" panose="020B0600000101010101" pitchFamily="50" charset="-127"/>
                 <a:ea typeface="나눔스퀘어 ExtraBold" panose="020B0600000101010101" pitchFamily="50" charset="-127"/>
               </a:rPr>
-              <a:t>판단에 도움되는 </a:t>
-            </a:r>
-            <a:r>
-              <a:rPr lang="ko-KR" altLang="ko-KR" sz="1900" spc="-150" dirty="0" err="1">
-                <a:solidFill>
-                  <a:srgbClr val="00002F"/>
-                </a:solidFill>
-                <a:latin typeface="나눔스퀘어 ExtraBold" panose="020B0600000101010101" pitchFamily="50" charset="-127"/>
-                <a:ea typeface="나눔스퀘어 ExtraBold" panose="020B0600000101010101" pitchFamily="50" charset="-127"/>
-              </a:rPr>
-              <a:t>리뷰글</a:t>
+              <a:t>시스템은 사용자로 하여금 </a:t>
+            </a:r>
+            <a:r>
+              <a:rPr lang="ko-KR" altLang="en-US" sz="1900" spc="-150" dirty="0">
+                <a:solidFill>
+                  <a:srgbClr val="00002F"/>
+                </a:solidFill>
+                <a:latin typeface="나눔스퀘어 ExtraBold" panose="020B0600000101010101" pitchFamily="50" charset="-127"/>
+                <a:ea typeface="나눔스퀘어 ExtraBold" panose="020B0600000101010101" pitchFamily="50" charset="-127"/>
+              </a:rPr>
+              <a:t>프로그램 활성화 여부</a:t>
             </a:r>
             <a:r>
               <a:rPr lang="ko-KR" altLang="ko-KR" sz="1900" spc="-150" dirty="0">
@@ -38809,27 +38069,17 @@
                 <a:latin typeface="나눔스퀘어 ExtraBold" panose="020B0600000101010101" pitchFamily="50" charset="-127"/>
                 <a:ea typeface="나눔스퀘어 ExtraBold" panose="020B0600000101010101" pitchFamily="50" charset="-127"/>
               </a:rPr>
-              <a:t> 강조 여부 버튼을 </a:t>
-            </a:r>
-            <a:r>
-              <a:rPr lang="en-US" altLang="ko-KR" sz="1900" spc="-150" dirty="0" smtClean="0">
-                <a:solidFill>
-                  <a:srgbClr val="00002F"/>
-                </a:solidFill>
-                <a:latin typeface="나눔스퀘어 ExtraBold" panose="020B0600000101010101" pitchFamily="50" charset="-127"/>
-                <a:ea typeface="나눔스퀘어 ExtraBold" panose="020B0600000101010101" pitchFamily="50" charset="-127"/>
-              </a:rPr>
-              <a:t> </a:t>
-            </a:r>
-            <a:r>
-              <a:rPr lang="ko-KR" altLang="en-US" sz="1900" spc="-150" dirty="0" smtClean="0">
-                <a:solidFill>
-                  <a:srgbClr val="00002F"/>
-                </a:solidFill>
-                <a:latin typeface="나눔스퀘어 ExtraBold" panose="020B0600000101010101" pitchFamily="50" charset="-127"/>
-                <a:ea typeface="나눔스퀘어 ExtraBold" panose="020B0600000101010101" pitchFamily="50" charset="-127"/>
-              </a:rPr>
-              <a:t>눌러 </a:t>
+              <a:t> 버튼이 활성화될 시</a:t>
+            </a:r>
+            <a:r>
+              <a:rPr lang="en-US" altLang="ko-KR" sz="1900" spc="-150" dirty="0">
+                <a:solidFill>
+                  <a:srgbClr val="00002F"/>
+                </a:solidFill>
+                <a:latin typeface="나눔스퀘어 ExtraBold" panose="020B0600000101010101" pitchFamily="50" charset="-127"/>
+                <a:ea typeface="나눔스퀘어 ExtraBold" panose="020B0600000101010101" pitchFamily="50" charset="-127"/>
+              </a:rPr>
+              <a:t>, </a:t>
             </a:r>
             <a:r>
               <a:rPr lang="ko-KR" altLang="ko-KR" sz="1900" spc="-150" dirty="0">
@@ -38839,7 +38089,27 @@
                 <a:latin typeface="나눔스퀘어 ExtraBold" panose="020B0600000101010101" pitchFamily="50" charset="-127"/>
                 <a:ea typeface="나눔스퀘어 ExtraBold" panose="020B0600000101010101" pitchFamily="50" charset="-127"/>
               </a:rPr>
-              <a:t>활성화</a:t>
+              <a:t>해당하는 설정을 기반으로 </a:t>
+            </a:r>
+            <a:r>
+              <a:rPr lang="en-US" altLang="ko-KR" sz="1900" spc="-150" dirty="0">
+                <a:solidFill>
+                  <a:srgbClr val="00002F"/>
+                </a:solidFill>
+                <a:latin typeface="나눔스퀘어 ExtraBold" panose="020B0600000101010101" pitchFamily="50" charset="-127"/>
+                <a:ea typeface="나눔스퀘어 ExtraBold" panose="020B0600000101010101" pitchFamily="50" charset="-127"/>
+              </a:rPr>
+              <a:t>html</a:t>
+            </a:r>
+            <a:r>
+              <a:rPr lang="ko-KR" altLang="ko-KR" sz="1900" spc="-150" dirty="0">
+                <a:solidFill>
+                  <a:srgbClr val="00002F"/>
+                </a:solidFill>
+                <a:latin typeface="나눔스퀘어 ExtraBold" panose="020B0600000101010101" pitchFamily="50" charset="-127"/>
+                <a:ea typeface="나눔스퀘어 ExtraBold" panose="020B0600000101010101" pitchFamily="50" charset="-127"/>
+              </a:rPr>
+              <a:t>의 구성 요소를 삭제해 주거나 폰트를 비롯한 방법을 이용해 강조</a:t>
             </a:r>
             <a:r>
               <a:rPr lang="ko-KR" altLang="en-US" sz="1900" spc="-150" dirty="0">
@@ -38849,27 +38119,7 @@
                 <a:latin typeface="나눔스퀘어 ExtraBold" panose="020B0600000101010101" pitchFamily="50" charset="-127"/>
                 <a:ea typeface="나눔스퀘어 ExtraBold" panose="020B0600000101010101" pitchFamily="50" charset="-127"/>
               </a:rPr>
-              <a:t>할 수 있게 </a:t>
-            </a:r>
-            <a:r>
-              <a:rPr lang="ko-KR" altLang="en-US" sz="1900" spc="-150" dirty="0" smtClean="0">
-                <a:solidFill>
-                  <a:srgbClr val="00002F"/>
-                </a:solidFill>
-                <a:latin typeface="나눔스퀘어 ExtraBold" panose="020B0600000101010101" pitchFamily="50" charset="-127"/>
-                <a:ea typeface="나눔스퀘어 ExtraBold" panose="020B0600000101010101" pitchFamily="50" charset="-127"/>
-              </a:rPr>
-              <a:t>해야 합니다</a:t>
-            </a:r>
-            <a:r>
-              <a:rPr lang="en-US" altLang="ko-KR" sz="1900" spc="-150" dirty="0" smtClean="0">
-                <a:solidFill>
-                  <a:srgbClr val="00002F"/>
-                </a:solidFill>
-                <a:latin typeface="나눔스퀘어 ExtraBold" panose="020B0600000101010101" pitchFamily="50" charset="-127"/>
-                <a:ea typeface="나눔스퀘어 ExtraBold" panose="020B0600000101010101" pitchFamily="50" charset="-127"/>
-              </a:rPr>
-              <a:t>. REQ-5 (</a:t>
+              <a:t>하는 등으로 </a:t>
             </a:r>
             <a:r>
               <a:rPr lang="en-US" altLang="ko-KR" sz="1900" spc="-150" dirty="0">
@@ -38879,170 +38129,20 @@
                 <a:latin typeface="나눔스퀘어 ExtraBold" panose="020B0600000101010101" pitchFamily="50" charset="-127"/>
                 <a:ea typeface="나눔스퀘어 ExtraBold" panose="020B0600000101010101" pitchFamily="50" charset="-127"/>
               </a:rPr>
-              <a:t>N</a:t>
-            </a:r>
-            <a:r>
-              <a:rPr lang="en-US" altLang="ko-KR" sz="1900" spc="-150" dirty="0" smtClean="0">
-                <a:solidFill>
-                  <a:srgbClr val="00002F"/>
-                </a:solidFill>
-                <a:latin typeface="나눔스퀘어 ExtraBold" panose="020B0600000101010101" pitchFamily="50" charset="-127"/>
-                <a:ea typeface="나눔스퀘어 ExtraBold" panose="020B0600000101010101" pitchFamily="50" charset="-127"/>
-              </a:rPr>
-              <a:t>FR </a:t>
+              <a:t>REQ-2, REQ-3, REQ-4 </a:t>
+            </a:r>
+            <a:r>
+              <a:rPr lang="ko-KR" altLang="en-US" sz="1900" spc="-150" dirty="0">
+                <a:solidFill>
+                  <a:srgbClr val="00002F"/>
+                </a:solidFill>
+                <a:latin typeface="나눔스퀘어 ExtraBold" panose="020B0600000101010101" pitchFamily="50" charset="-127"/>
+                <a:ea typeface="나눔스퀘어 ExtraBold" panose="020B0600000101010101" pitchFamily="50" charset="-127"/>
+              </a:rPr>
+              <a:t>중 활성화된 기능을 브라우저에 반영해 갱신하여 보여줄 수 있어야 합니다</a:t>
             </a:r>
             <a:r>
               <a:rPr lang="en-US" altLang="ko-KR" sz="1900" spc="-150" dirty="0">
-                <a:solidFill>
-                  <a:srgbClr val="00002F"/>
-                </a:solidFill>
-                <a:latin typeface="나눔스퀘어 ExtraBold" panose="020B0600000101010101" pitchFamily="50" charset="-127"/>
-                <a:ea typeface="나눔스퀘어 ExtraBold" panose="020B0600000101010101" pitchFamily="50" charset="-127"/>
-              </a:rPr>
-              <a:t>/ </a:t>
-            </a:r>
-            <a:r>
-              <a:rPr lang="en-US" altLang="ko-KR" sz="1900" spc="-150" dirty="0" smtClean="0">
-                <a:solidFill>
-                  <a:srgbClr val="00002F"/>
-                </a:solidFill>
-                <a:latin typeface="나눔스퀘어 ExtraBold" panose="020B0600000101010101" pitchFamily="50" charset="-127"/>
-                <a:ea typeface="나눔스퀘어 ExtraBold" panose="020B0600000101010101" pitchFamily="50" charset="-127"/>
-              </a:rPr>
-              <a:t>1) </a:t>
-            </a:r>
-            <a:r>
-              <a:rPr lang="en-US" altLang="ko-KR" sz="1900" spc="-150" dirty="0">
-                <a:solidFill>
-                  <a:srgbClr val="00002F"/>
-                </a:solidFill>
-                <a:latin typeface="나눔스퀘어 ExtraBold" panose="020B0600000101010101" pitchFamily="50" charset="-127"/>
-                <a:ea typeface="나눔스퀘어 ExtraBold" panose="020B0600000101010101" pitchFamily="50" charset="-127"/>
-              </a:rPr>
-              <a:t>: </a:t>
-            </a:r>
-            <a:r>
-              <a:rPr lang="ko-KR" altLang="ko-KR" sz="1900" spc="-150" dirty="0">
-                <a:solidFill>
-                  <a:srgbClr val="00002F"/>
-                </a:solidFill>
-                <a:latin typeface="나눔스퀘어 ExtraBold" panose="020B0600000101010101" pitchFamily="50" charset="-127"/>
-                <a:ea typeface="나눔스퀘어 ExtraBold" panose="020B0600000101010101" pitchFamily="50" charset="-127"/>
-              </a:rPr>
-              <a:t>시스템은 사용자로 하여금 </a:t>
-            </a:r>
-            <a:r>
-              <a:rPr lang="ko-KR" altLang="en-US" sz="1900" spc="-150" dirty="0" smtClean="0">
-                <a:solidFill>
-                  <a:srgbClr val="00002F"/>
-                </a:solidFill>
-                <a:latin typeface="나눔스퀘어 ExtraBold" panose="020B0600000101010101" pitchFamily="50" charset="-127"/>
-                <a:ea typeface="나눔스퀘어 ExtraBold" panose="020B0600000101010101" pitchFamily="50" charset="-127"/>
-              </a:rPr>
-              <a:t>프로그램 활성화 여부</a:t>
-            </a:r>
-            <a:r>
-              <a:rPr lang="ko-KR" altLang="ko-KR" sz="1900" spc="-150" dirty="0" smtClean="0">
-                <a:solidFill>
-                  <a:srgbClr val="00002F"/>
-                </a:solidFill>
-                <a:latin typeface="나눔스퀘어 ExtraBold" panose="020B0600000101010101" pitchFamily="50" charset="-127"/>
-                <a:ea typeface="나눔스퀘어 ExtraBold" panose="020B0600000101010101" pitchFamily="50" charset="-127"/>
-              </a:rPr>
-              <a:t> </a:t>
-            </a:r>
-            <a:r>
-              <a:rPr lang="ko-KR" altLang="ko-KR" sz="1900" spc="-150" dirty="0">
-                <a:solidFill>
-                  <a:srgbClr val="00002F"/>
-                </a:solidFill>
-                <a:latin typeface="나눔스퀘어 ExtraBold" panose="020B0600000101010101" pitchFamily="50" charset="-127"/>
-                <a:ea typeface="나눔스퀘어 ExtraBold" panose="020B0600000101010101" pitchFamily="50" charset="-127"/>
-              </a:rPr>
-              <a:t>버튼이 활성화될 시</a:t>
-            </a:r>
-            <a:r>
-              <a:rPr lang="en-US" altLang="ko-KR" sz="1900" spc="-150" dirty="0">
-                <a:solidFill>
-                  <a:srgbClr val="00002F"/>
-                </a:solidFill>
-                <a:latin typeface="나눔스퀘어 ExtraBold" panose="020B0600000101010101" pitchFamily="50" charset="-127"/>
-                <a:ea typeface="나눔스퀘어 ExtraBold" panose="020B0600000101010101" pitchFamily="50" charset="-127"/>
-              </a:rPr>
-              <a:t>, </a:t>
-            </a:r>
-            <a:r>
-              <a:rPr lang="ko-KR" altLang="ko-KR" sz="1900" spc="-150" dirty="0">
-                <a:solidFill>
-                  <a:srgbClr val="00002F"/>
-                </a:solidFill>
-                <a:latin typeface="나눔스퀘어 ExtraBold" panose="020B0600000101010101" pitchFamily="50" charset="-127"/>
-                <a:ea typeface="나눔스퀘어 ExtraBold" panose="020B0600000101010101" pitchFamily="50" charset="-127"/>
-              </a:rPr>
-              <a:t>해당하는 설정을 기반으로 </a:t>
-            </a:r>
-            <a:r>
-              <a:rPr lang="en-US" altLang="ko-KR" sz="1900" spc="-150" dirty="0">
-                <a:solidFill>
-                  <a:srgbClr val="00002F"/>
-                </a:solidFill>
-                <a:latin typeface="나눔스퀘어 ExtraBold" panose="020B0600000101010101" pitchFamily="50" charset="-127"/>
-                <a:ea typeface="나눔스퀘어 ExtraBold" panose="020B0600000101010101" pitchFamily="50" charset="-127"/>
-              </a:rPr>
-              <a:t>html</a:t>
-            </a:r>
-            <a:r>
-              <a:rPr lang="ko-KR" altLang="ko-KR" sz="1900" spc="-150" dirty="0">
-                <a:solidFill>
-                  <a:srgbClr val="00002F"/>
-                </a:solidFill>
-                <a:latin typeface="나눔스퀘어 ExtraBold" panose="020B0600000101010101" pitchFamily="50" charset="-127"/>
-                <a:ea typeface="나눔스퀘어 ExtraBold" panose="020B0600000101010101" pitchFamily="50" charset="-127"/>
-              </a:rPr>
-              <a:t>의 구성 요소를 삭제해 주거나 폰트를 비롯한 방법을 이용해 </a:t>
-            </a:r>
-            <a:r>
-              <a:rPr lang="ko-KR" altLang="ko-KR" sz="1900" spc="-150" dirty="0" smtClean="0">
-                <a:solidFill>
-                  <a:srgbClr val="00002F"/>
-                </a:solidFill>
-                <a:latin typeface="나눔스퀘어 ExtraBold" panose="020B0600000101010101" pitchFamily="50" charset="-127"/>
-                <a:ea typeface="나눔스퀘어 ExtraBold" panose="020B0600000101010101" pitchFamily="50" charset="-127"/>
-              </a:rPr>
-              <a:t>강조</a:t>
-            </a:r>
-            <a:r>
-              <a:rPr lang="ko-KR" altLang="en-US" sz="1900" spc="-150" dirty="0" smtClean="0">
-                <a:solidFill>
-                  <a:srgbClr val="00002F"/>
-                </a:solidFill>
-                <a:latin typeface="나눔스퀘어 ExtraBold" panose="020B0600000101010101" pitchFamily="50" charset="-127"/>
-                <a:ea typeface="나눔스퀘어 ExtraBold" panose="020B0600000101010101" pitchFamily="50" charset="-127"/>
-              </a:rPr>
-              <a:t>하는 등으로 </a:t>
-            </a:r>
-            <a:r>
-              <a:rPr lang="en-US" altLang="ko-KR" sz="1900" spc="-150" dirty="0" smtClean="0">
-                <a:solidFill>
-                  <a:srgbClr val="00002F"/>
-                </a:solidFill>
-                <a:latin typeface="나눔스퀘어 ExtraBold" panose="020B0600000101010101" pitchFamily="50" charset="-127"/>
-                <a:ea typeface="나눔스퀘어 ExtraBold" panose="020B0600000101010101" pitchFamily="50" charset="-127"/>
-              </a:rPr>
-              <a:t>REQ-2, REQ-3, REQ-4 </a:t>
-            </a:r>
-            <a:r>
-              <a:rPr lang="ko-KR" altLang="en-US" sz="1900" spc="-150" dirty="0" smtClean="0">
-                <a:solidFill>
-                  <a:srgbClr val="00002F"/>
-                </a:solidFill>
-                <a:latin typeface="나눔스퀘어 ExtraBold" panose="020B0600000101010101" pitchFamily="50" charset="-127"/>
-                <a:ea typeface="나눔스퀘어 ExtraBold" panose="020B0600000101010101" pitchFamily="50" charset="-127"/>
-              </a:rPr>
-              <a:t>중 활성화된 기능을 브라우저에 반영해 갱신하여 보여줄 수 있어야 합니다</a:t>
-            </a:r>
-            <a:r>
-              <a:rPr lang="en-US" altLang="ko-KR" sz="1900" spc="-150" dirty="0" smtClean="0">
                 <a:solidFill>
                   <a:srgbClr val="00002F"/>
                 </a:solidFill>
@@ -39059,7 +38159,7 @@
               </a:lnSpc>
             </a:pPr>
             <a:r>
-              <a:rPr lang="en-US" altLang="ko-KR" sz="1900" spc="-150" dirty="0" smtClean="0">
+              <a:rPr lang="en-US" altLang="ko-KR" sz="1900" spc="-150" dirty="0">
                 <a:solidFill>
                   <a:srgbClr val="00002F"/>
                 </a:solidFill>
@@ -39069,7 +38169,7 @@
               <a:t>REQ-6 (FR/7) : </a:t>
             </a:r>
             <a:r>
-              <a:rPr lang="ko-KR" altLang="en-US" sz="1900" spc="-150" dirty="0" smtClean="0">
+              <a:rPr lang="ko-KR" altLang="en-US" sz="1900" spc="-150" dirty="0">
                 <a:solidFill>
                   <a:srgbClr val="00002F"/>
                 </a:solidFill>
@@ -39079,7 +38179,7 @@
               <a:t>시스템은 사용자로 하여금 프로그램 활성화 버튼이 비활성화될 시 기존의 </a:t>
             </a:r>
             <a:r>
-              <a:rPr lang="ko-KR" altLang="en-US" sz="1900" spc="-150" dirty="0" err="1" smtClean="0">
+              <a:rPr lang="ko-KR" altLang="en-US" sz="1900" spc="-150" dirty="0" err="1">
                 <a:solidFill>
                   <a:srgbClr val="00002F"/>
                 </a:solidFill>
@@ -39089,7 +38189,7 @@
               <a:t>웹페이지</a:t>
             </a:r>
             <a:r>
-              <a:rPr lang="ko-KR" altLang="en-US" sz="1900" spc="-150" dirty="0" smtClean="0">
+              <a:rPr lang="ko-KR" altLang="en-US" sz="1900" spc="-150" dirty="0">
                 <a:solidFill>
                   <a:srgbClr val="00002F"/>
                 </a:solidFill>
@@ -39099,7 +38199,7 @@
               <a:t> 화면을 보여줄 수 있어야 합니다</a:t>
             </a:r>
             <a:r>
-              <a:rPr lang="en-US" altLang="ko-KR" sz="1900" spc="-150" dirty="0" smtClean="0">
+              <a:rPr lang="en-US" altLang="ko-KR" sz="1900" spc="-150" dirty="0">
                 <a:solidFill>
                   <a:srgbClr val="00002F"/>
                 </a:solidFill>
@@ -39141,7 +38241,7 @@
           <a:lstStyle/>
           <a:p>
             <a:r>
-              <a:rPr lang="en-US" altLang="ko-KR" spc="-150" dirty="0" smtClean="0">
+              <a:rPr lang="en-US" altLang="ko-KR" spc="-150" dirty="0">
                 <a:solidFill>
                   <a:srgbClr val="00002F"/>
                 </a:solidFill>
@@ -39170,13 +38270,6 @@
   <p:clrMapOvr>
     <a:masterClrMapping/>
   </p:clrMapOvr>
-  <p:timing>
-    <p:tnLst>
-      <p:par>
-        <p:cTn id="1" dur="indefinite" restart="never" nodeType="tmRoot"/>
-      </p:par>
-    </p:tnLst>
-  </p:timing>
 </p:sld>
 </file>
 
